--- a/PPT.pptx
+++ b/PPT.pptx
@@ -25,6 +25,8 @@
     <p:sldId id="275" r:id="rId19"/>
     <p:sldId id="276" r:id="rId20"/>
     <p:sldId id="277" r:id="rId21"/>
+    <p:sldId id="278" r:id="rId22"/>
+    <p:sldId id="279" r:id="rId23"/>
   </p:sldIdLst>
   <p:sldSz cx="12192000" cy="6858000"/>
   <p:notesSz cx="6858000" cy="9144000"/>
@@ -125,7 +127,7 @@
   </p:defaultTextStyle>
   <p:extLst>
     <p:ext uri="{EFAFB233-063F-42B5-8137-9DF3F51BA10A}">
-      <p15:sldGuideLst xmlns:p15="http://schemas.microsoft.com/office/powerpoint/2012/main"/>
+      <p15:sldGuideLst xmlns:p15="http://schemas.microsoft.com/office/powerpoint/2012/main" xmlns=""/>
     </p:ext>
   </p:extLst>
 </p:presentation>
@@ -180,8 +182,8 @@
           </a:prstGeom>
           <a:noFill/>
           <a:extLst>
-            <a:ext uri="{909E8E84-426E-40dd-AFC4-6F175D3DCCD1}">
-              <a14:hiddenFill xmlns="" xmlns:a14="http://schemas.microsoft.com/office/drawing/2010/main">
+            <a:ext uri="{909E8E84-426E-40DD-AFC4-6F175D3DCCD1}">
+              <a14:hiddenFill xmlns:a14="http://schemas.microsoft.com/office/drawing/2010/main">
                 <a:solidFill>
                   <a:srgbClr val="FFFFFF"/>
                 </a:solidFill>
@@ -240,8 +242,8 @@
               <a:noFill/>
             </a:ln>
             <a:extLst>
-              <a:ext uri="{91240B29-F687-4f45-9708-019B960494DF}">
-                <a14:hiddenLine xmlns="" xmlns:a14="http://schemas.microsoft.com/office/drawing/2010/main" w="9525">
+              <a:ext uri="{91240B29-F687-4F45-9708-019B960494DF}">
+                <a14:hiddenLine xmlns:a14="http://schemas.microsoft.com/office/drawing/2010/main" w="9525">
                   <a:solidFill>
                     <a:srgbClr val="000000"/>
                   </a:solidFill>
@@ -330,8 +332,8 @@
               <a:noFill/>
             </a:ln>
             <a:extLst>
-              <a:ext uri="{91240B29-F687-4f45-9708-019B960494DF}">
-                <a14:hiddenLine xmlns="" xmlns:a14="http://schemas.microsoft.com/office/drawing/2010/main" w="9525">
+              <a:ext uri="{91240B29-F687-4F45-9708-019B960494DF}">
+                <a14:hiddenLine xmlns:a14="http://schemas.microsoft.com/office/drawing/2010/main" w="9525">
                   <a:solidFill>
                     <a:srgbClr val="000000"/>
                   </a:solidFill>
@@ -420,8 +422,8 @@
               <a:noFill/>
             </a:ln>
             <a:extLst>
-              <a:ext uri="{91240B29-F687-4f45-9708-019B960494DF}">
-                <a14:hiddenLine xmlns="" xmlns:a14="http://schemas.microsoft.com/office/drawing/2010/main" w="9525">
+              <a:ext uri="{91240B29-F687-4F45-9708-019B960494DF}">
+                <a14:hiddenLine xmlns:a14="http://schemas.microsoft.com/office/drawing/2010/main" w="9525">
                   <a:solidFill>
                     <a:srgbClr val="000000"/>
                   </a:solidFill>
@@ -454,8 +456,8 @@
               <a:noFill/>
             </a:ln>
             <a:extLst>
-              <a:ext uri="{91240B29-F687-4f45-9708-019B960494DF}">
-                <a14:hiddenLine xmlns="" xmlns:a14="http://schemas.microsoft.com/office/drawing/2010/main" w="9525">
+              <a:ext uri="{91240B29-F687-4F45-9708-019B960494DF}">
+                <a14:hiddenLine xmlns:a14="http://schemas.microsoft.com/office/drawing/2010/main" w="9525">
                   <a:solidFill>
                     <a:srgbClr val="000000"/>
                   </a:solidFill>
@@ -544,8 +546,8 @@
               <a:noFill/>
             </a:ln>
             <a:extLst>
-              <a:ext uri="{91240B29-F687-4f45-9708-019B960494DF}">
-                <a14:hiddenLine xmlns="" xmlns:a14="http://schemas.microsoft.com/office/drawing/2010/main" w="9525">
+              <a:ext uri="{91240B29-F687-4F45-9708-019B960494DF}">
+                <a14:hiddenLine xmlns:a14="http://schemas.microsoft.com/office/drawing/2010/main" w="9525">
                   <a:solidFill>
                     <a:srgbClr val="000000"/>
                   </a:solidFill>
@@ -606,8 +608,8 @@
               <a:noFill/>
             </a:ln>
             <a:extLst>
-              <a:ext uri="{91240B29-F687-4f45-9708-019B960494DF}">
-                <a14:hiddenLine xmlns="" xmlns:a14="http://schemas.microsoft.com/office/drawing/2010/main" w="9525">
+              <a:ext uri="{91240B29-F687-4F45-9708-019B960494DF}">
+                <a14:hiddenLine xmlns:a14="http://schemas.microsoft.com/office/drawing/2010/main" w="9525">
                   <a:solidFill>
                     <a:srgbClr val="000000"/>
                   </a:solidFill>
@@ -668,8 +670,8 @@
               <a:noFill/>
             </a:ln>
             <a:extLst>
-              <a:ext uri="{91240B29-F687-4f45-9708-019B960494DF}">
-                <a14:hiddenLine xmlns="" xmlns:a14="http://schemas.microsoft.com/office/drawing/2010/main" w="9525">
+              <a:ext uri="{91240B29-F687-4F45-9708-019B960494DF}">
+                <a14:hiddenLine xmlns:a14="http://schemas.microsoft.com/office/drawing/2010/main" w="9525">
                   <a:solidFill>
                     <a:srgbClr val="000000"/>
                   </a:solidFill>
@@ -758,8 +760,8 @@
               <a:noFill/>
             </a:ln>
             <a:extLst>
-              <a:ext uri="{91240B29-F687-4f45-9708-019B960494DF}">
-                <a14:hiddenLine xmlns="" xmlns:a14="http://schemas.microsoft.com/office/drawing/2010/main" w="9525">
+              <a:ext uri="{91240B29-F687-4F45-9708-019B960494DF}">
+                <a14:hiddenLine xmlns:a14="http://schemas.microsoft.com/office/drawing/2010/main" w="9525">
                   <a:solidFill>
                     <a:srgbClr val="000000"/>
                   </a:solidFill>
@@ -820,8 +822,8 @@
               <a:noFill/>
             </a:ln>
             <a:extLst>
-              <a:ext uri="{91240B29-F687-4f45-9708-019B960494DF}">
-                <a14:hiddenLine xmlns="" xmlns:a14="http://schemas.microsoft.com/office/drawing/2010/main" w="9525">
+              <a:ext uri="{91240B29-F687-4F45-9708-019B960494DF}">
+                <a14:hiddenLine xmlns:a14="http://schemas.microsoft.com/office/drawing/2010/main" w="9525">
                   <a:solidFill>
                     <a:srgbClr val="000000"/>
                   </a:solidFill>
@@ -882,8 +884,8 @@
               <a:noFill/>
             </a:ln>
             <a:extLst>
-              <a:ext uri="{91240B29-F687-4f45-9708-019B960494DF}">
-                <a14:hiddenLine xmlns="" xmlns:a14="http://schemas.microsoft.com/office/drawing/2010/main" w="9525">
+              <a:ext uri="{91240B29-F687-4F45-9708-019B960494DF}">
+                <a14:hiddenLine xmlns:a14="http://schemas.microsoft.com/office/drawing/2010/main" w="9525">
                   <a:solidFill>
                     <a:srgbClr val="000000"/>
                   </a:solidFill>
@@ -972,8 +974,8 @@
               <a:noFill/>
             </a:ln>
             <a:extLst>
-              <a:ext uri="{91240B29-F687-4f45-9708-019B960494DF}">
-                <a14:hiddenLine xmlns="" xmlns:a14="http://schemas.microsoft.com/office/drawing/2010/main" w="9525">
+              <a:ext uri="{91240B29-F687-4F45-9708-019B960494DF}">
+                <a14:hiddenLine xmlns:a14="http://schemas.microsoft.com/office/drawing/2010/main" w="9525">
                   <a:solidFill>
                     <a:srgbClr val="000000"/>
                   </a:solidFill>
@@ -1062,8 +1064,8 @@
               <a:noFill/>
             </a:ln>
             <a:extLst>
-              <a:ext uri="{91240B29-F687-4f45-9708-019B960494DF}">
-                <a14:hiddenLine xmlns="" xmlns:a14="http://schemas.microsoft.com/office/drawing/2010/main" w="9525">
+              <a:ext uri="{91240B29-F687-4F45-9708-019B960494DF}">
+                <a14:hiddenLine xmlns:a14="http://schemas.microsoft.com/office/drawing/2010/main" w="9525">
                   <a:solidFill>
                     <a:srgbClr val="000000"/>
                   </a:solidFill>
@@ -1124,8 +1126,8 @@
               <a:noFill/>
             </a:ln>
             <a:extLst>
-              <a:ext uri="{91240B29-F687-4f45-9708-019B960494DF}">
-                <a14:hiddenLine xmlns="" xmlns:a14="http://schemas.microsoft.com/office/drawing/2010/main" w="9525">
+              <a:ext uri="{91240B29-F687-4F45-9708-019B960494DF}">
+                <a14:hiddenLine xmlns:a14="http://schemas.microsoft.com/office/drawing/2010/main" w="9525">
                   <a:solidFill>
                     <a:srgbClr val="000000"/>
                   </a:solidFill>
@@ -1234,8 +1236,8 @@
               <a:noFill/>
             </a:ln>
             <a:extLst>
-              <a:ext uri="{91240B29-F687-4f45-9708-019B960494DF}">
-                <a14:hiddenLine xmlns="" xmlns:a14="http://schemas.microsoft.com/office/drawing/2010/main" w="9525">
+              <a:ext uri="{91240B29-F687-4F45-9708-019B960494DF}">
+                <a14:hiddenLine xmlns:a14="http://schemas.microsoft.com/office/drawing/2010/main" w="9525">
                   <a:solidFill>
                     <a:srgbClr val="000000"/>
                   </a:solidFill>
@@ -1296,8 +1298,8 @@
               <a:noFill/>
             </a:ln>
             <a:extLst>
-              <a:ext uri="{91240B29-F687-4f45-9708-019B960494DF}">
-                <a14:hiddenLine xmlns="" xmlns:a14="http://schemas.microsoft.com/office/drawing/2010/main" w="9525">
+              <a:ext uri="{91240B29-F687-4F45-9708-019B960494DF}">
+                <a14:hiddenLine xmlns:a14="http://schemas.microsoft.com/office/drawing/2010/main" w="9525">
                   <a:solidFill>
                     <a:srgbClr val="000000"/>
                   </a:solidFill>
@@ -1386,8 +1388,8 @@
               <a:noFill/>
             </a:ln>
             <a:extLst>
-              <a:ext uri="{91240B29-F687-4f45-9708-019B960494DF}">
-                <a14:hiddenLine xmlns="" xmlns:a14="http://schemas.microsoft.com/office/drawing/2010/main" w="9525">
+              <a:ext uri="{91240B29-F687-4F45-9708-019B960494DF}">
+                <a14:hiddenLine xmlns:a14="http://schemas.microsoft.com/office/drawing/2010/main" w="9525">
                   <a:solidFill>
                     <a:srgbClr val="000000"/>
                   </a:solidFill>
@@ -1476,8 +1478,8 @@
               <a:noFill/>
             </a:ln>
             <a:extLst>
-              <a:ext uri="{91240B29-F687-4f45-9708-019B960494DF}">
-                <a14:hiddenLine xmlns="" xmlns:a14="http://schemas.microsoft.com/office/drawing/2010/main" w="9525">
+              <a:ext uri="{91240B29-F687-4F45-9708-019B960494DF}">
+                <a14:hiddenLine xmlns:a14="http://schemas.microsoft.com/office/drawing/2010/main" w="9525">
                   <a:solidFill>
                     <a:srgbClr val="000000"/>
                   </a:solidFill>
@@ -1538,8 +1540,8 @@
               <a:noFill/>
             </a:ln>
             <a:extLst>
-              <a:ext uri="{91240B29-F687-4f45-9708-019B960494DF}">
-                <a14:hiddenLine xmlns="" xmlns:a14="http://schemas.microsoft.com/office/drawing/2010/main" w="9525">
+              <a:ext uri="{91240B29-F687-4F45-9708-019B960494DF}">
+                <a14:hiddenLine xmlns:a14="http://schemas.microsoft.com/office/drawing/2010/main" w="9525">
                   <a:solidFill>
                     <a:srgbClr val="000000"/>
                   </a:solidFill>
@@ -1628,8 +1630,8 @@
               <a:noFill/>
             </a:ln>
             <a:extLst>
-              <a:ext uri="{91240B29-F687-4f45-9708-019B960494DF}">
-                <a14:hiddenLine xmlns="" xmlns:a14="http://schemas.microsoft.com/office/drawing/2010/main" w="9525">
+              <a:ext uri="{91240B29-F687-4F45-9708-019B960494DF}">
+                <a14:hiddenLine xmlns:a14="http://schemas.microsoft.com/office/drawing/2010/main" w="9525">
                   <a:solidFill>
                     <a:srgbClr val="000000"/>
                   </a:solidFill>
@@ -1718,8 +1720,8 @@
               <a:noFill/>
             </a:ln>
             <a:extLst>
-              <a:ext uri="{91240B29-F687-4f45-9708-019B960494DF}">
-                <a14:hiddenLine xmlns="" xmlns:a14="http://schemas.microsoft.com/office/drawing/2010/main" w="9525">
+              <a:ext uri="{91240B29-F687-4F45-9708-019B960494DF}">
+                <a14:hiddenLine xmlns:a14="http://schemas.microsoft.com/office/drawing/2010/main" w="9525">
                   <a:solidFill>
                     <a:srgbClr val="000000"/>
                   </a:solidFill>
@@ -1774,8 +1776,8 @@
               <a:noFill/>
             </a:ln>
             <a:extLst>
-              <a:ext uri="{91240B29-F687-4f45-9708-019B960494DF}">
-                <a14:hiddenLine xmlns="" xmlns:a14="http://schemas.microsoft.com/office/drawing/2010/main" w="9525">
+              <a:ext uri="{91240B29-F687-4F45-9708-019B960494DF}">
+                <a14:hiddenLine xmlns:a14="http://schemas.microsoft.com/office/drawing/2010/main" w="9525">
                   <a:solidFill>
                     <a:srgbClr val="000000"/>
                   </a:solidFill>
@@ -1864,8 +1866,8 @@
               <a:noFill/>
             </a:ln>
             <a:extLst>
-              <a:ext uri="{91240B29-F687-4f45-9708-019B960494DF}">
-                <a14:hiddenLine xmlns="" xmlns:a14="http://schemas.microsoft.com/office/drawing/2010/main" w="9525">
+              <a:ext uri="{91240B29-F687-4F45-9708-019B960494DF}">
+                <a14:hiddenLine xmlns:a14="http://schemas.microsoft.com/office/drawing/2010/main" w="9525">
                   <a:solidFill>
                     <a:srgbClr val="000000"/>
                   </a:solidFill>
@@ -1920,8 +1922,8 @@
               <a:noFill/>
             </a:ln>
             <a:extLst>
-              <a:ext uri="{91240B29-F687-4f45-9708-019B960494DF}">
-                <a14:hiddenLine xmlns="" xmlns:a14="http://schemas.microsoft.com/office/drawing/2010/main" w="9525">
+              <a:ext uri="{91240B29-F687-4F45-9708-019B960494DF}">
+                <a14:hiddenLine xmlns:a14="http://schemas.microsoft.com/office/drawing/2010/main" w="9525">
                   <a:solidFill>
                     <a:srgbClr val="000000"/>
                   </a:solidFill>
@@ -2010,8 +2012,8 @@
               <a:noFill/>
             </a:ln>
             <a:extLst>
-              <a:ext uri="{91240B29-F687-4f45-9708-019B960494DF}">
-                <a14:hiddenLine xmlns="" xmlns:a14="http://schemas.microsoft.com/office/drawing/2010/main" w="9525">
+              <a:ext uri="{91240B29-F687-4F45-9708-019B960494DF}">
+                <a14:hiddenLine xmlns:a14="http://schemas.microsoft.com/office/drawing/2010/main" w="9525">
                   <a:solidFill>
                     <a:srgbClr val="000000"/>
                   </a:solidFill>
@@ -2078,8 +2080,8 @@
               <a:noFill/>
             </a:ln>
             <a:extLst>
-              <a:ext uri="{91240B29-F687-4f45-9708-019B960494DF}">
-                <a14:hiddenLine xmlns="" xmlns:a14="http://schemas.microsoft.com/office/drawing/2010/main" w="9525">
+              <a:ext uri="{91240B29-F687-4F45-9708-019B960494DF}">
+                <a14:hiddenLine xmlns:a14="http://schemas.microsoft.com/office/drawing/2010/main" w="9525">
                   <a:solidFill>
                     <a:srgbClr val="000000"/>
                   </a:solidFill>
@@ -2168,8 +2170,8 @@
               <a:noFill/>
             </a:ln>
             <a:extLst>
-              <a:ext uri="{91240B29-F687-4f45-9708-019B960494DF}">
-                <a14:hiddenLine xmlns="" xmlns:a14="http://schemas.microsoft.com/office/drawing/2010/main" w="9525">
+              <a:ext uri="{91240B29-F687-4F45-9708-019B960494DF}">
+                <a14:hiddenLine xmlns:a14="http://schemas.microsoft.com/office/drawing/2010/main" w="9525">
                   <a:solidFill>
                     <a:srgbClr val="000000"/>
                   </a:solidFill>
@@ -2236,8 +2238,8 @@
               <a:noFill/>
             </a:ln>
             <a:extLst>
-              <a:ext uri="{91240B29-F687-4f45-9708-019B960494DF}">
-                <a14:hiddenLine xmlns="" xmlns:a14="http://schemas.microsoft.com/office/drawing/2010/main" w="9525">
+              <a:ext uri="{91240B29-F687-4F45-9708-019B960494DF}">
+                <a14:hiddenLine xmlns:a14="http://schemas.microsoft.com/office/drawing/2010/main" w="9525">
                   <a:solidFill>
                     <a:srgbClr val="000000"/>
                   </a:solidFill>
@@ -2326,8 +2328,8 @@
               <a:noFill/>
             </a:ln>
             <a:extLst>
-              <a:ext uri="{91240B29-F687-4f45-9708-019B960494DF}">
-                <a14:hiddenLine xmlns="" xmlns:a14="http://schemas.microsoft.com/office/drawing/2010/main" w="9525">
+              <a:ext uri="{91240B29-F687-4F45-9708-019B960494DF}">
+                <a14:hiddenLine xmlns:a14="http://schemas.microsoft.com/office/drawing/2010/main" w="9525">
                   <a:solidFill>
                     <a:srgbClr val="000000"/>
                   </a:solidFill>
@@ -2360,8 +2362,8 @@
               <a:noFill/>
             </a:ln>
             <a:extLst>
-              <a:ext uri="{91240B29-F687-4f45-9708-019B960494DF}">
-                <a14:hiddenLine xmlns="" xmlns:a14="http://schemas.microsoft.com/office/drawing/2010/main" w="9525">
+              <a:ext uri="{91240B29-F687-4F45-9708-019B960494DF}">
+                <a14:hiddenLine xmlns:a14="http://schemas.microsoft.com/office/drawing/2010/main" w="9525">
                   <a:solidFill>
                     <a:srgbClr val="000000"/>
                   </a:solidFill>
@@ -2450,8 +2452,8 @@
               <a:noFill/>
             </a:ln>
             <a:extLst>
-              <a:ext uri="{91240B29-F687-4f45-9708-019B960494DF}">
-                <a14:hiddenLine xmlns="" xmlns:a14="http://schemas.microsoft.com/office/drawing/2010/main" w="9525">
+              <a:ext uri="{91240B29-F687-4F45-9708-019B960494DF}">
+                <a14:hiddenLine xmlns:a14="http://schemas.microsoft.com/office/drawing/2010/main" w="9525">
                   <a:solidFill>
                     <a:srgbClr val="000000"/>
                   </a:solidFill>
@@ -2512,8 +2514,8 @@
               <a:noFill/>
             </a:ln>
             <a:extLst>
-              <a:ext uri="{91240B29-F687-4f45-9708-019B960494DF}">
-                <a14:hiddenLine xmlns="" xmlns:a14="http://schemas.microsoft.com/office/drawing/2010/main" w="9525">
+              <a:ext uri="{91240B29-F687-4F45-9708-019B960494DF}">
+                <a14:hiddenLine xmlns:a14="http://schemas.microsoft.com/office/drawing/2010/main" w="9525">
                   <a:solidFill>
                     <a:srgbClr val="000000"/>
                   </a:solidFill>
@@ -2574,8 +2576,8 @@
               <a:noFill/>
             </a:ln>
             <a:extLst>
-              <a:ext uri="{91240B29-F687-4f45-9708-019B960494DF}">
-                <a14:hiddenLine xmlns="" xmlns:a14="http://schemas.microsoft.com/office/drawing/2010/main" w="9525">
+              <a:ext uri="{91240B29-F687-4F45-9708-019B960494DF}">
+                <a14:hiddenLine xmlns:a14="http://schemas.microsoft.com/office/drawing/2010/main" w="9525">
                   <a:solidFill>
                     <a:srgbClr val="000000"/>
                   </a:solidFill>
@@ -2664,8 +2666,8 @@
               <a:noFill/>
             </a:ln>
             <a:extLst>
-              <a:ext uri="{91240B29-F687-4f45-9708-019B960494DF}">
-                <a14:hiddenLine xmlns="" xmlns:a14="http://schemas.microsoft.com/office/drawing/2010/main" w="9525">
+              <a:ext uri="{91240B29-F687-4F45-9708-019B960494DF}">
+                <a14:hiddenLine xmlns:a14="http://schemas.microsoft.com/office/drawing/2010/main" w="9525">
                   <a:solidFill>
                     <a:srgbClr val="000000"/>
                   </a:solidFill>
@@ -2732,8 +2734,8 @@
               <a:noFill/>
             </a:ln>
             <a:extLst>
-              <a:ext uri="{91240B29-F687-4f45-9708-019B960494DF}">
-                <a14:hiddenLine xmlns="" xmlns:a14="http://schemas.microsoft.com/office/drawing/2010/main" w="9525">
+              <a:ext uri="{91240B29-F687-4F45-9708-019B960494DF}">
+                <a14:hiddenLine xmlns:a14="http://schemas.microsoft.com/office/drawing/2010/main" w="9525">
                   <a:solidFill>
                     <a:srgbClr val="000000"/>
                   </a:solidFill>
@@ -2794,8 +2796,8 @@
               <a:noFill/>
             </a:ln>
             <a:extLst>
-              <a:ext uri="{91240B29-F687-4f45-9708-019B960494DF}">
-                <a14:hiddenLine xmlns="" xmlns:a14="http://schemas.microsoft.com/office/drawing/2010/main" w="9525">
+              <a:ext uri="{91240B29-F687-4F45-9708-019B960494DF}">
+                <a14:hiddenLine xmlns:a14="http://schemas.microsoft.com/office/drawing/2010/main" w="9525">
                   <a:solidFill>
                     <a:srgbClr val="000000"/>
                   </a:solidFill>
@@ -2884,8 +2886,8 @@
               <a:noFill/>
             </a:ln>
             <a:extLst>
-              <a:ext uri="{91240B29-F687-4f45-9708-019B960494DF}">
-                <a14:hiddenLine xmlns="" xmlns:a14="http://schemas.microsoft.com/office/drawing/2010/main" w="9525">
+              <a:ext uri="{91240B29-F687-4F45-9708-019B960494DF}">
+                <a14:hiddenLine xmlns:a14="http://schemas.microsoft.com/office/drawing/2010/main" w="9525">
                   <a:solidFill>
                     <a:srgbClr val="000000"/>
                   </a:solidFill>
@@ -2946,8 +2948,8 @@
               <a:noFill/>
             </a:ln>
             <a:extLst>
-              <a:ext uri="{91240B29-F687-4f45-9708-019B960494DF}">
-                <a14:hiddenLine xmlns="" xmlns:a14="http://schemas.microsoft.com/office/drawing/2010/main" w="9525">
+              <a:ext uri="{91240B29-F687-4F45-9708-019B960494DF}">
+                <a14:hiddenLine xmlns:a14="http://schemas.microsoft.com/office/drawing/2010/main" w="9525">
                   <a:solidFill>
                     <a:srgbClr val="000000"/>
                   </a:solidFill>
@@ -3036,8 +3038,8 @@
               <a:noFill/>
             </a:ln>
             <a:extLst>
-              <a:ext uri="{91240B29-F687-4f45-9708-019B960494DF}">
-                <a14:hiddenLine xmlns="" xmlns:a14="http://schemas.microsoft.com/office/drawing/2010/main" w="9525">
+              <a:ext uri="{91240B29-F687-4F45-9708-019B960494DF}">
+                <a14:hiddenLine xmlns:a14="http://schemas.microsoft.com/office/drawing/2010/main" w="9525">
                   <a:solidFill>
                     <a:srgbClr val="000000"/>
                   </a:solidFill>
@@ -3098,8 +3100,8 @@
               <a:noFill/>
             </a:ln>
             <a:extLst>
-              <a:ext uri="{91240B29-F687-4f45-9708-019B960494DF}">
-                <a14:hiddenLine xmlns="" xmlns:a14="http://schemas.microsoft.com/office/drawing/2010/main" w="9525">
+              <a:ext uri="{91240B29-F687-4F45-9708-019B960494DF}">
+                <a14:hiddenLine xmlns:a14="http://schemas.microsoft.com/office/drawing/2010/main" w="9525">
                   <a:solidFill>
                     <a:srgbClr val="000000"/>
                   </a:solidFill>
@@ -3188,8 +3190,8 @@
               <a:noFill/>
             </a:ln>
             <a:extLst>
-              <a:ext uri="{91240B29-F687-4f45-9708-019B960494DF}">
-                <a14:hiddenLine xmlns="" xmlns:a14="http://schemas.microsoft.com/office/drawing/2010/main" w="9525">
+              <a:ext uri="{91240B29-F687-4F45-9708-019B960494DF}">
+                <a14:hiddenLine xmlns:a14="http://schemas.microsoft.com/office/drawing/2010/main" w="9525">
                   <a:solidFill>
                     <a:srgbClr val="000000"/>
                   </a:solidFill>
@@ -3222,8 +3224,8 @@
               <a:noFill/>
             </a:ln>
             <a:extLst>
-              <a:ext uri="{91240B29-F687-4f45-9708-019B960494DF}">
-                <a14:hiddenLine xmlns="" xmlns:a14="http://schemas.microsoft.com/office/drawing/2010/main" w="9525">
+              <a:ext uri="{91240B29-F687-4F45-9708-019B960494DF}">
+                <a14:hiddenLine xmlns:a14="http://schemas.microsoft.com/office/drawing/2010/main" w="9525">
                   <a:solidFill>
                     <a:srgbClr val="000000"/>
                   </a:solidFill>
@@ -3287,8 +3289,8 @@
               <a:noFill/>
             </a:ln>
             <a:extLst>
-              <a:ext uri="{91240B29-F687-4f45-9708-019B960494DF}">
-                <a14:hiddenLine xmlns="" xmlns:a14="http://schemas.microsoft.com/office/drawing/2010/main" w="9525">
+              <a:ext uri="{91240B29-F687-4F45-9708-019B960494DF}">
+                <a14:hiddenLine xmlns:a14="http://schemas.microsoft.com/office/drawing/2010/main" w="9525">
                   <a:solidFill>
                     <a:srgbClr val="000000"/>
                   </a:solidFill>
@@ -3377,8 +3379,8 @@
               <a:noFill/>
             </a:ln>
             <a:extLst>
-              <a:ext uri="{91240B29-F687-4f45-9708-019B960494DF}">
-                <a14:hiddenLine xmlns="" xmlns:a14="http://schemas.microsoft.com/office/drawing/2010/main" w="9525">
+              <a:ext uri="{91240B29-F687-4F45-9708-019B960494DF}">
+                <a14:hiddenLine xmlns:a14="http://schemas.microsoft.com/office/drawing/2010/main" w="9525">
                   <a:solidFill>
                     <a:srgbClr val="000000"/>
                   </a:solidFill>
@@ -3439,8 +3441,8 @@
               <a:noFill/>
             </a:ln>
             <a:extLst>
-              <a:ext uri="{91240B29-F687-4f45-9708-019B960494DF}">
-                <a14:hiddenLine xmlns="" xmlns:a14="http://schemas.microsoft.com/office/drawing/2010/main" w="9525">
+              <a:ext uri="{91240B29-F687-4F45-9708-019B960494DF}">
+                <a14:hiddenLine xmlns:a14="http://schemas.microsoft.com/office/drawing/2010/main" w="9525">
                   <a:solidFill>
                     <a:srgbClr val="000000"/>
                   </a:solidFill>
@@ -3529,8 +3531,8 @@
               <a:noFill/>
             </a:ln>
             <a:extLst>
-              <a:ext uri="{91240B29-F687-4f45-9708-019B960494DF}">
-                <a14:hiddenLine xmlns="" xmlns:a14="http://schemas.microsoft.com/office/drawing/2010/main" w="9525">
+              <a:ext uri="{91240B29-F687-4F45-9708-019B960494DF}">
+                <a14:hiddenLine xmlns:a14="http://schemas.microsoft.com/office/drawing/2010/main" w="9525">
                   <a:solidFill>
                     <a:srgbClr val="000000"/>
                   </a:solidFill>
@@ -3619,8 +3621,8 @@
               <a:noFill/>
             </a:ln>
             <a:extLst>
-              <a:ext uri="{91240B29-F687-4f45-9708-019B960494DF}">
-                <a14:hiddenLine xmlns="" xmlns:a14="http://schemas.microsoft.com/office/drawing/2010/main" w="9525">
+              <a:ext uri="{91240B29-F687-4F45-9708-019B960494DF}">
+                <a14:hiddenLine xmlns:a14="http://schemas.microsoft.com/office/drawing/2010/main" w="9525">
                   <a:solidFill>
                     <a:srgbClr val="000000"/>
                   </a:solidFill>
@@ -3684,8 +3686,8 @@
               <a:noFill/>
             </a:ln>
             <a:extLst>
-              <a:ext uri="{91240B29-F687-4f45-9708-019B960494DF}">
-                <a14:hiddenLine xmlns="" xmlns:a14="http://schemas.microsoft.com/office/drawing/2010/main" w="9525">
+              <a:ext uri="{91240B29-F687-4F45-9708-019B960494DF}">
+                <a14:hiddenLine xmlns:a14="http://schemas.microsoft.com/office/drawing/2010/main" w="9525">
                   <a:solidFill>
                     <a:srgbClr val="000000"/>
                   </a:solidFill>
@@ -3746,8 +3748,8 @@
               <a:noFill/>
             </a:ln>
             <a:extLst>
-              <a:ext uri="{91240B29-F687-4f45-9708-019B960494DF}">
-                <a14:hiddenLine xmlns="" xmlns:a14="http://schemas.microsoft.com/office/drawing/2010/main" w="9525">
+              <a:ext uri="{91240B29-F687-4F45-9708-019B960494DF}">
+                <a14:hiddenLine xmlns:a14="http://schemas.microsoft.com/office/drawing/2010/main" w="9525">
                   <a:solidFill>
                     <a:srgbClr val="000000"/>
                   </a:solidFill>
@@ -3836,8 +3838,8 @@
               <a:noFill/>
             </a:ln>
             <a:extLst>
-              <a:ext uri="{91240B29-F687-4f45-9708-019B960494DF}">
-                <a14:hiddenLine xmlns="" xmlns:a14="http://schemas.microsoft.com/office/drawing/2010/main" w="9525">
+              <a:ext uri="{91240B29-F687-4F45-9708-019B960494DF}">
+                <a14:hiddenLine xmlns:a14="http://schemas.microsoft.com/office/drawing/2010/main" w="9525">
                   <a:solidFill>
                     <a:srgbClr val="000000"/>
                   </a:solidFill>
@@ -3926,8 +3928,8 @@
               <a:noFill/>
             </a:ln>
             <a:extLst>
-              <a:ext uri="{91240B29-F687-4f45-9708-019B960494DF}">
-                <a14:hiddenLine xmlns="" xmlns:a14="http://schemas.microsoft.com/office/drawing/2010/main" w="9525">
+              <a:ext uri="{91240B29-F687-4F45-9708-019B960494DF}">
+                <a14:hiddenLine xmlns:a14="http://schemas.microsoft.com/office/drawing/2010/main" w="9525">
                   <a:solidFill>
                     <a:srgbClr val="000000"/>
                   </a:solidFill>
@@ -3988,8 +3990,8 @@
               <a:noFill/>
             </a:ln>
             <a:extLst>
-              <a:ext uri="{91240B29-F687-4f45-9708-019B960494DF}">
-                <a14:hiddenLine xmlns="" xmlns:a14="http://schemas.microsoft.com/office/drawing/2010/main" w="9525">
+              <a:ext uri="{91240B29-F687-4F45-9708-019B960494DF}">
+                <a14:hiddenLine xmlns:a14="http://schemas.microsoft.com/office/drawing/2010/main" w="9525">
                   <a:solidFill>
                     <a:srgbClr val="000000"/>
                   </a:solidFill>
@@ -4108,8 +4110,8 @@
               <a:noFill/>
             </a:ln>
             <a:extLst>
-              <a:ext uri="{91240B29-F687-4f45-9708-019B960494DF}">
-                <a14:hiddenLine xmlns="" xmlns:a14="http://schemas.microsoft.com/office/drawing/2010/main" w="9525">
+              <a:ext uri="{91240B29-F687-4F45-9708-019B960494DF}">
+                <a14:hiddenLine xmlns:a14="http://schemas.microsoft.com/office/drawing/2010/main" w="9525">
                   <a:solidFill>
                     <a:srgbClr val="000000"/>
                   </a:solidFill>
@@ -4176,8 +4178,8 @@
               <a:noFill/>
             </a:ln>
             <a:extLst>
-              <a:ext uri="{91240B29-F687-4f45-9708-019B960494DF}">
-                <a14:hiddenLine xmlns="" xmlns:a14="http://schemas.microsoft.com/office/drawing/2010/main" w="9525">
+              <a:ext uri="{91240B29-F687-4F45-9708-019B960494DF}">
+                <a14:hiddenLine xmlns:a14="http://schemas.microsoft.com/office/drawing/2010/main" w="9525">
                   <a:solidFill>
                     <a:srgbClr val="000000"/>
                   </a:solidFill>
@@ -4266,8 +4268,8 @@
               <a:noFill/>
             </a:ln>
             <a:extLst>
-              <a:ext uri="{91240B29-F687-4f45-9708-019B960494DF}">
-                <a14:hiddenLine xmlns="" xmlns:a14="http://schemas.microsoft.com/office/drawing/2010/main" w="9525">
+              <a:ext uri="{91240B29-F687-4F45-9708-019B960494DF}">
+                <a14:hiddenLine xmlns:a14="http://schemas.microsoft.com/office/drawing/2010/main" w="9525">
                   <a:solidFill>
                     <a:srgbClr val="000000"/>
                   </a:solidFill>
@@ -8988,8 +8990,8 @@
           </a:prstGeom>
           <a:noFill/>
           <a:extLst>
-            <a:ext uri="{909E8E84-426E-40dd-AFC4-6F175D3DCCD1}">
-              <a14:hiddenFill xmlns="" xmlns:a14="http://schemas.microsoft.com/office/drawing/2010/main">
+            <a:ext uri="{909E8E84-426E-40DD-AFC4-6F175D3DCCD1}">
+              <a14:hiddenFill xmlns:a14="http://schemas.microsoft.com/office/drawing/2010/main">
                 <a:solidFill>
                   <a:srgbClr val="FFFFFF"/>
                 </a:solidFill>
@@ -9062,8 +9064,8 @@
                 <a:noFill/>
               </a:ln>
               <a:extLst>
-                <a:ext uri="{91240B29-F687-4f45-9708-019B960494DF}">
-                  <a14:hiddenLine xmlns="" xmlns:a14="http://schemas.microsoft.com/office/drawing/2010/main" w="9525">
+                <a:ext uri="{91240B29-F687-4F45-9708-019B960494DF}">
+                  <a14:hiddenLine xmlns:a14="http://schemas.microsoft.com/office/drawing/2010/main" w="9525">
                     <a:solidFill>
                       <a:srgbClr val="000000"/>
                     </a:solidFill>
@@ -9152,8 +9154,8 @@
                 <a:noFill/>
               </a:ln>
               <a:extLst>
-                <a:ext uri="{91240B29-F687-4f45-9708-019B960494DF}">
-                  <a14:hiddenLine xmlns="" xmlns:a14="http://schemas.microsoft.com/office/drawing/2010/main" w="9525">
+                <a:ext uri="{91240B29-F687-4F45-9708-019B960494DF}">
+                  <a14:hiddenLine xmlns:a14="http://schemas.microsoft.com/office/drawing/2010/main" w="9525">
                     <a:solidFill>
                       <a:srgbClr val="000000"/>
                     </a:solidFill>
@@ -9242,8 +9244,8 @@
                 <a:noFill/>
               </a:ln>
               <a:extLst>
-                <a:ext uri="{91240B29-F687-4f45-9708-019B960494DF}">
-                  <a14:hiddenLine xmlns="" xmlns:a14="http://schemas.microsoft.com/office/drawing/2010/main" w="9525">
+                <a:ext uri="{91240B29-F687-4F45-9708-019B960494DF}">
+                  <a14:hiddenLine xmlns:a14="http://schemas.microsoft.com/office/drawing/2010/main" w="9525">
                     <a:solidFill>
                       <a:srgbClr val="000000"/>
                     </a:solidFill>
@@ -9304,8 +9306,8 @@
                 <a:noFill/>
               </a:ln>
               <a:extLst>
-                <a:ext uri="{91240B29-F687-4f45-9708-019B960494DF}">
-                  <a14:hiddenLine xmlns="" xmlns:a14="http://schemas.microsoft.com/office/drawing/2010/main" w="9525">
+                <a:ext uri="{91240B29-F687-4F45-9708-019B960494DF}">
+                  <a14:hiddenLine xmlns:a14="http://schemas.microsoft.com/office/drawing/2010/main" w="9525">
                     <a:solidFill>
                       <a:srgbClr val="000000"/>
                     </a:solidFill>
@@ -9394,8 +9396,8 @@
                 <a:noFill/>
               </a:ln>
               <a:extLst>
-                <a:ext uri="{91240B29-F687-4f45-9708-019B960494DF}">
-                  <a14:hiddenLine xmlns="" xmlns:a14="http://schemas.microsoft.com/office/drawing/2010/main" w="9525">
+                <a:ext uri="{91240B29-F687-4F45-9708-019B960494DF}">
+                  <a14:hiddenLine xmlns:a14="http://schemas.microsoft.com/office/drawing/2010/main" w="9525">
                     <a:solidFill>
                       <a:srgbClr val="000000"/>
                     </a:solidFill>
@@ -9456,8 +9458,8 @@
                 <a:noFill/>
               </a:ln>
               <a:extLst>
-                <a:ext uri="{91240B29-F687-4f45-9708-019B960494DF}">
-                  <a14:hiddenLine xmlns="" xmlns:a14="http://schemas.microsoft.com/office/drawing/2010/main" w="9525">
+                <a:ext uri="{91240B29-F687-4F45-9708-019B960494DF}">
+                  <a14:hiddenLine xmlns:a14="http://schemas.microsoft.com/office/drawing/2010/main" w="9525">
                     <a:solidFill>
                       <a:srgbClr val="000000"/>
                     </a:solidFill>
@@ -9518,8 +9520,8 @@
                 <a:noFill/>
               </a:ln>
               <a:extLst>
-                <a:ext uri="{91240B29-F687-4f45-9708-019B960494DF}">
-                  <a14:hiddenLine xmlns="" xmlns:a14="http://schemas.microsoft.com/office/drawing/2010/main" w="9525">
+                <a:ext uri="{91240B29-F687-4F45-9708-019B960494DF}">
+                  <a14:hiddenLine xmlns:a14="http://schemas.microsoft.com/office/drawing/2010/main" w="9525">
                     <a:solidFill>
                       <a:srgbClr val="000000"/>
                     </a:solidFill>
@@ -9608,8 +9610,8 @@
                 <a:noFill/>
               </a:ln>
               <a:extLst>
-                <a:ext uri="{91240B29-F687-4f45-9708-019B960494DF}">
-                  <a14:hiddenLine xmlns="" xmlns:a14="http://schemas.microsoft.com/office/drawing/2010/main" w="9525">
+                <a:ext uri="{91240B29-F687-4F45-9708-019B960494DF}">
+                  <a14:hiddenLine xmlns:a14="http://schemas.microsoft.com/office/drawing/2010/main" w="9525">
                     <a:solidFill>
                       <a:srgbClr val="000000"/>
                     </a:solidFill>
@@ -9698,8 +9700,8 @@
                 <a:noFill/>
               </a:ln>
               <a:extLst>
-                <a:ext uri="{91240B29-F687-4f45-9708-019B960494DF}">
-                  <a14:hiddenLine xmlns="" xmlns:a14="http://schemas.microsoft.com/office/drawing/2010/main" w="9525">
+                <a:ext uri="{91240B29-F687-4F45-9708-019B960494DF}">
+                  <a14:hiddenLine xmlns:a14="http://schemas.microsoft.com/office/drawing/2010/main" w="9525">
                     <a:solidFill>
                       <a:srgbClr val="000000"/>
                     </a:solidFill>
@@ -9760,8 +9762,8 @@
                 <a:noFill/>
               </a:ln>
               <a:extLst>
-                <a:ext uri="{91240B29-F687-4f45-9708-019B960494DF}">
-                  <a14:hiddenLine xmlns="" xmlns:a14="http://schemas.microsoft.com/office/drawing/2010/main" w="9525">
+                <a:ext uri="{91240B29-F687-4F45-9708-019B960494DF}">
+                  <a14:hiddenLine xmlns:a14="http://schemas.microsoft.com/office/drawing/2010/main" w="9525">
                     <a:solidFill>
                       <a:srgbClr val="000000"/>
                     </a:solidFill>
@@ -9870,8 +9872,8 @@
                 <a:noFill/>
               </a:ln>
               <a:extLst>
-                <a:ext uri="{91240B29-F687-4f45-9708-019B960494DF}">
-                  <a14:hiddenLine xmlns="" xmlns:a14="http://schemas.microsoft.com/office/drawing/2010/main" w="9525">
+                <a:ext uri="{91240B29-F687-4F45-9708-019B960494DF}">
+                  <a14:hiddenLine xmlns:a14="http://schemas.microsoft.com/office/drawing/2010/main" w="9525">
                     <a:solidFill>
                       <a:srgbClr val="000000"/>
                     </a:solidFill>
@@ -9954,8 +9956,8 @@
                 <a:noFill/>
               </a:ln>
               <a:extLst>
-                <a:ext uri="{91240B29-F687-4f45-9708-019B960494DF}">
-                  <a14:hiddenLine xmlns="" xmlns:a14="http://schemas.microsoft.com/office/drawing/2010/main" w="9525">
+                <a:ext uri="{91240B29-F687-4F45-9708-019B960494DF}">
+                  <a14:hiddenLine xmlns:a14="http://schemas.microsoft.com/office/drawing/2010/main" w="9525">
                     <a:solidFill>
                       <a:srgbClr val="000000"/>
                     </a:solidFill>
@@ -10016,8 +10018,8 @@
                 <a:noFill/>
               </a:ln>
               <a:extLst>
-                <a:ext uri="{91240B29-F687-4f45-9708-019B960494DF}">
-                  <a14:hiddenLine xmlns="" xmlns:a14="http://schemas.microsoft.com/office/drawing/2010/main" w="9525">
+                <a:ext uri="{91240B29-F687-4F45-9708-019B960494DF}">
+                  <a14:hiddenLine xmlns:a14="http://schemas.microsoft.com/office/drawing/2010/main" w="9525">
                     <a:solidFill>
                       <a:srgbClr val="000000"/>
                     </a:solidFill>
@@ -10078,8 +10080,8 @@
                 <a:noFill/>
               </a:ln>
               <a:extLst>
-                <a:ext uri="{91240B29-F687-4f45-9708-019B960494DF}">
-                  <a14:hiddenLine xmlns="" xmlns:a14="http://schemas.microsoft.com/office/drawing/2010/main" w="9525">
+                <a:ext uri="{91240B29-F687-4F45-9708-019B960494DF}">
+                  <a14:hiddenLine xmlns:a14="http://schemas.microsoft.com/office/drawing/2010/main" w="9525">
                     <a:solidFill>
                       <a:srgbClr val="000000"/>
                     </a:solidFill>
@@ -10168,8 +10170,8 @@
                 <a:noFill/>
               </a:ln>
               <a:extLst>
-                <a:ext uri="{91240B29-F687-4f45-9708-019B960494DF}">
-                  <a14:hiddenLine xmlns="" xmlns:a14="http://schemas.microsoft.com/office/drawing/2010/main" w="9525">
+                <a:ext uri="{91240B29-F687-4F45-9708-019B960494DF}">
+                  <a14:hiddenLine xmlns:a14="http://schemas.microsoft.com/office/drawing/2010/main" w="9525">
                     <a:solidFill>
                       <a:srgbClr val="000000"/>
                     </a:solidFill>
@@ -10202,8 +10204,8 @@
                 <a:noFill/>
               </a:ln>
               <a:extLst>
-                <a:ext uri="{91240B29-F687-4f45-9708-019B960494DF}">
-                  <a14:hiddenLine xmlns="" xmlns:a14="http://schemas.microsoft.com/office/drawing/2010/main" w="9525">
+                <a:ext uri="{91240B29-F687-4F45-9708-019B960494DF}">
+                  <a14:hiddenLine xmlns:a14="http://schemas.microsoft.com/office/drawing/2010/main" w="9525">
                     <a:solidFill>
                       <a:srgbClr val="000000"/>
                     </a:solidFill>
@@ -10267,8 +10269,8 @@
                 <a:noFill/>
               </a:ln>
               <a:extLst>
-                <a:ext uri="{91240B29-F687-4f45-9708-019B960494DF}">
-                  <a14:hiddenLine xmlns="" xmlns:a14="http://schemas.microsoft.com/office/drawing/2010/main" w="9525">
+                <a:ext uri="{91240B29-F687-4F45-9708-019B960494DF}">
+                  <a14:hiddenLine xmlns:a14="http://schemas.microsoft.com/office/drawing/2010/main" w="9525">
                     <a:solidFill>
                       <a:srgbClr val="000000"/>
                     </a:solidFill>
@@ -10357,8 +10359,8 @@
                 <a:noFill/>
               </a:ln>
               <a:extLst>
-                <a:ext uri="{91240B29-F687-4f45-9708-019B960494DF}">
-                  <a14:hiddenLine xmlns="" xmlns:a14="http://schemas.microsoft.com/office/drawing/2010/main" w="9525">
+                <a:ext uri="{91240B29-F687-4F45-9708-019B960494DF}">
+                  <a14:hiddenLine xmlns:a14="http://schemas.microsoft.com/office/drawing/2010/main" w="9525">
                     <a:solidFill>
                       <a:srgbClr val="000000"/>
                     </a:solidFill>
@@ -10419,8 +10421,8 @@
                 <a:noFill/>
               </a:ln>
               <a:extLst>
-                <a:ext uri="{91240B29-F687-4f45-9708-019B960494DF}">
-                  <a14:hiddenLine xmlns="" xmlns:a14="http://schemas.microsoft.com/office/drawing/2010/main" w="9525">
+                <a:ext uri="{91240B29-F687-4F45-9708-019B960494DF}">
+                  <a14:hiddenLine xmlns:a14="http://schemas.microsoft.com/office/drawing/2010/main" w="9525">
                     <a:solidFill>
                       <a:srgbClr val="000000"/>
                     </a:solidFill>
@@ -10509,8 +10511,8 @@
                 <a:noFill/>
               </a:ln>
               <a:extLst>
-                <a:ext uri="{91240B29-F687-4f45-9708-019B960494DF}">
-                  <a14:hiddenLine xmlns="" xmlns:a14="http://schemas.microsoft.com/office/drawing/2010/main" w="9525">
+                <a:ext uri="{91240B29-F687-4F45-9708-019B960494DF}">
+                  <a14:hiddenLine xmlns:a14="http://schemas.microsoft.com/office/drawing/2010/main" w="9525">
                     <a:solidFill>
                       <a:srgbClr val="000000"/>
                     </a:solidFill>
@@ -10574,8 +10576,8 @@
                 <a:noFill/>
               </a:ln>
               <a:extLst>
-                <a:ext uri="{91240B29-F687-4f45-9708-019B960494DF}">
-                  <a14:hiddenLine xmlns="" xmlns:a14="http://schemas.microsoft.com/office/drawing/2010/main" w="9525">
+                <a:ext uri="{91240B29-F687-4F45-9708-019B960494DF}">
+                  <a14:hiddenLine xmlns:a14="http://schemas.microsoft.com/office/drawing/2010/main" w="9525">
                     <a:solidFill>
                       <a:srgbClr val="000000"/>
                     </a:solidFill>
@@ -10636,8 +10638,8 @@
                 <a:noFill/>
               </a:ln>
               <a:extLst>
-                <a:ext uri="{91240B29-F687-4f45-9708-019B960494DF}">
-                  <a14:hiddenLine xmlns="" xmlns:a14="http://schemas.microsoft.com/office/drawing/2010/main" w="9525">
+                <a:ext uri="{91240B29-F687-4F45-9708-019B960494DF}">
+                  <a14:hiddenLine xmlns:a14="http://schemas.microsoft.com/office/drawing/2010/main" w="9525">
                     <a:solidFill>
                       <a:srgbClr val="000000"/>
                     </a:solidFill>
@@ -10726,8 +10728,8 @@
                 <a:noFill/>
               </a:ln>
               <a:extLst>
-                <a:ext uri="{91240B29-F687-4f45-9708-019B960494DF}">
-                  <a14:hiddenLine xmlns="" xmlns:a14="http://schemas.microsoft.com/office/drawing/2010/main" w="9525">
+                <a:ext uri="{91240B29-F687-4F45-9708-019B960494DF}">
+                  <a14:hiddenLine xmlns:a14="http://schemas.microsoft.com/office/drawing/2010/main" w="9525">
                     <a:solidFill>
                       <a:srgbClr val="000000"/>
                     </a:solidFill>
@@ -10816,8 +10818,8 @@
                 <a:noFill/>
               </a:ln>
               <a:extLst>
-                <a:ext uri="{91240B29-F687-4f45-9708-019B960494DF}">
-                  <a14:hiddenLine xmlns="" xmlns:a14="http://schemas.microsoft.com/office/drawing/2010/main" w="9525">
+                <a:ext uri="{91240B29-F687-4F45-9708-019B960494DF}">
+                  <a14:hiddenLine xmlns:a14="http://schemas.microsoft.com/office/drawing/2010/main" w="9525">
                     <a:solidFill>
                       <a:srgbClr val="000000"/>
                     </a:solidFill>
@@ -10881,8 +10883,8 @@
                 <a:noFill/>
               </a:ln>
               <a:extLst>
-                <a:ext uri="{91240B29-F687-4f45-9708-019B960494DF}">
-                  <a14:hiddenLine xmlns="" xmlns:a14="http://schemas.microsoft.com/office/drawing/2010/main" w="9525">
+                <a:ext uri="{91240B29-F687-4F45-9708-019B960494DF}">
+                  <a14:hiddenLine xmlns:a14="http://schemas.microsoft.com/office/drawing/2010/main" w="9525">
                     <a:solidFill>
                       <a:srgbClr val="000000"/>
                     </a:solidFill>
@@ -11001,8 +11003,8 @@
                 <a:noFill/>
               </a:ln>
               <a:extLst>
-                <a:ext uri="{91240B29-F687-4f45-9708-019B960494DF}">
-                  <a14:hiddenLine xmlns="" xmlns:a14="http://schemas.microsoft.com/office/drawing/2010/main" w="9525">
+                <a:ext uri="{91240B29-F687-4F45-9708-019B960494DF}">
+                  <a14:hiddenLine xmlns:a14="http://schemas.microsoft.com/office/drawing/2010/main" w="9525">
                     <a:solidFill>
                       <a:srgbClr val="000000"/>
                     </a:solidFill>
@@ -11099,8 +11101,8 @@
                 <a:noFill/>
               </a:ln>
               <a:extLst>
-                <a:ext uri="{91240B29-F687-4f45-9708-019B960494DF}">
-                  <a14:hiddenLine xmlns="" xmlns:a14="http://schemas.microsoft.com/office/drawing/2010/main" w="9525">
+                <a:ext uri="{91240B29-F687-4F45-9708-019B960494DF}">
+                  <a14:hiddenLine xmlns:a14="http://schemas.microsoft.com/office/drawing/2010/main" w="9525">
                     <a:solidFill>
                       <a:srgbClr val="000000"/>
                     </a:solidFill>
@@ -11214,8 +11216,8 @@
                 <a:noFill/>
               </a:ln>
               <a:extLst>
-                <a:ext uri="{91240B29-F687-4f45-9708-019B960494DF}">
-                  <a14:hiddenLine xmlns="" xmlns:a14="http://schemas.microsoft.com/office/drawing/2010/main" w="9525">
+                <a:ext uri="{91240B29-F687-4F45-9708-019B960494DF}">
+                  <a14:hiddenLine xmlns:a14="http://schemas.microsoft.com/office/drawing/2010/main" w="9525">
                     <a:solidFill>
                       <a:srgbClr val="000000"/>
                     </a:solidFill>
@@ -11304,8 +11306,8 @@
                 <a:noFill/>
               </a:ln>
               <a:extLst>
-                <a:ext uri="{91240B29-F687-4f45-9708-019B960494DF}">
-                  <a14:hiddenLine xmlns="" xmlns:a14="http://schemas.microsoft.com/office/drawing/2010/main" w="9525">
+                <a:ext uri="{91240B29-F687-4F45-9708-019B960494DF}">
+                  <a14:hiddenLine xmlns:a14="http://schemas.microsoft.com/office/drawing/2010/main" w="9525">
                     <a:solidFill>
                       <a:srgbClr val="000000"/>
                     </a:solidFill>
@@ -11369,8 +11371,8 @@
                 <a:noFill/>
               </a:ln>
               <a:extLst>
-                <a:ext uri="{91240B29-F687-4f45-9708-019B960494DF}">
-                  <a14:hiddenLine xmlns="" xmlns:a14="http://schemas.microsoft.com/office/drawing/2010/main" w="9525">
+                <a:ext uri="{91240B29-F687-4F45-9708-019B960494DF}">
+                  <a14:hiddenLine xmlns:a14="http://schemas.microsoft.com/office/drawing/2010/main" w="9525">
                     <a:solidFill>
                       <a:srgbClr val="000000"/>
                     </a:solidFill>
@@ -11459,8 +11461,8 @@
                 <a:noFill/>
               </a:ln>
               <a:extLst>
-                <a:ext uri="{91240B29-F687-4f45-9708-019B960494DF}">
-                  <a14:hiddenLine xmlns="" xmlns:a14="http://schemas.microsoft.com/office/drawing/2010/main" w="9525">
+                <a:ext uri="{91240B29-F687-4F45-9708-019B960494DF}">
+                  <a14:hiddenLine xmlns:a14="http://schemas.microsoft.com/office/drawing/2010/main" w="9525">
                     <a:solidFill>
                       <a:srgbClr val="000000"/>
                     </a:solidFill>
@@ -11527,8 +11529,8 @@
                 <a:noFill/>
               </a:ln>
               <a:extLst>
-                <a:ext uri="{91240B29-F687-4f45-9708-019B960494DF}">
-                  <a14:hiddenLine xmlns="" xmlns:a14="http://schemas.microsoft.com/office/drawing/2010/main" w="9525">
+                <a:ext uri="{91240B29-F687-4F45-9708-019B960494DF}">
+                  <a14:hiddenLine xmlns:a14="http://schemas.microsoft.com/office/drawing/2010/main" w="9525">
                     <a:solidFill>
                       <a:srgbClr val="000000"/>
                     </a:solidFill>
@@ -11617,8 +11619,8 @@
                 <a:noFill/>
               </a:ln>
               <a:extLst>
-                <a:ext uri="{91240B29-F687-4f45-9708-019B960494DF}">
-                  <a14:hiddenLine xmlns="" xmlns:a14="http://schemas.microsoft.com/office/drawing/2010/main" w="9525">
+                <a:ext uri="{91240B29-F687-4F45-9708-019B960494DF}">
+                  <a14:hiddenLine xmlns:a14="http://schemas.microsoft.com/office/drawing/2010/main" w="9525">
                     <a:solidFill>
                       <a:srgbClr val="000000"/>
                     </a:solidFill>
@@ -11685,8 +11687,8 @@
                 <a:noFill/>
               </a:ln>
               <a:extLst>
-                <a:ext uri="{91240B29-F687-4f45-9708-019B960494DF}">
-                  <a14:hiddenLine xmlns="" xmlns:a14="http://schemas.microsoft.com/office/drawing/2010/main" w="9525">
+                <a:ext uri="{91240B29-F687-4F45-9708-019B960494DF}">
+                  <a14:hiddenLine xmlns:a14="http://schemas.microsoft.com/office/drawing/2010/main" w="9525">
                     <a:solidFill>
                       <a:srgbClr val="000000"/>
                     </a:solidFill>
@@ -11775,8 +11777,8 @@
                 <a:noFill/>
               </a:ln>
               <a:extLst>
-                <a:ext uri="{91240B29-F687-4f45-9708-019B960494DF}">
-                  <a14:hiddenLine xmlns="" xmlns:a14="http://schemas.microsoft.com/office/drawing/2010/main" w="9525">
+                <a:ext uri="{91240B29-F687-4F45-9708-019B960494DF}">
+                  <a14:hiddenLine xmlns:a14="http://schemas.microsoft.com/office/drawing/2010/main" w="9525">
                     <a:solidFill>
                       <a:srgbClr val="000000"/>
                     </a:solidFill>
@@ -11809,8 +11811,8 @@
                 <a:noFill/>
               </a:ln>
               <a:extLst>
-                <a:ext uri="{91240B29-F687-4f45-9708-019B960494DF}">
-                  <a14:hiddenLine xmlns="" xmlns:a14="http://schemas.microsoft.com/office/drawing/2010/main" w="9525">
+                <a:ext uri="{91240B29-F687-4F45-9708-019B960494DF}">
+                  <a14:hiddenLine xmlns:a14="http://schemas.microsoft.com/office/drawing/2010/main" w="9525">
                     <a:solidFill>
                       <a:srgbClr val="000000"/>
                     </a:solidFill>
@@ -12412,7 +12414,9 @@
           </a:xfrm>
         </p:spPr>
         <p:txBody>
-          <a:bodyPr/>
+          <a:bodyPr>
+            <a:normAutofit fontScale="92500" lnSpcReduction="10000"/>
+          </a:bodyPr>
           <a:lstStyle/>
           <a:p>
             <a:r>
@@ -12726,10 +12730,6 @@
               <a:rPr lang="es-ES" dirty="0" smtClean="0"/>
               <a:t> Cabrera</a:t>
             </a:r>
-            <a:r>
-              <a:rPr lang="es-ES" dirty="0" smtClean="0"/>
-              <a:t/>
-            </a:r>
             <a:br>
               <a:rPr lang="es-ES" dirty="0" smtClean="0"/>
             </a:br>
@@ -12919,14 +12919,14 @@
                 <a:gridCol w="2299119">
                   <a:extLst>
                     <a:ext uri="{9D8B030D-6E8A-4147-A177-3AD203B41FA5}">
-                      <a16:colId xmlns:a16="http://schemas.microsoft.com/office/drawing/2014/main" val="884427282"/>
+                      <a16:colId xmlns:a16="http://schemas.microsoft.com/office/drawing/2014/main" xmlns="" val="884427282"/>
                     </a:ext>
                   </a:extLst>
                 </a:gridCol>
                 <a:gridCol w="6669784">
                   <a:extLst>
                     <a:ext uri="{9D8B030D-6E8A-4147-A177-3AD203B41FA5}">
-                      <a16:colId xmlns:a16="http://schemas.microsoft.com/office/drawing/2014/main" val="1965136843"/>
+                      <a16:colId xmlns:a16="http://schemas.microsoft.com/office/drawing/2014/main" xmlns="" val="1965136843"/>
                     </a:ext>
                   </a:extLst>
                 </a:gridCol>
@@ -13023,7 +13023,7 @@
                 </a:tc>
                 <a:extLst>
                   <a:ext uri="{0D108BD9-81ED-4DB2-BD59-A6C34878D82A}">
-                    <a16:rowId xmlns:a16="http://schemas.microsoft.com/office/drawing/2014/main" val="3337214981"/>
+                    <a16:rowId xmlns:a16="http://schemas.microsoft.com/office/drawing/2014/main" xmlns="" val="3337214981"/>
                   </a:ext>
                 </a:extLst>
               </a:tr>
@@ -13088,7 +13088,7 @@
                 </a:tc>
                 <a:extLst>
                   <a:ext uri="{0D108BD9-81ED-4DB2-BD59-A6C34878D82A}">
-                    <a16:rowId xmlns:a16="http://schemas.microsoft.com/office/drawing/2014/main" val="1042998721"/>
+                    <a16:rowId xmlns:a16="http://schemas.microsoft.com/office/drawing/2014/main" xmlns="" val="1042998721"/>
                   </a:ext>
                 </a:extLst>
               </a:tr>
@@ -13172,7 +13172,7 @@
                 </a:tc>
                 <a:extLst>
                   <a:ext uri="{0D108BD9-81ED-4DB2-BD59-A6C34878D82A}">
-                    <a16:rowId xmlns:a16="http://schemas.microsoft.com/office/drawing/2014/main" val="3300350946"/>
+                    <a16:rowId xmlns:a16="http://schemas.microsoft.com/office/drawing/2014/main" xmlns="" val="3300350946"/>
                   </a:ext>
                 </a:extLst>
               </a:tr>
@@ -13237,7 +13237,7 @@
                 </a:tc>
                 <a:extLst>
                   <a:ext uri="{0D108BD9-81ED-4DB2-BD59-A6C34878D82A}">
-                    <a16:rowId xmlns:a16="http://schemas.microsoft.com/office/drawing/2014/main" val="1102406645"/>
+                    <a16:rowId xmlns:a16="http://schemas.microsoft.com/office/drawing/2014/main" xmlns="" val="1102406645"/>
                   </a:ext>
                 </a:extLst>
               </a:tr>
@@ -13302,7 +13302,7 @@
                 </a:tc>
                 <a:extLst>
                   <a:ext uri="{0D108BD9-81ED-4DB2-BD59-A6C34878D82A}">
-                    <a16:rowId xmlns:a16="http://schemas.microsoft.com/office/drawing/2014/main" val="2580220237"/>
+                    <a16:rowId xmlns:a16="http://schemas.microsoft.com/office/drawing/2014/main" xmlns="" val="2580220237"/>
                   </a:ext>
                 </a:extLst>
               </a:tr>
@@ -13386,7 +13386,7 @@
                 </a:tc>
                 <a:extLst>
                   <a:ext uri="{0D108BD9-81ED-4DB2-BD59-A6C34878D82A}">
-                    <a16:rowId xmlns:a16="http://schemas.microsoft.com/office/drawing/2014/main" val="1814964967"/>
+                    <a16:rowId xmlns:a16="http://schemas.microsoft.com/office/drawing/2014/main" xmlns="" val="1814964967"/>
                   </a:ext>
                 </a:extLst>
               </a:tr>
@@ -13451,7 +13451,7 @@
                 </a:tc>
                 <a:extLst>
                   <a:ext uri="{0D108BD9-81ED-4DB2-BD59-A6C34878D82A}">
-                    <a16:rowId xmlns:a16="http://schemas.microsoft.com/office/drawing/2014/main" val="1296452611"/>
+                    <a16:rowId xmlns:a16="http://schemas.microsoft.com/office/drawing/2014/main" xmlns="" val="1296452611"/>
                   </a:ext>
                 </a:extLst>
               </a:tr>
@@ -13528,7 +13528,7 @@
                 </a:tc>
                 <a:extLst>
                   <a:ext uri="{0D108BD9-81ED-4DB2-BD59-A6C34878D82A}">
-                    <a16:rowId xmlns:a16="http://schemas.microsoft.com/office/drawing/2014/main" val="4085416620"/>
+                    <a16:rowId xmlns:a16="http://schemas.microsoft.com/office/drawing/2014/main" xmlns="" val="4085416620"/>
                   </a:ext>
                 </a:extLst>
               </a:tr>
@@ -13622,14 +13622,14 @@
                 <a:gridCol w="2339017">
                   <a:extLst>
                     <a:ext uri="{9D8B030D-6E8A-4147-A177-3AD203B41FA5}">
-                      <a16:colId xmlns:a16="http://schemas.microsoft.com/office/drawing/2014/main" val="3482930360"/>
+                      <a16:colId xmlns:a16="http://schemas.microsoft.com/office/drawing/2014/main" xmlns="" val="3482930360"/>
                     </a:ext>
                   </a:extLst>
                 </a:gridCol>
                 <a:gridCol w="6785527">
                   <a:extLst>
                     <a:ext uri="{9D8B030D-6E8A-4147-A177-3AD203B41FA5}">
-                      <a16:colId xmlns:a16="http://schemas.microsoft.com/office/drawing/2014/main" val="301441068"/>
+                      <a16:colId xmlns:a16="http://schemas.microsoft.com/office/drawing/2014/main" xmlns="" val="301441068"/>
                     </a:ext>
                   </a:extLst>
                 </a:gridCol>
@@ -13695,7 +13695,7 @@
                 </a:tc>
                 <a:extLst>
                   <a:ext uri="{0D108BD9-81ED-4DB2-BD59-A6C34878D82A}">
-                    <a16:rowId xmlns:a16="http://schemas.microsoft.com/office/drawing/2014/main" val="1677847784"/>
+                    <a16:rowId xmlns:a16="http://schemas.microsoft.com/office/drawing/2014/main" xmlns="" val="1677847784"/>
                   </a:ext>
                 </a:extLst>
               </a:tr>
@@ -13760,7 +13760,7 @@
                 </a:tc>
                 <a:extLst>
                   <a:ext uri="{0D108BD9-81ED-4DB2-BD59-A6C34878D82A}">
-                    <a16:rowId xmlns:a16="http://schemas.microsoft.com/office/drawing/2014/main" val="1475776976"/>
+                    <a16:rowId xmlns:a16="http://schemas.microsoft.com/office/drawing/2014/main" xmlns="" val="1475776976"/>
                   </a:ext>
                 </a:extLst>
               </a:tr>
@@ -13825,7 +13825,7 @@
                 </a:tc>
                 <a:extLst>
                   <a:ext uri="{0D108BD9-81ED-4DB2-BD59-A6C34878D82A}">
-                    <a16:rowId xmlns:a16="http://schemas.microsoft.com/office/drawing/2014/main" val="2539771682"/>
+                    <a16:rowId xmlns:a16="http://schemas.microsoft.com/office/drawing/2014/main" xmlns="" val="2539771682"/>
                   </a:ext>
                 </a:extLst>
               </a:tr>
@@ -13890,7 +13890,7 @@
                 </a:tc>
                 <a:extLst>
                   <a:ext uri="{0D108BD9-81ED-4DB2-BD59-A6C34878D82A}">
-                    <a16:rowId xmlns:a16="http://schemas.microsoft.com/office/drawing/2014/main" val="533620317"/>
+                    <a16:rowId xmlns:a16="http://schemas.microsoft.com/office/drawing/2014/main" xmlns="" val="533620317"/>
                   </a:ext>
                 </a:extLst>
               </a:tr>
@@ -13955,7 +13955,7 @@
                 </a:tc>
                 <a:extLst>
                   <a:ext uri="{0D108BD9-81ED-4DB2-BD59-A6C34878D82A}">
-                    <a16:rowId xmlns:a16="http://schemas.microsoft.com/office/drawing/2014/main" val="3605234754"/>
+                    <a16:rowId xmlns:a16="http://schemas.microsoft.com/office/drawing/2014/main" xmlns="" val="3605234754"/>
                   </a:ext>
                 </a:extLst>
               </a:tr>
@@ -14020,7 +14020,7 @@
                 </a:tc>
                 <a:extLst>
                   <a:ext uri="{0D108BD9-81ED-4DB2-BD59-A6C34878D82A}">
-                    <a16:rowId xmlns:a16="http://schemas.microsoft.com/office/drawing/2014/main" val="2215012867"/>
+                    <a16:rowId xmlns:a16="http://schemas.microsoft.com/office/drawing/2014/main" xmlns="" val="2215012867"/>
                   </a:ext>
                 </a:extLst>
               </a:tr>
@@ -14085,7 +14085,7 @@
                 </a:tc>
                 <a:extLst>
                   <a:ext uri="{0D108BD9-81ED-4DB2-BD59-A6C34878D82A}">
-                    <a16:rowId xmlns:a16="http://schemas.microsoft.com/office/drawing/2014/main" val="4269351208"/>
+                    <a16:rowId xmlns:a16="http://schemas.microsoft.com/office/drawing/2014/main" xmlns="" val="4269351208"/>
                   </a:ext>
                 </a:extLst>
               </a:tr>
@@ -14162,7 +14162,7 @@
                 </a:tc>
                 <a:extLst>
                   <a:ext uri="{0D108BD9-81ED-4DB2-BD59-A6C34878D82A}">
-                    <a16:rowId xmlns:a16="http://schemas.microsoft.com/office/drawing/2014/main" val="4042263983"/>
+                    <a16:rowId xmlns:a16="http://schemas.microsoft.com/office/drawing/2014/main" xmlns="" val="4042263983"/>
                   </a:ext>
                 </a:extLst>
               </a:tr>
@@ -14256,14 +14256,14 @@
                 <a:gridCol w="2271689">
                   <a:extLst>
                     <a:ext uri="{9D8B030D-6E8A-4147-A177-3AD203B41FA5}">
-                      <a16:colId xmlns:a16="http://schemas.microsoft.com/office/drawing/2014/main" val="1783178198"/>
+                      <a16:colId xmlns:a16="http://schemas.microsoft.com/office/drawing/2014/main" xmlns="" val="1783178198"/>
                     </a:ext>
                   </a:extLst>
                 </a:gridCol>
                 <a:gridCol w="6590209">
                   <a:extLst>
                     <a:ext uri="{9D8B030D-6E8A-4147-A177-3AD203B41FA5}">
-                      <a16:colId xmlns:a16="http://schemas.microsoft.com/office/drawing/2014/main" val="4069196069"/>
+                      <a16:colId xmlns:a16="http://schemas.microsoft.com/office/drawing/2014/main" xmlns="" val="4069196069"/>
                     </a:ext>
                   </a:extLst>
                 </a:gridCol>
@@ -14348,7 +14348,7 @@
                 </a:tc>
                 <a:extLst>
                   <a:ext uri="{0D108BD9-81ED-4DB2-BD59-A6C34878D82A}">
-                    <a16:rowId xmlns:a16="http://schemas.microsoft.com/office/drawing/2014/main" val="440690954"/>
+                    <a16:rowId xmlns:a16="http://schemas.microsoft.com/office/drawing/2014/main" xmlns="" val="440690954"/>
                   </a:ext>
                 </a:extLst>
               </a:tr>
@@ -14413,7 +14413,7 @@
                 </a:tc>
                 <a:extLst>
                   <a:ext uri="{0D108BD9-81ED-4DB2-BD59-A6C34878D82A}">
-                    <a16:rowId xmlns:a16="http://schemas.microsoft.com/office/drawing/2014/main" val="2244733657"/>
+                    <a16:rowId xmlns:a16="http://schemas.microsoft.com/office/drawing/2014/main" xmlns="" val="2244733657"/>
                   </a:ext>
                 </a:extLst>
               </a:tr>
@@ -14478,7 +14478,7 @@
                 </a:tc>
                 <a:extLst>
                   <a:ext uri="{0D108BD9-81ED-4DB2-BD59-A6C34878D82A}">
-                    <a16:rowId xmlns:a16="http://schemas.microsoft.com/office/drawing/2014/main" val="850045073"/>
+                    <a16:rowId xmlns:a16="http://schemas.microsoft.com/office/drawing/2014/main" xmlns="" val="850045073"/>
                   </a:ext>
                 </a:extLst>
               </a:tr>
@@ -14543,7 +14543,7 @@
                 </a:tc>
                 <a:extLst>
                   <a:ext uri="{0D108BD9-81ED-4DB2-BD59-A6C34878D82A}">
-                    <a16:rowId xmlns:a16="http://schemas.microsoft.com/office/drawing/2014/main" val="690867876"/>
+                    <a16:rowId xmlns:a16="http://schemas.microsoft.com/office/drawing/2014/main" xmlns="" val="690867876"/>
                   </a:ext>
                 </a:extLst>
               </a:tr>
@@ -14608,7 +14608,7 @@
                 </a:tc>
                 <a:extLst>
                   <a:ext uri="{0D108BD9-81ED-4DB2-BD59-A6C34878D82A}">
-                    <a16:rowId xmlns:a16="http://schemas.microsoft.com/office/drawing/2014/main" val="3081896387"/>
+                    <a16:rowId xmlns:a16="http://schemas.microsoft.com/office/drawing/2014/main" xmlns="" val="3081896387"/>
                   </a:ext>
                 </a:extLst>
               </a:tr>
@@ -14673,7 +14673,7 @@
                 </a:tc>
                 <a:extLst>
                   <a:ext uri="{0D108BD9-81ED-4DB2-BD59-A6C34878D82A}">
-                    <a16:rowId xmlns:a16="http://schemas.microsoft.com/office/drawing/2014/main" val="1407143264"/>
+                    <a16:rowId xmlns:a16="http://schemas.microsoft.com/office/drawing/2014/main" xmlns="" val="1407143264"/>
                   </a:ext>
                 </a:extLst>
               </a:tr>
@@ -14738,7 +14738,7 @@
                 </a:tc>
                 <a:extLst>
                   <a:ext uri="{0D108BD9-81ED-4DB2-BD59-A6C34878D82A}">
-                    <a16:rowId xmlns:a16="http://schemas.microsoft.com/office/drawing/2014/main" val="3076644184"/>
+                    <a16:rowId xmlns:a16="http://schemas.microsoft.com/office/drawing/2014/main" xmlns="" val="3076644184"/>
                   </a:ext>
                 </a:extLst>
               </a:tr>
@@ -14803,7 +14803,7 @@
                 </a:tc>
                 <a:extLst>
                   <a:ext uri="{0D108BD9-81ED-4DB2-BD59-A6C34878D82A}">
-                    <a16:rowId xmlns:a16="http://schemas.microsoft.com/office/drawing/2014/main" val="1661970842"/>
+                    <a16:rowId xmlns:a16="http://schemas.microsoft.com/office/drawing/2014/main" xmlns="" val="1661970842"/>
                   </a:ext>
                 </a:extLst>
               </a:tr>
@@ -14868,7 +14868,7 @@
                 </a:tc>
                 <a:extLst>
                   <a:ext uri="{0D108BD9-81ED-4DB2-BD59-A6C34878D82A}">
-                    <a16:rowId xmlns:a16="http://schemas.microsoft.com/office/drawing/2014/main" val="314694514"/>
+                    <a16:rowId xmlns:a16="http://schemas.microsoft.com/office/drawing/2014/main" xmlns="" val="314694514"/>
                   </a:ext>
                 </a:extLst>
               </a:tr>
@@ -15550,10 +15550,598 @@
           </a:p>
         </p:txBody>
       </p:sp>
+      <p:sp>
+        <p:nvSpPr>
+          <p:cNvPr id="3" name="2 Elipse"/>
+          <p:cNvSpPr/>
+          <p:nvPr/>
+        </p:nvSpPr>
+        <p:spPr>
+          <a:xfrm>
+            <a:off x="1924050" y="752475"/>
+            <a:ext cx="2686050" cy="2657475"/>
+          </a:xfrm>
+          <a:prstGeom prst="ellipse">
+            <a:avLst/>
+          </a:prstGeom>
+          <a:solidFill>
+            <a:schemeClr val="tx1"/>
+          </a:solidFill>
+          <a:ln>
+            <a:solidFill>
+              <a:schemeClr val="bg1"/>
+            </a:solidFill>
+          </a:ln>
+        </p:spPr>
+        <p:style>
+          <a:lnRef idx="2">
+            <a:schemeClr val="accent1">
+              <a:shade val="50000"/>
+            </a:schemeClr>
+          </a:lnRef>
+          <a:fillRef idx="1">
+            <a:schemeClr val="accent1"/>
+          </a:fillRef>
+          <a:effectRef idx="0">
+            <a:schemeClr val="accent1"/>
+          </a:effectRef>
+          <a:fontRef idx="minor">
+            <a:schemeClr val="lt1"/>
+          </a:fontRef>
+        </p:style>
+        <p:txBody>
+          <a:bodyPr rtlCol="0" anchor="ctr">
+            <a:scene3d>
+              <a:camera prst="orthographicFront"/>
+              <a:lightRig rig="threePt" dir="t"/>
+            </a:scene3d>
+            <a:sp3d extrusionH="57150">
+              <a:extrusionClr>
+                <a:schemeClr val="bg1"/>
+              </a:extrusionClr>
+            </a:sp3d>
+          </a:bodyPr>
+          <a:lstStyle/>
+          <a:p>
+            <a:pPr algn="ctr"/>
+            <a:r>
+              <a:rPr lang="es-AR" dirty="0" smtClean="0">
+                <a:solidFill>
+                  <a:schemeClr val="bg1"/>
+                </a:solidFill>
+              </a:rPr>
+              <a:t>1.1</a:t>
+            </a:r>
+          </a:p>
+          <a:p>
+            <a:pPr algn="ctr"/>
+            <a:r>
+              <a:rPr lang="es-AR" dirty="0" smtClean="0">
+                <a:solidFill>
+                  <a:schemeClr val="bg1"/>
+                </a:solidFill>
+              </a:rPr>
+              <a:t>Registro de Alquiler</a:t>
+            </a:r>
+            <a:endParaRPr lang="es-AR" dirty="0">
+              <a:solidFill>
+                <a:schemeClr val="bg1"/>
+              </a:solidFill>
+            </a:endParaRPr>
+          </a:p>
+        </p:txBody>
+      </p:sp>
+      <p:sp>
+        <p:nvSpPr>
+          <p:cNvPr id="4" name="3 Elipse"/>
+          <p:cNvSpPr/>
+          <p:nvPr/>
+        </p:nvSpPr>
+        <p:spPr>
+          <a:xfrm>
+            <a:off x="6619875" y="1457325"/>
+            <a:ext cx="1885949" cy="1866900"/>
+          </a:xfrm>
+          <a:prstGeom prst="ellipse">
+            <a:avLst/>
+          </a:prstGeom>
+          <a:solidFill>
+            <a:schemeClr val="tx1"/>
+          </a:solidFill>
+          <a:ln>
+            <a:solidFill>
+              <a:schemeClr val="bg1"/>
+            </a:solidFill>
+          </a:ln>
+        </p:spPr>
+        <p:style>
+          <a:lnRef idx="2">
+            <a:schemeClr val="accent1">
+              <a:shade val="50000"/>
+            </a:schemeClr>
+          </a:lnRef>
+          <a:fillRef idx="1">
+            <a:schemeClr val="accent1"/>
+          </a:fillRef>
+          <a:effectRef idx="0">
+            <a:schemeClr val="accent1"/>
+          </a:effectRef>
+          <a:fontRef idx="minor">
+            <a:schemeClr val="lt1"/>
+          </a:fontRef>
+        </p:style>
+        <p:txBody>
+          <a:bodyPr rtlCol="0" anchor="ctr"/>
+          <a:lstStyle/>
+          <a:p>
+            <a:pPr algn="ctr"/>
+            <a:r>
+              <a:rPr lang="es-AR" dirty="0" smtClean="0">
+                <a:solidFill>
+                  <a:schemeClr val="bg1"/>
+                </a:solidFill>
+              </a:rPr>
+              <a:t>1.1.1</a:t>
+            </a:r>
+          </a:p>
+          <a:p>
+            <a:pPr algn="ctr"/>
+            <a:r>
+              <a:rPr lang="es-AR" dirty="0" smtClean="0">
+                <a:solidFill>
+                  <a:schemeClr val="bg1"/>
+                </a:solidFill>
+              </a:rPr>
+              <a:t>Agregar Cliente</a:t>
+            </a:r>
+            <a:endParaRPr lang="es-AR" dirty="0">
+              <a:solidFill>
+                <a:schemeClr val="bg1"/>
+              </a:solidFill>
+            </a:endParaRPr>
+          </a:p>
+        </p:txBody>
+      </p:sp>
+      <p:sp>
+        <p:nvSpPr>
+          <p:cNvPr id="5" name="4 Elipse"/>
+          <p:cNvSpPr/>
+          <p:nvPr/>
+        </p:nvSpPr>
+        <p:spPr>
+          <a:xfrm>
+            <a:off x="5410200" y="4200525"/>
+            <a:ext cx="1914525" cy="1909762"/>
+          </a:xfrm>
+          <a:prstGeom prst="ellipse">
+            <a:avLst/>
+          </a:prstGeom>
+          <a:solidFill>
+            <a:schemeClr val="tx1"/>
+          </a:solidFill>
+          <a:ln>
+            <a:solidFill>
+              <a:schemeClr val="bg1"/>
+            </a:solidFill>
+          </a:ln>
+        </p:spPr>
+        <p:style>
+          <a:lnRef idx="2">
+            <a:schemeClr val="accent1">
+              <a:shade val="50000"/>
+            </a:schemeClr>
+          </a:lnRef>
+          <a:fillRef idx="1">
+            <a:schemeClr val="accent1"/>
+          </a:fillRef>
+          <a:effectRef idx="0">
+            <a:schemeClr val="accent1"/>
+          </a:effectRef>
+          <a:fontRef idx="minor">
+            <a:schemeClr val="lt1"/>
+          </a:fontRef>
+        </p:style>
+        <p:txBody>
+          <a:bodyPr rtlCol="0" anchor="ctr"/>
+          <a:lstStyle/>
+          <a:p>
+            <a:pPr algn="ctr"/>
+            <a:r>
+              <a:rPr lang="es-AR" dirty="0" smtClean="0">
+                <a:solidFill>
+                  <a:schemeClr val="bg1"/>
+                </a:solidFill>
+              </a:rPr>
+              <a:t>1.1.2</a:t>
+            </a:r>
+          </a:p>
+          <a:p>
+            <a:pPr algn="ctr"/>
+            <a:r>
+              <a:rPr lang="es-AR" dirty="0" smtClean="0">
+                <a:solidFill>
+                  <a:schemeClr val="bg1"/>
+                </a:solidFill>
+              </a:rPr>
+              <a:t>Actualizar Cliente</a:t>
+            </a:r>
+            <a:endParaRPr lang="es-AR" dirty="0">
+              <a:solidFill>
+                <a:schemeClr val="bg1"/>
+              </a:solidFill>
+            </a:endParaRPr>
+          </a:p>
+        </p:txBody>
+      </p:sp>
+      <p:sp>
+        <p:nvSpPr>
+          <p:cNvPr id="6" name="5 Elipse"/>
+          <p:cNvSpPr/>
+          <p:nvPr/>
+        </p:nvSpPr>
+        <p:spPr>
+          <a:xfrm>
+            <a:off x="2028824" y="4695825"/>
+            <a:ext cx="1971676" cy="1985962"/>
+          </a:xfrm>
+          <a:prstGeom prst="ellipse">
+            <a:avLst/>
+          </a:prstGeom>
+          <a:solidFill>
+            <a:schemeClr val="tx1"/>
+          </a:solidFill>
+          <a:ln>
+            <a:solidFill>
+              <a:schemeClr val="bg1"/>
+            </a:solidFill>
+          </a:ln>
+        </p:spPr>
+        <p:style>
+          <a:lnRef idx="2">
+            <a:schemeClr val="accent1">
+              <a:shade val="50000"/>
+            </a:schemeClr>
+          </a:lnRef>
+          <a:fillRef idx="1">
+            <a:schemeClr val="accent1"/>
+          </a:fillRef>
+          <a:effectRef idx="0">
+            <a:schemeClr val="accent1"/>
+          </a:effectRef>
+          <a:fontRef idx="minor">
+            <a:schemeClr val="lt1"/>
+          </a:fontRef>
+        </p:style>
+        <p:txBody>
+          <a:bodyPr rtlCol="0" anchor="ctr"/>
+          <a:lstStyle/>
+          <a:p>
+            <a:pPr algn="ctr"/>
+            <a:r>
+              <a:rPr lang="es-AR" dirty="0" smtClean="0">
+                <a:solidFill>
+                  <a:schemeClr val="bg1"/>
+                </a:solidFill>
+              </a:rPr>
+              <a:t>1.1.3</a:t>
+            </a:r>
+          </a:p>
+          <a:p>
+            <a:pPr algn="ctr"/>
+            <a:r>
+              <a:rPr lang="es-AR" dirty="0" smtClean="0">
+                <a:solidFill>
+                  <a:schemeClr val="bg1"/>
+                </a:solidFill>
+              </a:rPr>
+              <a:t>Procesar Pedido</a:t>
+            </a:r>
+            <a:endParaRPr lang="es-AR" dirty="0">
+              <a:solidFill>
+                <a:schemeClr val="bg1"/>
+              </a:solidFill>
+            </a:endParaRPr>
+          </a:p>
+        </p:txBody>
+      </p:sp>
+      <p:cxnSp>
+        <p:nvCxnSpPr>
+          <p:cNvPr id="8" name="7 Conector recto de flecha"/>
+          <p:cNvCxnSpPr/>
+          <p:nvPr/>
+        </p:nvCxnSpPr>
+        <p:spPr>
+          <a:xfrm>
+            <a:off x="4610100" y="2081212"/>
+            <a:ext cx="2009775" cy="80963"/>
+          </a:xfrm>
+          <a:prstGeom prst="straightConnector1">
+            <a:avLst/>
+          </a:prstGeom>
+          <a:ln w="28575">
+            <a:solidFill>
+              <a:schemeClr val="bg1"/>
+            </a:solidFill>
+            <a:headEnd type="arrow"/>
+            <a:tailEnd type="arrow"/>
+          </a:ln>
+        </p:spPr>
+        <p:style>
+          <a:lnRef idx="1">
+            <a:schemeClr val="accent1"/>
+          </a:lnRef>
+          <a:fillRef idx="0">
+            <a:schemeClr val="accent1"/>
+          </a:fillRef>
+          <a:effectRef idx="0">
+            <a:schemeClr val="accent1"/>
+          </a:effectRef>
+          <a:fontRef idx="minor">
+            <a:schemeClr val="tx1"/>
+          </a:fontRef>
+        </p:style>
+      </p:cxnSp>
+      <p:cxnSp>
+        <p:nvCxnSpPr>
+          <p:cNvPr id="9" name="8 Conector recto de flecha"/>
+          <p:cNvCxnSpPr>
+            <a:endCxn id="5" idx="1"/>
+          </p:cNvCxnSpPr>
+          <p:nvPr/>
+        </p:nvCxnSpPr>
+        <p:spPr>
+          <a:xfrm>
+            <a:off x="4229100" y="3005137"/>
+            <a:ext cx="1461476" cy="1475066"/>
+          </a:xfrm>
+          <a:prstGeom prst="straightConnector1">
+            <a:avLst/>
+          </a:prstGeom>
+          <a:ln w="28575">
+            <a:solidFill>
+              <a:schemeClr val="bg1"/>
+            </a:solidFill>
+            <a:headEnd type="arrow"/>
+            <a:tailEnd type="arrow"/>
+          </a:ln>
+        </p:spPr>
+        <p:style>
+          <a:lnRef idx="1">
+            <a:schemeClr val="accent1"/>
+          </a:lnRef>
+          <a:fillRef idx="0">
+            <a:schemeClr val="accent1"/>
+          </a:fillRef>
+          <a:effectRef idx="0">
+            <a:schemeClr val="accent1"/>
+          </a:effectRef>
+          <a:fontRef idx="minor">
+            <a:schemeClr val="tx1"/>
+          </a:fontRef>
+        </p:style>
+      </p:cxnSp>
+      <p:cxnSp>
+        <p:nvCxnSpPr>
+          <p:cNvPr id="11" name="10 Conector recto de flecha"/>
+          <p:cNvCxnSpPr>
+            <a:stCxn id="3" idx="4"/>
+            <a:endCxn id="6" idx="0"/>
+          </p:cNvCxnSpPr>
+          <p:nvPr/>
+        </p:nvCxnSpPr>
+        <p:spPr>
+          <a:xfrm flipH="1">
+            <a:off x="3014662" y="3409950"/>
+            <a:ext cx="252413" cy="1285875"/>
+          </a:xfrm>
+          <a:prstGeom prst="straightConnector1">
+            <a:avLst/>
+          </a:prstGeom>
+          <a:ln w="28575">
+            <a:solidFill>
+              <a:schemeClr val="bg1"/>
+            </a:solidFill>
+            <a:headEnd type="arrow"/>
+            <a:tailEnd type="arrow"/>
+          </a:ln>
+        </p:spPr>
+        <p:style>
+          <a:lnRef idx="1">
+            <a:schemeClr val="accent1"/>
+          </a:lnRef>
+          <a:fillRef idx="0">
+            <a:schemeClr val="accent1"/>
+          </a:fillRef>
+          <a:effectRef idx="0">
+            <a:schemeClr val="accent1"/>
+          </a:effectRef>
+          <a:fontRef idx="minor">
+            <a:schemeClr val="tx1"/>
+          </a:fontRef>
+        </p:style>
+      </p:cxnSp>
     </p:spTree>
     <p:extLst>
       <p:ext uri="{BB962C8B-B14F-4D97-AF65-F5344CB8AC3E}">
         <p14:creationId xmlns:p14="http://schemas.microsoft.com/office/powerpoint/2010/main" val="979316413"/>
+      </p:ext>
+    </p:extLst>
+  </p:cSld>
+  <p:clrMapOvr>
+    <a:masterClrMapping/>
+  </p:clrMapOvr>
+</p:sld>
+</file>
+
+<file path=ppt/slides/slide21.xml><?xml version="1.0" encoding="utf-8"?>
+<p:sld xmlns:a="http://schemas.openxmlformats.org/drawingml/2006/main" xmlns:r="http://schemas.openxmlformats.org/officeDocument/2006/relationships" xmlns:p="http://schemas.openxmlformats.org/presentationml/2006/main">
+  <p:cSld>
+    <p:spTree>
+      <p:nvGrpSpPr>
+        <p:cNvPr id="1" name=""/>
+        <p:cNvGrpSpPr/>
+        <p:nvPr/>
+      </p:nvGrpSpPr>
+      <p:grpSpPr>
+        <a:xfrm>
+          <a:off x="0" y="0"/>
+          <a:ext cx="0" cy="0"/>
+          <a:chOff x="0" y="0"/>
+          <a:chExt cx="0" cy="0"/>
+        </a:xfrm>
+      </p:grpSpPr>
+      <p:pic>
+        <p:nvPicPr>
+          <p:cNvPr id="1027" name="Picture 3" descr="C:\Users\kendu\Desktop\finaltp\INTERFAZ_REGISTRO_CLIENTES.png"/>
+          <p:cNvPicPr>
+            <a:picLocks noChangeAspect="1" noChangeArrowheads="1"/>
+          </p:cNvPicPr>
+          <p:nvPr/>
+        </p:nvPicPr>
+        <p:blipFill>
+          <a:blip r:embed="rId2">
+            <a:extLst>
+              <a:ext uri="{28A0092B-C50C-407E-A947-70E740481C1C}">
+                <a14:useLocalDpi xmlns:a14="http://schemas.microsoft.com/office/drawing/2010/main" val="0"/>
+              </a:ext>
+            </a:extLst>
+          </a:blip>
+          <a:srcRect/>
+          <a:stretch>
+            <a:fillRect/>
+          </a:stretch>
+        </p:blipFill>
+        <p:spPr bwMode="auto">
+          <a:xfrm>
+            <a:off x="1600200" y="507908"/>
+            <a:ext cx="9144000" cy="5854792"/>
+          </a:xfrm>
+          <a:prstGeom prst="rect">
+            <a:avLst/>
+          </a:prstGeom>
+          <a:noFill/>
+          <a:extLst>
+            <a:ext uri="{909E8E84-426E-40DD-AFC4-6F175D3DCCD1}">
+              <a14:hiddenFill xmlns:a14="http://schemas.microsoft.com/office/drawing/2010/main">
+                <a:solidFill>
+                  <a:srgbClr val="FFFFFF"/>
+                </a:solidFill>
+              </a14:hiddenFill>
+            </a:ext>
+          </a:extLst>
+        </p:spPr>
+      </p:pic>
+    </p:spTree>
+    <p:extLst>
+      <p:ext uri="{BB962C8B-B14F-4D97-AF65-F5344CB8AC3E}">
+        <p14:creationId xmlns:p14="http://schemas.microsoft.com/office/powerpoint/2010/main" val="2613352378"/>
+      </p:ext>
+    </p:extLst>
+  </p:cSld>
+  <p:clrMapOvr>
+    <a:masterClrMapping/>
+  </p:clrMapOvr>
+</p:sld>
+</file>
+
+<file path=ppt/slides/slide22.xml><?xml version="1.0" encoding="utf-8"?>
+<p:sld xmlns:a="http://schemas.openxmlformats.org/drawingml/2006/main" xmlns:r="http://schemas.openxmlformats.org/officeDocument/2006/relationships" xmlns:p="http://schemas.openxmlformats.org/presentationml/2006/main">
+  <p:cSld>
+    <p:spTree>
+      <p:nvGrpSpPr>
+        <p:cNvPr id="1" name=""/>
+        <p:cNvGrpSpPr/>
+        <p:nvPr/>
+      </p:nvGrpSpPr>
+      <p:grpSpPr>
+        <a:xfrm>
+          <a:off x="0" y="0"/>
+          <a:ext cx="0" cy="0"/>
+          <a:chOff x="0" y="0"/>
+          <a:chExt cx="0" cy="0"/>
+        </a:xfrm>
+      </p:grpSpPr>
+      <p:sp>
+        <p:nvSpPr>
+          <p:cNvPr id="2" name="1 Título"/>
+          <p:cNvSpPr>
+            <a:spLocks noGrp="1"/>
+          </p:cNvSpPr>
+          <p:nvPr>
+            <p:ph type="title"/>
+          </p:nvPr>
+        </p:nvSpPr>
+        <p:spPr/>
+        <p:txBody>
+          <a:bodyPr/>
+          <a:lstStyle/>
+          <a:p>
+            <a:r>
+              <a:rPr lang="es-AR" dirty="0" smtClean="0"/>
+              <a:t>Especificación de proceso</a:t>
+            </a:r>
+            <a:endParaRPr lang="es-AR" dirty="0"/>
+          </a:p>
+        </p:txBody>
+      </p:sp>
+      <p:pic>
+        <p:nvPicPr>
+          <p:cNvPr id="2050" name="Picture 2"/>
+          <p:cNvPicPr>
+            <a:picLocks noChangeAspect="1" noChangeArrowheads="1"/>
+          </p:cNvPicPr>
+          <p:nvPr/>
+        </p:nvPicPr>
+        <p:blipFill>
+          <a:blip r:embed="rId2">
+            <a:extLst>
+              <a:ext uri="{28A0092B-C50C-407E-A947-70E740481C1C}">
+                <a14:useLocalDpi xmlns:a14="http://schemas.microsoft.com/office/drawing/2010/main" val="0"/>
+              </a:ext>
+            </a:extLst>
+          </a:blip>
+          <a:srcRect/>
+          <a:stretch>
+            <a:fillRect/>
+          </a:stretch>
+        </p:blipFill>
+        <p:spPr bwMode="auto">
+          <a:xfrm>
+            <a:off x="3819525" y="1747838"/>
+            <a:ext cx="4705350" cy="4791075"/>
+          </a:xfrm>
+          <a:prstGeom prst="rect">
+            <a:avLst/>
+          </a:prstGeom>
+          <a:noFill/>
+          <a:ln>
+            <a:noFill/>
+          </a:ln>
+          <a:extLst>
+            <a:ext uri="{909E8E84-426E-40DD-AFC4-6F175D3DCCD1}">
+              <a14:hiddenFill xmlns:a14="http://schemas.microsoft.com/office/drawing/2010/main">
+                <a:solidFill>
+                  <a:schemeClr val="accent1"/>
+                </a:solidFill>
+              </a14:hiddenFill>
+            </a:ext>
+            <a:ext uri="{91240B29-F687-4F45-9708-019B960494DF}">
+              <a14:hiddenLine xmlns:a14="http://schemas.microsoft.com/office/drawing/2010/main" w="9525">
+                <a:solidFill>
+                  <a:schemeClr val="tx1"/>
+                </a:solidFill>
+                <a:miter lim="800000"/>
+                <a:headEnd/>
+                <a:tailEnd/>
+              </a14:hiddenLine>
+            </a:ext>
+          </a:extLst>
+        </p:spPr>
+      </p:pic>
+    </p:spTree>
+    <p:extLst>
+      <p:ext uri="{BB962C8B-B14F-4D97-AF65-F5344CB8AC3E}">
+        <p14:creationId xmlns:p14="http://schemas.microsoft.com/office/powerpoint/2010/main" val="676934549"/>
       </p:ext>
     </p:extLst>
   </p:cSld>
@@ -16536,7 +17124,7 @@
   <a:extraClrSchemeLst/>
   <a:extLst>
     <a:ext uri="{05A4C25C-085E-4340-85A3-A5531E510DB2}">
-      <thm15:themeFamily xmlns:thm15="http://schemas.microsoft.com/office/thememl/2012/main" name="Circuit" id="{0AC2F7E7-15F5-431C-B2A2-456FE929F56C}" vid="{0911B802-464C-4241-8DD9-B60FF88E379F}"/>
+      <thm15:themeFamily xmlns:thm15="http://schemas.microsoft.com/office/thememl/2012/main" xmlns="" name="Circuit" id="{0AC2F7E7-15F5-431C-B2A2-456FE929F56C}" vid="{0911B802-464C-4241-8DD9-B60FF88E379F}"/>
     </a:ext>
   </a:extLst>
 </a:theme>

--- a/PPT.pptx
+++ b/PPT.pptx
@@ -27,6 +27,11 @@
     <p:sldId id="277" r:id="rId21"/>
     <p:sldId id="278" r:id="rId22"/>
     <p:sldId id="279" r:id="rId23"/>
+    <p:sldId id="280" r:id="rId24"/>
+    <p:sldId id="281" r:id="rId25"/>
+    <p:sldId id="282" r:id="rId26"/>
+    <p:sldId id="283" r:id="rId27"/>
+    <p:sldId id="285" r:id="rId28"/>
   </p:sldIdLst>
   <p:sldSz cx="12192000" cy="6858000"/>
   <p:notesSz cx="6858000" cy="9144000"/>
@@ -127,7 +132,18 @@
   </p:defaultTextStyle>
   <p:extLst>
     <p:ext uri="{EFAFB233-063F-42B5-8137-9DF3F51BA10A}">
-      <p15:sldGuideLst xmlns:p15="http://schemas.microsoft.com/office/powerpoint/2012/main" xmlns=""/>
+      <p15:sldGuideLst xmlns:p15="http://schemas.microsoft.com/office/powerpoint/2012/main">
+        <p15:guide id="1" orient="horz" pos="2160">
+          <p15:clr>
+            <a:srgbClr val="A4A3A4"/>
+          </p15:clr>
+        </p15:guide>
+        <p15:guide id="2" pos="3840">
+          <p15:clr>
+            <a:srgbClr val="A4A3A4"/>
+          </p15:clr>
+        </p15:guide>
+      </p15:sldGuideLst>
     </p:ext>
   </p:extLst>
 </p:presentation>
@@ -12919,14 +12935,14 @@
                 <a:gridCol w="2299119">
                   <a:extLst>
                     <a:ext uri="{9D8B030D-6E8A-4147-A177-3AD203B41FA5}">
-                      <a16:colId xmlns:a16="http://schemas.microsoft.com/office/drawing/2014/main" xmlns="" val="884427282"/>
+                      <a16:colId xmlns="" xmlns:a16="http://schemas.microsoft.com/office/drawing/2014/main" val="884427282"/>
                     </a:ext>
                   </a:extLst>
                 </a:gridCol>
                 <a:gridCol w="6669784">
                   <a:extLst>
                     <a:ext uri="{9D8B030D-6E8A-4147-A177-3AD203B41FA5}">
-                      <a16:colId xmlns:a16="http://schemas.microsoft.com/office/drawing/2014/main" xmlns="" val="1965136843"/>
+                      <a16:colId xmlns="" xmlns:a16="http://schemas.microsoft.com/office/drawing/2014/main" val="1965136843"/>
                     </a:ext>
                   </a:extLst>
                 </a:gridCol>
@@ -13023,7 +13039,7 @@
                 </a:tc>
                 <a:extLst>
                   <a:ext uri="{0D108BD9-81ED-4DB2-BD59-A6C34878D82A}">
-                    <a16:rowId xmlns:a16="http://schemas.microsoft.com/office/drawing/2014/main" xmlns="" val="3337214981"/>
+                    <a16:rowId xmlns="" xmlns:a16="http://schemas.microsoft.com/office/drawing/2014/main" val="3337214981"/>
                   </a:ext>
                 </a:extLst>
               </a:tr>
@@ -13088,7 +13104,7 @@
                 </a:tc>
                 <a:extLst>
                   <a:ext uri="{0D108BD9-81ED-4DB2-BD59-A6C34878D82A}">
-                    <a16:rowId xmlns:a16="http://schemas.microsoft.com/office/drawing/2014/main" xmlns="" val="1042998721"/>
+                    <a16:rowId xmlns="" xmlns:a16="http://schemas.microsoft.com/office/drawing/2014/main" val="1042998721"/>
                   </a:ext>
                 </a:extLst>
               </a:tr>
@@ -13172,7 +13188,7 @@
                 </a:tc>
                 <a:extLst>
                   <a:ext uri="{0D108BD9-81ED-4DB2-BD59-A6C34878D82A}">
-                    <a16:rowId xmlns:a16="http://schemas.microsoft.com/office/drawing/2014/main" xmlns="" val="3300350946"/>
+                    <a16:rowId xmlns="" xmlns:a16="http://schemas.microsoft.com/office/drawing/2014/main" val="3300350946"/>
                   </a:ext>
                 </a:extLst>
               </a:tr>
@@ -13237,7 +13253,7 @@
                 </a:tc>
                 <a:extLst>
                   <a:ext uri="{0D108BD9-81ED-4DB2-BD59-A6C34878D82A}">
-                    <a16:rowId xmlns:a16="http://schemas.microsoft.com/office/drawing/2014/main" xmlns="" val="1102406645"/>
+                    <a16:rowId xmlns="" xmlns:a16="http://schemas.microsoft.com/office/drawing/2014/main" val="1102406645"/>
                   </a:ext>
                 </a:extLst>
               </a:tr>
@@ -13302,7 +13318,7 @@
                 </a:tc>
                 <a:extLst>
                   <a:ext uri="{0D108BD9-81ED-4DB2-BD59-A6C34878D82A}">
-                    <a16:rowId xmlns:a16="http://schemas.microsoft.com/office/drawing/2014/main" xmlns="" val="2580220237"/>
+                    <a16:rowId xmlns="" xmlns:a16="http://schemas.microsoft.com/office/drawing/2014/main" val="2580220237"/>
                   </a:ext>
                 </a:extLst>
               </a:tr>
@@ -13386,7 +13402,7 @@
                 </a:tc>
                 <a:extLst>
                   <a:ext uri="{0D108BD9-81ED-4DB2-BD59-A6C34878D82A}">
-                    <a16:rowId xmlns:a16="http://schemas.microsoft.com/office/drawing/2014/main" xmlns="" val="1814964967"/>
+                    <a16:rowId xmlns="" xmlns:a16="http://schemas.microsoft.com/office/drawing/2014/main" val="1814964967"/>
                   </a:ext>
                 </a:extLst>
               </a:tr>
@@ -13451,7 +13467,7 @@
                 </a:tc>
                 <a:extLst>
                   <a:ext uri="{0D108BD9-81ED-4DB2-BD59-A6C34878D82A}">
-                    <a16:rowId xmlns:a16="http://schemas.microsoft.com/office/drawing/2014/main" xmlns="" val="1296452611"/>
+                    <a16:rowId xmlns="" xmlns:a16="http://schemas.microsoft.com/office/drawing/2014/main" val="1296452611"/>
                   </a:ext>
                 </a:extLst>
               </a:tr>
@@ -13528,7 +13544,7 @@
                 </a:tc>
                 <a:extLst>
                   <a:ext uri="{0D108BD9-81ED-4DB2-BD59-A6C34878D82A}">
-                    <a16:rowId xmlns:a16="http://schemas.microsoft.com/office/drawing/2014/main" xmlns="" val="4085416620"/>
+                    <a16:rowId xmlns="" xmlns:a16="http://schemas.microsoft.com/office/drawing/2014/main" val="4085416620"/>
                   </a:ext>
                 </a:extLst>
               </a:tr>
@@ -13622,14 +13638,14 @@
                 <a:gridCol w="2339017">
                   <a:extLst>
                     <a:ext uri="{9D8B030D-6E8A-4147-A177-3AD203B41FA5}">
-                      <a16:colId xmlns:a16="http://schemas.microsoft.com/office/drawing/2014/main" xmlns="" val="3482930360"/>
+                      <a16:colId xmlns="" xmlns:a16="http://schemas.microsoft.com/office/drawing/2014/main" val="3482930360"/>
                     </a:ext>
                   </a:extLst>
                 </a:gridCol>
                 <a:gridCol w="6785527">
                   <a:extLst>
                     <a:ext uri="{9D8B030D-6E8A-4147-A177-3AD203B41FA5}">
-                      <a16:colId xmlns:a16="http://schemas.microsoft.com/office/drawing/2014/main" xmlns="" val="301441068"/>
+                      <a16:colId xmlns="" xmlns:a16="http://schemas.microsoft.com/office/drawing/2014/main" val="301441068"/>
                     </a:ext>
                   </a:extLst>
                 </a:gridCol>
@@ -13695,7 +13711,7 @@
                 </a:tc>
                 <a:extLst>
                   <a:ext uri="{0D108BD9-81ED-4DB2-BD59-A6C34878D82A}">
-                    <a16:rowId xmlns:a16="http://schemas.microsoft.com/office/drawing/2014/main" xmlns="" val="1677847784"/>
+                    <a16:rowId xmlns="" xmlns:a16="http://schemas.microsoft.com/office/drawing/2014/main" val="1677847784"/>
                   </a:ext>
                 </a:extLst>
               </a:tr>
@@ -13760,7 +13776,7 @@
                 </a:tc>
                 <a:extLst>
                   <a:ext uri="{0D108BD9-81ED-4DB2-BD59-A6C34878D82A}">
-                    <a16:rowId xmlns:a16="http://schemas.microsoft.com/office/drawing/2014/main" xmlns="" val="1475776976"/>
+                    <a16:rowId xmlns="" xmlns:a16="http://schemas.microsoft.com/office/drawing/2014/main" val="1475776976"/>
                   </a:ext>
                 </a:extLst>
               </a:tr>
@@ -13825,7 +13841,7 @@
                 </a:tc>
                 <a:extLst>
                   <a:ext uri="{0D108BD9-81ED-4DB2-BD59-A6C34878D82A}">
-                    <a16:rowId xmlns:a16="http://schemas.microsoft.com/office/drawing/2014/main" xmlns="" val="2539771682"/>
+                    <a16:rowId xmlns="" xmlns:a16="http://schemas.microsoft.com/office/drawing/2014/main" val="2539771682"/>
                   </a:ext>
                 </a:extLst>
               </a:tr>
@@ -13890,7 +13906,7 @@
                 </a:tc>
                 <a:extLst>
                   <a:ext uri="{0D108BD9-81ED-4DB2-BD59-A6C34878D82A}">
-                    <a16:rowId xmlns:a16="http://schemas.microsoft.com/office/drawing/2014/main" xmlns="" val="533620317"/>
+                    <a16:rowId xmlns="" xmlns:a16="http://schemas.microsoft.com/office/drawing/2014/main" val="533620317"/>
                   </a:ext>
                 </a:extLst>
               </a:tr>
@@ -13955,7 +13971,7 @@
                 </a:tc>
                 <a:extLst>
                   <a:ext uri="{0D108BD9-81ED-4DB2-BD59-A6C34878D82A}">
-                    <a16:rowId xmlns:a16="http://schemas.microsoft.com/office/drawing/2014/main" xmlns="" val="3605234754"/>
+                    <a16:rowId xmlns="" xmlns:a16="http://schemas.microsoft.com/office/drawing/2014/main" val="3605234754"/>
                   </a:ext>
                 </a:extLst>
               </a:tr>
@@ -14020,7 +14036,7 @@
                 </a:tc>
                 <a:extLst>
                   <a:ext uri="{0D108BD9-81ED-4DB2-BD59-A6C34878D82A}">
-                    <a16:rowId xmlns:a16="http://schemas.microsoft.com/office/drawing/2014/main" xmlns="" val="2215012867"/>
+                    <a16:rowId xmlns="" xmlns:a16="http://schemas.microsoft.com/office/drawing/2014/main" val="2215012867"/>
                   </a:ext>
                 </a:extLst>
               </a:tr>
@@ -14085,7 +14101,7 @@
                 </a:tc>
                 <a:extLst>
                   <a:ext uri="{0D108BD9-81ED-4DB2-BD59-A6C34878D82A}">
-                    <a16:rowId xmlns:a16="http://schemas.microsoft.com/office/drawing/2014/main" xmlns="" val="4269351208"/>
+                    <a16:rowId xmlns="" xmlns:a16="http://schemas.microsoft.com/office/drawing/2014/main" val="4269351208"/>
                   </a:ext>
                 </a:extLst>
               </a:tr>
@@ -14162,7 +14178,7 @@
                 </a:tc>
                 <a:extLst>
                   <a:ext uri="{0D108BD9-81ED-4DB2-BD59-A6C34878D82A}">
-                    <a16:rowId xmlns:a16="http://schemas.microsoft.com/office/drawing/2014/main" xmlns="" val="4042263983"/>
+                    <a16:rowId xmlns="" xmlns:a16="http://schemas.microsoft.com/office/drawing/2014/main" val="4042263983"/>
                   </a:ext>
                 </a:extLst>
               </a:tr>
@@ -14256,14 +14272,14 @@
                 <a:gridCol w="2271689">
                   <a:extLst>
                     <a:ext uri="{9D8B030D-6E8A-4147-A177-3AD203B41FA5}">
-                      <a16:colId xmlns:a16="http://schemas.microsoft.com/office/drawing/2014/main" xmlns="" val="1783178198"/>
+                      <a16:colId xmlns="" xmlns:a16="http://schemas.microsoft.com/office/drawing/2014/main" val="1783178198"/>
                     </a:ext>
                   </a:extLst>
                 </a:gridCol>
                 <a:gridCol w="6590209">
                   <a:extLst>
                     <a:ext uri="{9D8B030D-6E8A-4147-A177-3AD203B41FA5}">
-                      <a16:colId xmlns:a16="http://schemas.microsoft.com/office/drawing/2014/main" xmlns="" val="4069196069"/>
+                      <a16:colId xmlns="" xmlns:a16="http://schemas.microsoft.com/office/drawing/2014/main" val="4069196069"/>
                     </a:ext>
                   </a:extLst>
                 </a:gridCol>
@@ -14348,7 +14364,7 @@
                 </a:tc>
                 <a:extLst>
                   <a:ext uri="{0D108BD9-81ED-4DB2-BD59-A6C34878D82A}">
-                    <a16:rowId xmlns:a16="http://schemas.microsoft.com/office/drawing/2014/main" xmlns="" val="440690954"/>
+                    <a16:rowId xmlns="" xmlns:a16="http://schemas.microsoft.com/office/drawing/2014/main" val="440690954"/>
                   </a:ext>
                 </a:extLst>
               </a:tr>
@@ -14413,7 +14429,7 @@
                 </a:tc>
                 <a:extLst>
                   <a:ext uri="{0D108BD9-81ED-4DB2-BD59-A6C34878D82A}">
-                    <a16:rowId xmlns:a16="http://schemas.microsoft.com/office/drawing/2014/main" xmlns="" val="2244733657"/>
+                    <a16:rowId xmlns="" xmlns:a16="http://schemas.microsoft.com/office/drawing/2014/main" val="2244733657"/>
                   </a:ext>
                 </a:extLst>
               </a:tr>
@@ -14478,7 +14494,7 @@
                 </a:tc>
                 <a:extLst>
                   <a:ext uri="{0D108BD9-81ED-4DB2-BD59-A6C34878D82A}">
-                    <a16:rowId xmlns:a16="http://schemas.microsoft.com/office/drawing/2014/main" xmlns="" val="850045073"/>
+                    <a16:rowId xmlns="" xmlns:a16="http://schemas.microsoft.com/office/drawing/2014/main" val="850045073"/>
                   </a:ext>
                 </a:extLst>
               </a:tr>
@@ -14543,7 +14559,7 @@
                 </a:tc>
                 <a:extLst>
                   <a:ext uri="{0D108BD9-81ED-4DB2-BD59-A6C34878D82A}">
-                    <a16:rowId xmlns:a16="http://schemas.microsoft.com/office/drawing/2014/main" xmlns="" val="690867876"/>
+                    <a16:rowId xmlns="" xmlns:a16="http://schemas.microsoft.com/office/drawing/2014/main" val="690867876"/>
                   </a:ext>
                 </a:extLst>
               </a:tr>
@@ -14608,7 +14624,7 @@
                 </a:tc>
                 <a:extLst>
                   <a:ext uri="{0D108BD9-81ED-4DB2-BD59-A6C34878D82A}">
-                    <a16:rowId xmlns:a16="http://schemas.microsoft.com/office/drawing/2014/main" xmlns="" val="3081896387"/>
+                    <a16:rowId xmlns="" xmlns:a16="http://schemas.microsoft.com/office/drawing/2014/main" val="3081896387"/>
                   </a:ext>
                 </a:extLst>
               </a:tr>
@@ -14673,7 +14689,7 @@
                 </a:tc>
                 <a:extLst>
                   <a:ext uri="{0D108BD9-81ED-4DB2-BD59-A6C34878D82A}">
-                    <a16:rowId xmlns:a16="http://schemas.microsoft.com/office/drawing/2014/main" xmlns="" val="1407143264"/>
+                    <a16:rowId xmlns="" xmlns:a16="http://schemas.microsoft.com/office/drawing/2014/main" val="1407143264"/>
                   </a:ext>
                 </a:extLst>
               </a:tr>
@@ -14738,7 +14754,7 @@
                 </a:tc>
                 <a:extLst>
                   <a:ext uri="{0D108BD9-81ED-4DB2-BD59-A6C34878D82A}">
-                    <a16:rowId xmlns:a16="http://schemas.microsoft.com/office/drawing/2014/main" xmlns="" val="3076644184"/>
+                    <a16:rowId xmlns="" xmlns:a16="http://schemas.microsoft.com/office/drawing/2014/main" val="3076644184"/>
                   </a:ext>
                 </a:extLst>
               </a:tr>
@@ -14803,7 +14819,7 @@
                 </a:tc>
                 <a:extLst>
                   <a:ext uri="{0D108BD9-81ED-4DB2-BD59-A6C34878D82A}">
-                    <a16:rowId xmlns:a16="http://schemas.microsoft.com/office/drawing/2014/main" xmlns="" val="1661970842"/>
+                    <a16:rowId xmlns="" xmlns:a16="http://schemas.microsoft.com/office/drawing/2014/main" val="1661970842"/>
                   </a:ext>
                 </a:extLst>
               </a:tr>
@@ -14868,7 +14884,7 @@
                 </a:tc>
                 <a:extLst>
                   <a:ext uri="{0D108BD9-81ED-4DB2-BD59-A6C34878D82A}">
-                    <a16:rowId xmlns:a16="http://schemas.microsoft.com/office/drawing/2014/main" xmlns="" val="314694514"/>
+                    <a16:rowId xmlns="" xmlns:a16="http://schemas.microsoft.com/office/drawing/2014/main" val="314694514"/>
                   </a:ext>
                 </a:extLst>
               </a:tr>
@@ -16142,6 +16158,306 @@
     <p:extLst>
       <p:ext uri="{BB962C8B-B14F-4D97-AF65-F5344CB8AC3E}">
         <p14:creationId xmlns:p14="http://schemas.microsoft.com/office/powerpoint/2010/main" val="676934549"/>
+      </p:ext>
+    </p:extLst>
+  </p:cSld>
+  <p:clrMapOvr>
+    <a:masterClrMapping/>
+  </p:clrMapOvr>
+</p:sld>
+</file>
+
+<file path=ppt/slides/slide23.xml><?xml version="1.0" encoding="utf-8"?>
+<p:sld xmlns:a="http://schemas.openxmlformats.org/drawingml/2006/main" xmlns:r="http://schemas.openxmlformats.org/officeDocument/2006/relationships" xmlns:p="http://schemas.openxmlformats.org/presentationml/2006/main">
+  <p:cSld>
+    <p:spTree>
+      <p:nvGrpSpPr>
+        <p:cNvPr id="1" name=""/>
+        <p:cNvGrpSpPr/>
+        <p:nvPr/>
+      </p:nvGrpSpPr>
+      <p:grpSpPr>
+        <a:xfrm>
+          <a:off x="0" y="0"/>
+          <a:ext cx="0" cy="0"/>
+          <a:chOff x="0" y="0"/>
+          <a:chExt cx="0" cy="0"/>
+        </a:xfrm>
+      </p:grpSpPr>
+      <p:pic>
+        <p:nvPicPr>
+          <p:cNvPr id="2" name="Imagen 1"/>
+          <p:cNvPicPr>
+            <a:picLocks noChangeAspect="1"/>
+          </p:cNvPicPr>
+          <p:nvPr/>
+        </p:nvPicPr>
+        <p:blipFill>
+          <a:blip r:embed="rId2">
+            <a:extLst>
+              <a:ext uri="{28A0092B-C50C-407E-A947-70E740481C1C}">
+                <a14:useLocalDpi xmlns:a14="http://schemas.microsoft.com/office/drawing/2010/main" val="0"/>
+              </a:ext>
+            </a:extLst>
+          </a:blip>
+          <a:stretch>
+            <a:fillRect/>
+          </a:stretch>
+        </p:blipFill>
+        <p:spPr>
+          <a:xfrm>
+            <a:off x="2031999" y="223792"/>
+            <a:ext cx="7784329" cy="6445521"/>
+          </a:xfrm>
+          <a:prstGeom prst="rect">
+            <a:avLst/>
+          </a:prstGeom>
+        </p:spPr>
+      </p:pic>
+    </p:spTree>
+    <p:extLst>
+      <p:ext uri="{BB962C8B-B14F-4D97-AF65-F5344CB8AC3E}">
+        <p14:creationId xmlns:p14="http://schemas.microsoft.com/office/powerpoint/2010/main" val="1319618832"/>
+      </p:ext>
+    </p:extLst>
+  </p:cSld>
+  <p:clrMapOvr>
+    <a:masterClrMapping/>
+  </p:clrMapOvr>
+</p:sld>
+</file>
+
+<file path=ppt/slides/slide24.xml><?xml version="1.0" encoding="utf-8"?>
+<p:sld xmlns:a="http://schemas.openxmlformats.org/drawingml/2006/main" xmlns:r="http://schemas.openxmlformats.org/officeDocument/2006/relationships" xmlns:p="http://schemas.openxmlformats.org/presentationml/2006/main">
+  <p:cSld>
+    <p:spTree>
+      <p:nvGrpSpPr>
+        <p:cNvPr id="1" name=""/>
+        <p:cNvGrpSpPr/>
+        <p:nvPr/>
+      </p:nvGrpSpPr>
+      <p:grpSpPr>
+        <a:xfrm>
+          <a:off x="0" y="0"/>
+          <a:ext cx="0" cy="0"/>
+          <a:chOff x="0" y="0"/>
+          <a:chExt cx="0" cy="0"/>
+        </a:xfrm>
+      </p:grpSpPr>
+      <p:pic>
+        <p:nvPicPr>
+          <p:cNvPr id="3" name="Imagen 2"/>
+          <p:cNvPicPr>
+            <a:picLocks noChangeAspect="1"/>
+          </p:cNvPicPr>
+          <p:nvPr/>
+        </p:nvPicPr>
+        <p:blipFill>
+          <a:blip r:embed="rId2">
+            <a:extLst>
+              <a:ext uri="{28A0092B-C50C-407E-A947-70E740481C1C}">
+                <a14:useLocalDpi xmlns:a14="http://schemas.microsoft.com/office/drawing/2010/main" val="0"/>
+              </a:ext>
+            </a:extLst>
+          </a:blip>
+          <a:stretch>
+            <a:fillRect/>
+          </a:stretch>
+        </p:blipFill>
+        <p:spPr>
+          <a:xfrm>
+            <a:off x="2762250" y="528637"/>
+            <a:ext cx="6667500" cy="5800725"/>
+          </a:xfrm>
+          <a:prstGeom prst="rect">
+            <a:avLst/>
+          </a:prstGeom>
+        </p:spPr>
+      </p:pic>
+    </p:spTree>
+    <p:extLst>
+      <p:ext uri="{BB962C8B-B14F-4D97-AF65-F5344CB8AC3E}">
+        <p14:creationId xmlns:p14="http://schemas.microsoft.com/office/powerpoint/2010/main" val="977211566"/>
+      </p:ext>
+    </p:extLst>
+  </p:cSld>
+  <p:clrMapOvr>
+    <a:masterClrMapping/>
+  </p:clrMapOvr>
+</p:sld>
+</file>
+
+<file path=ppt/slides/slide25.xml><?xml version="1.0" encoding="utf-8"?>
+<p:sld xmlns:a="http://schemas.openxmlformats.org/drawingml/2006/main" xmlns:r="http://schemas.openxmlformats.org/officeDocument/2006/relationships" xmlns:p="http://schemas.openxmlformats.org/presentationml/2006/main">
+  <p:cSld>
+    <p:spTree>
+      <p:nvGrpSpPr>
+        <p:cNvPr id="1" name=""/>
+        <p:cNvGrpSpPr/>
+        <p:nvPr/>
+      </p:nvGrpSpPr>
+      <p:grpSpPr>
+        <a:xfrm>
+          <a:off x="0" y="0"/>
+          <a:ext cx="0" cy="0"/>
+          <a:chOff x="0" y="0"/>
+          <a:chExt cx="0" cy="0"/>
+        </a:xfrm>
+      </p:grpSpPr>
+      <p:pic>
+        <p:nvPicPr>
+          <p:cNvPr id="2" name="Imagen 1"/>
+          <p:cNvPicPr>
+            <a:picLocks noChangeAspect="1"/>
+          </p:cNvPicPr>
+          <p:nvPr/>
+        </p:nvPicPr>
+        <p:blipFill>
+          <a:blip r:embed="rId2">
+            <a:extLst>
+              <a:ext uri="{28A0092B-C50C-407E-A947-70E740481C1C}">
+                <a14:useLocalDpi xmlns:a14="http://schemas.microsoft.com/office/drawing/2010/main" val="0"/>
+              </a:ext>
+            </a:extLst>
+          </a:blip>
+          <a:stretch>
+            <a:fillRect/>
+          </a:stretch>
+        </p:blipFill>
+        <p:spPr>
+          <a:xfrm>
+            <a:off x="1362872" y="1277257"/>
+            <a:ext cx="9803132" cy="3585029"/>
+          </a:xfrm>
+          <a:prstGeom prst="rect">
+            <a:avLst/>
+          </a:prstGeom>
+        </p:spPr>
+      </p:pic>
+    </p:spTree>
+    <p:extLst>
+      <p:ext uri="{BB962C8B-B14F-4D97-AF65-F5344CB8AC3E}">
+        <p14:creationId xmlns:p14="http://schemas.microsoft.com/office/powerpoint/2010/main" val="3931547339"/>
+      </p:ext>
+    </p:extLst>
+  </p:cSld>
+  <p:clrMapOvr>
+    <a:masterClrMapping/>
+  </p:clrMapOvr>
+</p:sld>
+</file>
+
+<file path=ppt/slides/slide26.xml><?xml version="1.0" encoding="utf-8"?>
+<p:sld xmlns:a="http://schemas.openxmlformats.org/drawingml/2006/main" xmlns:r="http://schemas.openxmlformats.org/officeDocument/2006/relationships" xmlns:p="http://schemas.openxmlformats.org/presentationml/2006/main">
+  <p:cSld>
+    <p:spTree>
+      <p:nvGrpSpPr>
+        <p:cNvPr id="1" name=""/>
+        <p:cNvGrpSpPr/>
+        <p:nvPr/>
+      </p:nvGrpSpPr>
+      <p:grpSpPr>
+        <a:xfrm>
+          <a:off x="0" y="0"/>
+          <a:ext cx="0" cy="0"/>
+          <a:chOff x="0" y="0"/>
+          <a:chExt cx="0" cy="0"/>
+        </a:xfrm>
+      </p:grpSpPr>
+      <p:pic>
+        <p:nvPicPr>
+          <p:cNvPr id="3" name="Imagen 2"/>
+          <p:cNvPicPr>
+            <a:picLocks noChangeAspect="1"/>
+          </p:cNvPicPr>
+          <p:nvPr/>
+        </p:nvPicPr>
+        <p:blipFill>
+          <a:blip r:embed="rId2">
+            <a:extLst>
+              <a:ext uri="{28A0092B-C50C-407E-A947-70E740481C1C}">
+                <a14:useLocalDpi xmlns:a14="http://schemas.microsoft.com/office/drawing/2010/main" val="0"/>
+              </a:ext>
+            </a:extLst>
+          </a:blip>
+          <a:stretch>
+            <a:fillRect/>
+          </a:stretch>
+        </p:blipFill>
+        <p:spPr>
+          <a:xfrm>
+            <a:off x="1097189" y="725940"/>
+            <a:ext cx="10107840" cy="5049296"/>
+          </a:xfrm>
+          <a:prstGeom prst="rect">
+            <a:avLst/>
+          </a:prstGeom>
+        </p:spPr>
+      </p:pic>
+    </p:spTree>
+    <p:extLst>
+      <p:ext uri="{BB962C8B-B14F-4D97-AF65-F5344CB8AC3E}">
+        <p14:creationId xmlns:p14="http://schemas.microsoft.com/office/powerpoint/2010/main" val="962336910"/>
+      </p:ext>
+    </p:extLst>
+  </p:cSld>
+  <p:clrMapOvr>
+    <a:masterClrMapping/>
+  </p:clrMapOvr>
+</p:sld>
+</file>
+
+<file path=ppt/slides/slide27.xml><?xml version="1.0" encoding="utf-8"?>
+<p:sld xmlns:a="http://schemas.openxmlformats.org/drawingml/2006/main" xmlns:r="http://schemas.openxmlformats.org/officeDocument/2006/relationships" xmlns:p="http://schemas.openxmlformats.org/presentationml/2006/main">
+  <p:cSld>
+    <p:spTree>
+      <p:nvGrpSpPr>
+        <p:cNvPr id="1" name=""/>
+        <p:cNvGrpSpPr/>
+        <p:nvPr/>
+      </p:nvGrpSpPr>
+      <p:grpSpPr>
+        <a:xfrm>
+          <a:off x="0" y="0"/>
+          <a:ext cx="0" cy="0"/>
+          <a:chOff x="0" y="0"/>
+          <a:chExt cx="0" cy="0"/>
+        </a:xfrm>
+      </p:grpSpPr>
+      <p:pic>
+        <p:nvPicPr>
+          <p:cNvPr id="2" name="Imagen 1"/>
+          <p:cNvPicPr>
+            <a:picLocks noChangeAspect="1"/>
+          </p:cNvPicPr>
+          <p:nvPr/>
+        </p:nvPicPr>
+        <p:blipFill>
+          <a:blip r:embed="rId2">
+            <a:extLst>
+              <a:ext uri="{28A0092B-C50C-407E-A947-70E740481C1C}">
+                <a14:useLocalDpi xmlns:a14="http://schemas.microsoft.com/office/drawing/2010/main" val="0"/>
+              </a:ext>
+            </a:extLst>
+          </a:blip>
+          <a:stretch>
+            <a:fillRect/>
+          </a:stretch>
+        </p:blipFill>
+        <p:spPr>
+          <a:xfrm>
+            <a:off x="1226455" y="899885"/>
+            <a:ext cx="9898744" cy="4949372"/>
+          </a:xfrm>
+          <a:prstGeom prst="rect">
+            <a:avLst/>
+          </a:prstGeom>
+        </p:spPr>
+      </p:pic>
+    </p:spTree>
+    <p:extLst>
+      <p:ext uri="{BB962C8B-B14F-4D97-AF65-F5344CB8AC3E}">
+        <p14:creationId xmlns:p14="http://schemas.microsoft.com/office/powerpoint/2010/main" val="2713877749"/>
       </p:ext>
     </p:extLst>
   </p:cSld>
@@ -17124,7 +17440,7 @@
   <a:extraClrSchemeLst/>
   <a:extLst>
     <a:ext uri="{05A4C25C-085E-4340-85A3-A5531E510DB2}">
-      <thm15:themeFamily xmlns:thm15="http://schemas.microsoft.com/office/thememl/2012/main" xmlns="" name="Circuit" id="{0AC2F7E7-15F5-431C-B2A2-456FE929F56C}" vid="{0911B802-464C-4241-8DD9-B60FF88E379F}"/>
+      <thm15:themeFamily xmlns:thm15="http://schemas.microsoft.com/office/thememl/2012/main" name="Circuit" id="{0AC2F7E7-15F5-431C-B2A2-456FE929F56C}" vid="{0911B802-464C-4241-8DD9-B60FF88E379F}"/>
     </a:ext>
   </a:extLst>
 </a:theme>

--- a/PPT.pptx
+++ b/PPT.pptx
@@ -132,7 +132,7 @@
   </p:defaultTextStyle>
   <p:extLst>
     <p:ext uri="{EFAFB233-063F-42B5-8137-9DF3F51BA10A}">
-      <p15:sldGuideLst xmlns:p15="http://schemas.microsoft.com/office/powerpoint/2012/main">
+      <p15:sldGuideLst xmlns:p15="http://schemas.microsoft.com/office/powerpoint/2012/main" xmlns="">
         <p15:guide id="1" orient="horz" pos="2160">
           <p15:clr>
             <a:srgbClr val="A4A3A4"/>
@@ -12935,14 +12935,14 @@
                 <a:gridCol w="2299119">
                   <a:extLst>
                     <a:ext uri="{9D8B030D-6E8A-4147-A177-3AD203B41FA5}">
-                      <a16:colId xmlns="" xmlns:a16="http://schemas.microsoft.com/office/drawing/2014/main" val="884427282"/>
+                      <a16:colId xmlns:a16="http://schemas.microsoft.com/office/drawing/2014/main" xmlns="" val="884427282"/>
                     </a:ext>
                   </a:extLst>
                 </a:gridCol>
                 <a:gridCol w="6669784">
                   <a:extLst>
                     <a:ext uri="{9D8B030D-6E8A-4147-A177-3AD203B41FA5}">
-                      <a16:colId xmlns="" xmlns:a16="http://schemas.microsoft.com/office/drawing/2014/main" val="1965136843"/>
+                      <a16:colId xmlns:a16="http://schemas.microsoft.com/office/drawing/2014/main" xmlns="" val="1965136843"/>
                     </a:ext>
                   </a:extLst>
                 </a:gridCol>
@@ -13039,7 +13039,7 @@
                 </a:tc>
                 <a:extLst>
                   <a:ext uri="{0D108BD9-81ED-4DB2-BD59-A6C34878D82A}">
-                    <a16:rowId xmlns="" xmlns:a16="http://schemas.microsoft.com/office/drawing/2014/main" val="3337214981"/>
+                    <a16:rowId xmlns:a16="http://schemas.microsoft.com/office/drawing/2014/main" xmlns="" val="3337214981"/>
                   </a:ext>
                 </a:extLst>
               </a:tr>
@@ -13104,7 +13104,7 @@
                 </a:tc>
                 <a:extLst>
                   <a:ext uri="{0D108BD9-81ED-4DB2-BD59-A6C34878D82A}">
-                    <a16:rowId xmlns="" xmlns:a16="http://schemas.microsoft.com/office/drawing/2014/main" val="1042998721"/>
+                    <a16:rowId xmlns:a16="http://schemas.microsoft.com/office/drawing/2014/main" xmlns="" val="1042998721"/>
                   </a:ext>
                 </a:extLst>
               </a:tr>
@@ -13188,7 +13188,7 @@
                 </a:tc>
                 <a:extLst>
                   <a:ext uri="{0D108BD9-81ED-4DB2-BD59-A6C34878D82A}">
-                    <a16:rowId xmlns="" xmlns:a16="http://schemas.microsoft.com/office/drawing/2014/main" val="3300350946"/>
+                    <a16:rowId xmlns:a16="http://schemas.microsoft.com/office/drawing/2014/main" xmlns="" val="3300350946"/>
                   </a:ext>
                 </a:extLst>
               </a:tr>
@@ -13253,7 +13253,7 @@
                 </a:tc>
                 <a:extLst>
                   <a:ext uri="{0D108BD9-81ED-4DB2-BD59-A6C34878D82A}">
-                    <a16:rowId xmlns="" xmlns:a16="http://schemas.microsoft.com/office/drawing/2014/main" val="1102406645"/>
+                    <a16:rowId xmlns:a16="http://schemas.microsoft.com/office/drawing/2014/main" xmlns="" val="1102406645"/>
                   </a:ext>
                 </a:extLst>
               </a:tr>
@@ -13318,7 +13318,7 @@
                 </a:tc>
                 <a:extLst>
                   <a:ext uri="{0D108BD9-81ED-4DB2-BD59-A6C34878D82A}">
-                    <a16:rowId xmlns="" xmlns:a16="http://schemas.microsoft.com/office/drawing/2014/main" val="2580220237"/>
+                    <a16:rowId xmlns:a16="http://schemas.microsoft.com/office/drawing/2014/main" xmlns="" val="2580220237"/>
                   </a:ext>
                 </a:extLst>
               </a:tr>
@@ -13402,7 +13402,7 @@
                 </a:tc>
                 <a:extLst>
                   <a:ext uri="{0D108BD9-81ED-4DB2-BD59-A6C34878D82A}">
-                    <a16:rowId xmlns="" xmlns:a16="http://schemas.microsoft.com/office/drawing/2014/main" val="1814964967"/>
+                    <a16:rowId xmlns:a16="http://schemas.microsoft.com/office/drawing/2014/main" xmlns="" val="1814964967"/>
                   </a:ext>
                 </a:extLst>
               </a:tr>
@@ -13467,7 +13467,7 @@
                 </a:tc>
                 <a:extLst>
                   <a:ext uri="{0D108BD9-81ED-4DB2-BD59-A6C34878D82A}">
-                    <a16:rowId xmlns="" xmlns:a16="http://schemas.microsoft.com/office/drawing/2014/main" val="1296452611"/>
+                    <a16:rowId xmlns:a16="http://schemas.microsoft.com/office/drawing/2014/main" xmlns="" val="1296452611"/>
                   </a:ext>
                 </a:extLst>
               </a:tr>
@@ -13544,7 +13544,7 @@
                 </a:tc>
                 <a:extLst>
                   <a:ext uri="{0D108BD9-81ED-4DB2-BD59-A6C34878D82A}">
-                    <a16:rowId xmlns="" xmlns:a16="http://schemas.microsoft.com/office/drawing/2014/main" val="4085416620"/>
+                    <a16:rowId xmlns:a16="http://schemas.microsoft.com/office/drawing/2014/main" xmlns="" val="4085416620"/>
                   </a:ext>
                 </a:extLst>
               </a:tr>
@@ -13638,14 +13638,14 @@
                 <a:gridCol w="2339017">
                   <a:extLst>
                     <a:ext uri="{9D8B030D-6E8A-4147-A177-3AD203B41FA5}">
-                      <a16:colId xmlns="" xmlns:a16="http://schemas.microsoft.com/office/drawing/2014/main" val="3482930360"/>
+                      <a16:colId xmlns:a16="http://schemas.microsoft.com/office/drawing/2014/main" xmlns="" val="3482930360"/>
                     </a:ext>
                   </a:extLst>
                 </a:gridCol>
                 <a:gridCol w="6785527">
                   <a:extLst>
                     <a:ext uri="{9D8B030D-6E8A-4147-A177-3AD203B41FA5}">
-                      <a16:colId xmlns="" xmlns:a16="http://schemas.microsoft.com/office/drawing/2014/main" val="301441068"/>
+                      <a16:colId xmlns:a16="http://schemas.microsoft.com/office/drawing/2014/main" xmlns="" val="301441068"/>
                     </a:ext>
                   </a:extLst>
                 </a:gridCol>
@@ -13711,7 +13711,7 @@
                 </a:tc>
                 <a:extLst>
                   <a:ext uri="{0D108BD9-81ED-4DB2-BD59-A6C34878D82A}">
-                    <a16:rowId xmlns="" xmlns:a16="http://schemas.microsoft.com/office/drawing/2014/main" val="1677847784"/>
+                    <a16:rowId xmlns:a16="http://schemas.microsoft.com/office/drawing/2014/main" xmlns="" val="1677847784"/>
                   </a:ext>
                 </a:extLst>
               </a:tr>
@@ -13776,7 +13776,7 @@
                 </a:tc>
                 <a:extLst>
                   <a:ext uri="{0D108BD9-81ED-4DB2-BD59-A6C34878D82A}">
-                    <a16:rowId xmlns="" xmlns:a16="http://schemas.microsoft.com/office/drawing/2014/main" val="1475776976"/>
+                    <a16:rowId xmlns:a16="http://schemas.microsoft.com/office/drawing/2014/main" xmlns="" val="1475776976"/>
                   </a:ext>
                 </a:extLst>
               </a:tr>
@@ -13841,7 +13841,7 @@
                 </a:tc>
                 <a:extLst>
                   <a:ext uri="{0D108BD9-81ED-4DB2-BD59-A6C34878D82A}">
-                    <a16:rowId xmlns="" xmlns:a16="http://schemas.microsoft.com/office/drawing/2014/main" val="2539771682"/>
+                    <a16:rowId xmlns:a16="http://schemas.microsoft.com/office/drawing/2014/main" xmlns="" val="2539771682"/>
                   </a:ext>
                 </a:extLst>
               </a:tr>
@@ -13906,7 +13906,7 @@
                 </a:tc>
                 <a:extLst>
                   <a:ext uri="{0D108BD9-81ED-4DB2-BD59-A6C34878D82A}">
-                    <a16:rowId xmlns="" xmlns:a16="http://schemas.microsoft.com/office/drawing/2014/main" val="533620317"/>
+                    <a16:rowId xmlns:a16="http://schemas.microsoft.com/office/drawing/2014/main" xmlns="" val="533620317"/>
                   </a:ext>
                 </a:extLst>
               </a:tr>
@@ -13971,7 +13971,7 @@
                 </a:tc>
                 <a:extLst>
                   <a:ext uri="{0D108BD9-81ED-4DB2-BD59-A6C34878D82A}">
-                    <a16:rowId xmlns="" xmlns:a16="http://schemas.microsoft.com/office/drawing/2014/main" val="3605234754"/>
+                    <a16:rowId xmlns:a16="http://schemas.microsoft.com/office/drawing/2014/main" xmlns="" val="3605234754"/>
                   </a:ext>
                 </a:extLst>
               </a:tr>
@@ -14036,7 +14036,7 @@
                 </a:tc>
                 <a:extLst>
                   <a:ext uri="{0D108BD9-81ED-4DB2-BD59-A6C34878D82A}">
-                    <a16:rowId xmlns="" xmlns:a16="http://schemas.microsoft.com/office/drawing/2014/main" val="2215012867"/>
+                    <a16:rowId xmlns:a16="http://schemas.microsoft.com/office/drawing/2014/main" xmlns="" val="2215012867"/>
                   </a:ext>
                 </a:extLst>
               </a:tr>
@@ -14101,7 +14101,7 @@
                 </a:tc>
                 <a:extLst>
                   <a:ext uri="{0D108BD9-81ED-4DB2-BD59-A6C34878D82A}">
-                    <a16:rowId xmlns="" xmlns:a16="http://schemas.microsoft.com/office/drawing/2014/main" val="4269351208"/>
+                    <a16:rowId xmlns:a16="http://schemas.microsoft.com/office/drawing/2014/main" xmlns="" val="4269351208"/>
                   </a:ext>
                 </a:extLst>
               </a:tr>
@@ -14178,7 +14178,7 @@
                 </a:tc>
                 <a:extLst>
                   <a:ext uri="{0D108BD9-81ED-4DB2-BD59-A6C34878D82A}">
-                    <a16:rowId xmlns="" xmlns:a16="http://schemas.microsoft.com/office/drawing/2014/main" val="4042263983"/>
+                    <a16:rowId xmlns:a16="http://schemas.microsoft.com/office/drawing/2014/main" xmlns="" val="4042263983"/>
                   </a:ext>
                 </a:extLst>
               </a:tr>
@@ -14272,14 +14272,14 @@
                 <a:gridCol w="2271689">
                   <a:extLst>
                     <a:ext uri="{9D8B030D-6E8A-4147-A177-3AD203B41FA5}">
-                      <a16:colId xmlns="" xmlns:a16="http://schemas.microsoft.com/office/drawing/2014/main" val="1783178198"/>
+                      <a16:colId xmlns:a16="http://schemas.microsoft.com/office/drawing/2014/main" xmlns="" val="1783178198"/>
                     </a:ext>
                   </a:extLst>
                 </a:gridCol>
                 <a:gridCol w="6590209">
                   <a:extLst>
                     <a:ext uri="{9D8B030D-6E8A-4147-A177-3AD203B41FA5}">
-                      <a16:colId xmlns="" xmlns:a16="http://schemas.microsoft.com/office/drawing/2014/main" val="4069196069"/>
+                      <a16:colId xmlns:a16="http://schemas.microsoft.com/office/drawing/2014/main" xmlns="" val="4069196069"/>
                     </a:ext>
                   </a:extLst>
                 </a:gridCol>
@@ -14364,7 +14364,7 @@
                 </a:tc>
                 <a:extLst>
                   <a:ext uri="{0D108BD9-81ED-4DB2-BD59-A6C34878D82A}">
-                    <a16:rowId xmlns="" xmlns:a16="http://schemas.microsoft.com/office/drawing/2014/main" val="440690954"/>
+                    <a16:rowId xmlns:a16="http://schemas.microsoft.com/office/drawing/2014/main" xmlns="" val="440690954"/>
                   </a:ext>
                 </a:extLst>
               </a:tr>
@@ -14429,7 +14429,7 @@
                 </a:tc>
                 <a:extLst>
                   <a:ext uri="{0D108BD9-81ED-4DB2-BD59-A6C34878D82A}">
-                    <a16:rowId xmlns="" xmlns:a16="http://schemas.microsoft.com/office/drawing/2014/main" val="2244733657"/>
+                    <a16:rowId xmlns:a16="http://schemas.microsoft.com/office/drawing/2014/main" xmlns="" val="2244733657"/>
                   </a:ext>
                 </a:extLst>
               </a:tr>
@@ -14494,7 +14494,7 @@
                 </a:tc>
                 <a:extLst>
                   <a:ext uri="{0D108BD9-81ED-4DB2-BD59-A6C34878D82A}">
-                    <a16:rowId xmlns="" xmlns:a16="http://schemas.microsoft.com/office/drawing/2014/main" val="850045073"/>
+                    <a16:rowId xmlns:a16="http://schemas.microsoft.com/office/drawing/2014/main" xmlns="" val="850045073"/>
                   </a:ext>
                 </a:extLst>
               </a:tr>
@@ -14559,7 +14559,7 @@
                 </a:tc>
                 <a:extLst>
                   <a:ext uri="{0D108BD9-81ED-4DB2-BD59-A6C34878D82A}">
-                    <a16:rowId xmlns="" xmlns:a16="http://schemas.microsoft.com/office/drawing/2014/main" val="690867876"/>
+                    <a16:rowId xmlns:a16="http://schemas.microsoft.com/office/drawing/2014/main" xmlns="" val="690867876"/>
                   </a:ext>
                 </a:extLst>
               </a:tr>
@@ -14624,7 +14624,7 @@
                 </a:tc>
                 <a:extLst>
                   <a:ext uri="{0D108BD9-81ED-4DB2-BD59-A6C34878D82A}">
-                    <a16:rowId xmlns="" xmlns:a16="http://schemas.microsoft.com/office/drawing/2014/main" val="3081896387"/>
+                    <a16:rowId xmlns:a16="http://schemas.microsoft.com/office/drawing/2014/main" xmlns="" val="3081896387"/>
                   </a:ext>
                 </a:extLst>
               </a:tr>
@@ -14689,7 +14689,7 @@
                 </a:tc>
                 <a:extLst>
                   <a:ext uri="{0D108BD9-81ED-4DB2-BD59-A6C34878D82A}">
-                    <a16:rowId xmlns="" xmlns:a16="http://schemas.microsoft.com/office/drawing/2014/main" val="1407143264"/>
+                    <a16:rowId xmlns:a16="http://schemas.microsoft.com/office/drawing/2014/main" xmlns="" val="1407143264"/>
                   </a:ext>
                 </a:extLst>
               </a:tr>
@@ -14754,7 +14754,7 @@
                 </a:tc>
                 <a:extLst>
                   <a:ext uri="{0D108BD9-81ED-4DB2-BD59-A6C34878D82A}">
-                    <a16:rowId xmlns="" xmlns:a16="http://schemas.microsoft.com/office/drawing/2014/main" val="3076644184"/>
+                    <a16:rowId xmlns:a16="http://schemas.microsoft.com/office/drawing/2014/main" xmlns="" val="3076644184"/>
                   </a:ext>
                 </a:extLst>
               </a:tr>
@@ -14819,7 +14819,7 @@
                 </a:tc>
                 <a:extLst>
                   <a:ext uri="{0D108BD9-81ED-4DB2-BD59-A6C34878D82A}">
-                    <a16:rowId xmlns="" xmlns:a16="http://schemas.microsoft.com/office/drawing/2014/main" val="1661970842"/>
+                    <a16:rowId xmlns:a16="http://schemas.microsoft.com/office/drawing/2014/main" xmlns="" val="1661970842"/>
                   </a:ext>
                 </a:extLst>
               </a:tr>
@@ -14884,7 +14884,7 @@
                 </a:tc>
                 <a:extLst>
                   <a:ext uri="{0D108BD9-81ED-4DB2-BD59-A6C34878D82A}">
-                    <a16:rowId xmlns="" xmlns:a16="http://schemas.microsoft.com/office/drawing/2014/main" val="314694514"/>
+                    <a16:rowId xmlns:a16="http://schemas.microsoft.com/office/drawing/2014/main" xmlns="" val="314694514"/>
                   </a:ext>
                 </a:extLst>
               </a:tr>
@@ -15100,6 +15100,573 @@
           </a:p>
         </p:txBody>
       </p:sp>
+      <p:sp>
+        <p:nvSpPr>
+          <p:cNvPr id="3" name="2 Elipse"/>
+          <p:cNvSpPr/>
+          <p:nvPr/>
+        </p:nvSpPr>
+        <p:spPr>
+          <a:xfrm>
+            <a:off x="2365829" y="885372"/>
+            <a:ext cx="2206172" cy="2162628"/>
+          </a:xfrm>
+          <a:prstGeom prst="ellipse">
+            <a:avLst/>
+          </a:prstGeom>
+        </p:spPr>
+        <p:style>
+          <a:lnRef idx="2">
+            <a:schemeClr val="accent1">
+              <a:shade val="50000"/>
+            </a:schemeClr>
+          </a:lnRef>
+          <a:fillRef idx="1">
+            <a:schemeClr val="accent1"/>
+          </a:fillRef>
+          <a:effectRef idx="0">
+            <a:schemeClr val="accent1"/>
+          </a:effectRef>
+          <a:fontRef idx="minor">
+            <a:schemeClr val="lt1"/>
+          </a:fontRef>
+        </p:style>
+        <p:txBody>
+          <a:bodyPr rtlCol="0" anchor="ctr"/>
+          <a:lstStyle/>
+          <a:p>
+            <a:pPr algn="ctr"/>
+            <a:r>
+              <a:rPr lang="es-AR" b="1" dirty="0" smtClean="0"/>
+              <a:t>1</a:t>
+            </a:r>
+          </a:p>
+          <a:p>
+            <a:pPr algn="ctr"/>
+            <a:r>
+              <a:rPr lang="es-AR" b="1" dirty="0" smtClean="0"/>
+              <a:t>Subsistema de Atención al Cliente</a:t>
+            </a:r>
+            <a:endParaRPr lang="es-AR" b="1" dirty="0"/>
+          </a:p>
+        </p:txBody>
+      </p:sp>
+      <p:sp>
+        <p:nvSpPr>
+          <p:cNvPr id="8" name="7 Elipse"/>
+          <p:cNvSpPr/>
+          <p:nvPr/>
+        </p:nvSpPr>
+        <p:spPr>
+          <a:xfrm>
+            <a:off x="7395028" y="885372"/>
+            <a:ext cx="2206172" cy="2162628"/>
+          </a:xfrm>
+          <a:prstGeom prst="ellipse">
+            <a:avLst/>
+          </a:prstGeom>
+        </p:spPr>
+        <p:style>
+          <a:lnRef idx="2">
+            <a:schemeClr val="accent1">
+              <a:shade val="50000"/>
+            </a:schemeClr>
+          </a:lnRef>
+          <a:fillRef idx="1">
+            <a:schemeClr val="accent1"/>
+          </a:fillRef>
+          <a:effectRef idx="0">
+            <a:schemeClr val="accent1"/>
+          </a:effectRef>
+          <a:fontRef idx="minor">
+            <a:schemeClr val="lt1"/>
+          </a:fontRef>
+        </p:style>
+        <p:txBody>
+          <a:bodyPr rtlCol="0" anchor="ctr"/>
+          <a:lstStyle/>
+          <a:p>
+            <a:pPr algn="ctr"/>
+            <a:r>
+              <a:rPr lang="es-AR" b="1" dirty="0" smtClean="0"/>
+              <a:t>2</a:t>
+            </a:r>
+          </a:p>
+          <a:p>
+            <a:pPr algn="ctr"/>
+            <a:r>
+              <a:rPr lang="es-AR" b="1" dirty="0" smtClean="0"/>
+              <a:t>Subsistema de Entregas y Retiros</a:t>
+            </a:r>
+            <a:endParaRPr lang="es-AR" b="1" dirty="0"/>
+          </a:p>
+        </p:txBody>
+      </p:sp>
+      <p:sp>
+        <p:nvSpPr>
+          <p:cNvPr id="9" name="8 Elipse"/>
+          <p:cNvSpPr/>
+          <p:nvPr/>
+        </p:nvSpPr>
+        <p:spPr>
+          <a:xfrm>
+            <a:off x="8287660" y="3973285"/>
+            <a:ext cx="2206172" cy="2162628"/>
+          </a:xfrm>
+          <a:prstGeom prst="ellipse">
+            <a:avLst/>
+          </a:prstGeom>
+        </p:spPr>
+        <p:style>
+          <a:lnRef idx="2">
+            <a:schemeClr val="accent1">
+              <a:shade val="50000"/>
+            </a:schemeClr>
+          </a:lnRef>
+          <a:fillRef idx="1">
+            <a:schemeClr val="accent1"/>
+          </a:fillRef>
+          <a:effectRef idx="0">
+            <a:schemeClr val="accent1"/>
+          </a:effectRef>
+          <a:fontRef idx="minor">
+            <a:schemeClr val="lt1"/>
+          </a:fontRef>
+        </p:style>
+        <p:txBody>
+          <a:bodyPr rtlCol="0" anchor="ctr"/>
+          <a:lstStyle/>
+          <a:p>
+            <a:pPr algn="ctr"/>
+            <a:r>
+              <a:rPr lang="es-AR" dirty="0" smtClean="0"/>
+              <a:t>3</a:t>
+            </a:r>
+          </a:p>
+          <a:p>
+            <a:pPr algn="ctr"/>
+            <a:r>
+              <a:rPr lang="es-AR" dirty="0" smtClean="0"/>
+              <a:t>Subsistema de Transporte</a:t>
+            </a:r>
+            <a:endParaRPr lang="es-AR" dirty="0"/>
+          </a:p>
+        </p:txBody>
+      </p:sp>
+      <p:sp>
+        <p:nvSpPr>
+          <p:cNvPr id="10" name="9 Elipse"/>
+          <p:cNvSpPr/>
+          <p:nvPr/>
+        </p:nvSpPr>
+        <p:spPr>
+          <a:xfrm>
+            <a:off x="1458686" y="3973285"/>
+            <a:ext cx="2206172" cy="2162628"/>
+          </a:xfrm>
+          <a:prstGeom prst="ellipse">
+            <a:avLst/>
+          </a:prstGeom>
+        </p:spPr>
+        <p:style>
+          <a:lnRef idx="2">
+            <a:schemeClr val="accent1">
+              <a:shade val="50000"/>
+            </a:schemeClr>
+          </a:lnRef>
+          <a:fillRef idx="1">
+            <a:schemeClr val="accent1"/>
+          </a:fillRef>
+          <a:effectRef idx="0">
+            <a:schemeClr val="accent1"/>
+          </a:effectRef>
+          <a:fontRef idx="minor">
+            <a:schemeClr val="lt1"/>
+          </a:fontRef>
+        </p:style>
+        <p:txBody>
+          <a:bodyPr rtlCol="0" anchor="ctr"/>
+          <a:lstStyle/>
+          <a:p>
+            <a:pPr algn="ctr"/>
+            <a:r>
+              <a:rPr lang="es-AR" dirty="0" smtClean="0"/>
+              <a:t>5</a:t>
+            </a:r>
+          </a:p>
+          <a:p>
+            <a:pPr algn="ctr"/>
+            <a:r>
+              <a:rPr lang="es-AR" dirty="0" smtClean="0"/>
+              <a:t>Subsistema de RRHH y Liquidación</a:t>
+            </a:r>
+            <a:endParaRPr lang="es-AR" dirty="0"/>
+          </a:p>
+        </p:txBody>
+      </p:sp>
+      <p:sp>
+        <p:nvSpPr>
+          <p:cNvPr id="11" name="10 Elipse"/>
+          <p:cNvSpPr/>
+          <p:nvPr/>
+        </p:nvSpPr>
+        <p:spPr>
+          <a:xfrm>
+            <a:off x="4880428" y="3973285"/>
+            <a:ext cx="2206172" cy="2162628"/>
+          </a:xfrm>
+          <a:prstGeom prst="ellipse">
+            <a:avLst/>
+          </a:prstGeom>
+        </p:spPr>
+        <p:style>
+          <a:lnRef idx="2">
+            <a:schemeClr val="accent1">
+              <a:shade val="50000"/>
+            </a:schemeClr>
+          </a:lnRef>
+          <a:fillRef idx="1">
+            <a:schemeClr val="accent1"/>
+          </a:fillRef>
+          <a:effectRef idx="0">
+            <a:schemeClr val="accent1"/>
+          </a:effectRef>
+          <a:fontRef idx="minor">
+            <a:schemeClr val="lt1"/>
+          </a:fontRef>
+        </p:style>
+        <p:txBody>
+          <a:bodyPr rtlCol="0" anchor="ctr"/>
+          <a:lstStyle/>
+          <a:p>
+            <a:pPr algn="ctr"/>
+            <a:r>
+              <a:rPr lang="es-AR" dirty="0" smtClean="0"/>
+              <a:t>4</a:t>
+            </a:r>
+          </a:p>
+          <a:p>
+            <a:pPr algn="ctr"/>
+            <a:r>
+              <a:rPr lang="es-AR" dirty="0" smtClean="0"/>
+              <a:t>Subsistema de Pagos y Cobranzas</a:t>
+            </a:r>
+            <a:endParaRPr lang="es-AR" dirty="0"/>
+          </a:p>
+        </p:txBody>
+      </p:sp>
+      <p:cxnSp>
+        <p:nvCxnSpPr>
+          <p:cNvPr id="16" name="15 Conector recto de flecha"/>
+          <p:cNvCxnSpPr>
+            <a:stCxn id="8" idx="4"/>
+            <a:endCxn id="9" idx="0"/>
+          </p:cNvCxnSpPr>
+          <p:nvPr/>
+        </p:nvCxnSpPr>
+        <p:spPr>
+          <a:xfrm>
+            <a:off x="8498114" y="3048000"/>
+            <a:ext cx="892632" cy="925285"/>
+          </a:xfrm>
+          <a:prstGeom prst="straightConnector1">
+            <a:avLst/>
+          </a:prstGeom>
+          <a:ln w="25400">
+            <a:solidFill>
+              <a:schemeClr val="bg1"/>
+            </a:solidFill>
+            <a:headEnd type="arrow"/>
+            <a:tailEnd type="arrow"/>
+          </a:ln>
+        </p:spPr>
+        <p:style>
+          <a:lnRef idx="1">
+            <a:schemeClr val="accent1"/>
+          </a:lnRef>
+          <a:fillRef idx="0">
+            <a:schemeClr val="accent1"/>
+          </a:fillRef>
+          <a:effectRef idx="0">
+            <a:schemeClr val="accent1"/>
+          </a:effectRef>
+          <a:fontRef idx="minor">
+            <a:schemeClr val="tx1"/>
+          </a:fontRef>
+        </p:style>
+      </p:cxnSp>
+      <p:cxnSp>
+        <p:nvCxnSpPr>
+          <p:cNvPr id="20" name="19 Conector recto de flecha"/>
+          <p:cNvCxnSpPr>
+            <a:stCxn id="3" idx="5"/>
+            <a:endCxn id="11" idx="1"/>
+          </p:cNvCxnSpPr>
+          <p:nvPr/>
+        </p:nvCxnSpPr>
+        <p:spPr>
+          <a:xfrm>
+            <a:off x="4248915" y="2731290"/>
+            <a:ext cx="954599" cy="1558705"/>
+          </a:xfrm>
+          <a:prstGeom prst="straightConnector1">
+            <a:avLst/>
+          </a:prstGeom>
+          <a:ln w="25400">
+            <a:solidFill>
+              <a:schemeClr val="bg1"/>
+            </a:solidFill>
+            <a:headEnd type="arrow"/>
+            <a:tailEnd type="arrow"/>
+          </a:ln>
+        </p:spPr>
+        <p:style>
+          <a:lnRef idx="1">
+            <a:schemeClr val="accent1"/>
+          </a:lnRef>
+          <a:fillRef idx="0">
+            <a:schemeClr val="accent1"/>
+          </a:fillRef>
+          <a:effectRef idx="0">
+            <a:schemeClr val="accent1"/>
+          </a:effectRef>
+          <a:fontRef idx="minor">
+            <a:schemeClr val="tx1"/>
+          </a:fontRef>
+        </p:style>
+      </p:cxnSp>
+      <p:cxnSp>
+        <p:nvCxnSpPr>
+          <p:cNvPr id="59" name="58 Conector recto de flecha"/>
+          <p:cNvCxnSpPr>
+            <a:endCxn id="3" idx="1"/>
+          </p:cNvCxnSpPr>
+          <p:nvPr/>
+        </p:nvCxnSpPr>
+        <p:spPr>
+          <a:xfrm>
+            <a:off x="1182914" y="609600"/>
+            <a:ext cx="1506001" cy="592482"/>
+          </a:xfrm>
+          <a:prstGeom prst="straightConnector1">
+            <a:avLst/>
+          </a:prstGeom>
+          <a:ln w="25400">
+            <a:solidFill>
+              <a:schemeClr val="bg1"/>
+            </a:solidFill>
+            <a:tailEnd type="arrow"/>
+          </a:ln>
+        </p:spPr>
+        <p:style>
+          <a:lnRef idx="1">
+            <a:schemeClr val="accent1"/>
+          </a:lnRef>
+          <a:fillRef idx="0">
+            <a:schemeClr val="accent1"/>
+          </a:fillRef>
+          <a:effectRef idx="0">
+            <a:schemeClr val="accent1"/>
+          </a:effectRef>
+          <a:fontRef idx="minor">
+            <a:schemeClr val="tx1"/>
+          </a:fontRef>
+        </p:style>
+      </p:cxnSp>
+      <p:cxnSp>
+        <p:nvCxnSpPr>
+          <p:cNvPr id="67" name="66 Conector recto de flecha"/>
+          <p:cNvCxnSpPr>
+            <a:stCxn id="3" idx="6"/>
+            <a:endCxn id="8" idx="2"/>
+          </p:cNvCxnSpPr>
+          <p:nvPr/>
+        </p:nvCxnSpPr>
+        <p:spPr>
+          <a:xfrm>
+            <a:off x="4572001" y="1966686"/>
+            <a:ext cx="2823027" cy="0"/>
+          </a:xfrm>
+          <a:prstGeom prst="straightConnector1">
+            <a:avLst/>
+          </a:prstGeom>
+          <a:ln w="25400">
+            <a:solidFill>
+              <a:schemeClr val="bg1"/>
+            </a:solidFill>
+            <a:tailEnd type="arrow"/>
+          </a:ln>
+        </p:spPr>
+        <p:style>
+          <a:lnRef idx="1">
+            <a:schemeClr val="accent1"/>
+          </a:lnRef>
+          <a:fillRef idx="0">
+            <a:schemeClr val="accent1"/>
+          </a:fillRef>
+          <a:effectRef idx="0">
+            <a:schemeClr val="accent1"/>
+          </a:effectRef>
+          <a:fontRef idx="minor">
+            <a:schemeClr val="tx1"/>
+          </a:fontRef>
+        </p:style>
+      </p:cxnSp>
+      <p:cxnSp>
+        <p:nvCxnSpPr>
+          <p:cNvPr id="70" name="69 Conector recto de flecha"/>
+          <p:cNvCxnSpPr>
+            <a:stCxn id="11" idx="6"/>
+            <a:endCxn id="9" idx="2"/>
+          </p:cNvCxnSpPr>
+          <p:nvPr/>
+        </p:nvCxnSpPr>
+        <p:spPr>
+          <a:xfrm>
+            <a:off x="7086600" y="5054599"/>
+            <a:ext cx="1201060" cy="0"/>
+          </a:xfrm>
+          <a:prstGeom prst="straightConnector1">
+            <a:avLst/>
+          </a:prstGeom>
+          <a:ln w="25400">
+            <a:solidFill>
+              <a:schemeClr val="bg1"/>
+            </a:solidFill>
+            <a:tailEnd type="arrow"/>
+          </a:ln>
+        </p:spPr>
+        <p:style>
+          <a:lnRef idx="1">
+            <a:schemeClr val="accent1"/>
+          </a:lnRef>
+          <a:fillRef idx="0">
+            <a:schemeClr val="accent1"/>
+          </a:fillRef>
+          <a:effectRef idx="0">
+            <a:schemeClr val="accent1"/>
+          </a:effectRef>
+          <a:fontRef idx="minor">
+            <a:schemeClr val="tx1"/>
+          </a:fontRef>
+        </p:style>
+      </p:cxnSp>
+      <p:cxnSp>
+        <p:nvCxnSpPr>
+          <p:cNvPr id="73" name="72 Conector recto de flecha"/>
+          <p:cNvCxnSpPr>
+            <a:stCxn id="11" idx="7"/>
+            <a:endCxn id="8" idx="3"/>
+          </p:cNvCxnSpPr>
+          <p:nvPr/>
+        </p:nvCxnSpPr>
+        <p:spPr>
+          <a:xfrm flipV="1">
+            <a:off x="6763514" y="2731290"/>
+            <a:ext cx="954600" cy="1558705"/>
+          </a:xfrm>
+          <a:prstGeom prst="straightConnector1">
+            <a:avLst/>
+          </a:prstGeom>
+          <a:ln w="25400">
+            <a:solidFill>
+              <a:schemeClr val="bg1"/>
+            </a:solidFill>
+            <a:tailEnd type="arrow"/>
+          </a:ln>
+        </p:spPr>
+        <p:style>
+          <a:lnRef idx="1">
+            <a:schemeClr val="accent1"/>
+          </a:lnRef>
+          <a:fillRef idx="0">
+            <a:schemeClr val="accent1"/>
+          </a:fillRef>
+          <a:effectRef idx="0">
+            <a:schemeClr val="accent1"/>
+          </a:effectRef>
+          <a:fontRef idx="minor">
+            <a:schemeClr val="tx1"/>
+          </a:fontRef>
+        </p:style>
+      </p:cxnSp>
+      <p:cxnSp>
+        <p:nvCxnSpPr>
+          <p:cNvPr id="76" name="75 Conector recto de flecha"/>
+          <p:cNvCxnSpPr>
+            <a:stCxn id="10" idx="2"/>
+          </p:cNvCxnSpPr>
+          <p:nvPr/>
+        </p:nvCxnSpPr>
+        <p:spPr>
+          <a:xfrm flipH="1">
+            <a:off x="798286" y="5054599"/>
+            <a:ext cx="660400" cy="1081314"/>
+          </a:xfrm>
+          <a:prstGeom prst="straightConnector1">
+            <a:avLst/>
+          </a:prstGeom>
+          <a:ln w="25400">
+            <a:solidFill>
+              <a:schemeClr val="bg1"/>
+            </a:solidFill>
+            <a:tailEnd type="arrow"/>
+          </a:ln>
+        </p:spPr>
+        <p:style>
+          <a:lnRef idx="1">
+            <a:schemeClr val="accent1"/>
+          </a:lnRef>
+          <a:fillRef idx="0">
+            <a:schemeClr val="accent1"/>
+          </a:fillRef>
+          <a:effectRef idx="0">
+            <a:schemeClr val="accent1"/>
+          </a:effectRef>
+          <a:fontRef idx="minor">
+            <a:schemeClr val="tx1"/>
+          </a:fontRef>
+        </p:style>
+      </p:cxnSp>
+      <p:cxnSp>
+        <p:nvCxnSpPr>
+          <p:cNvPr id="81" name="80 Conector recto de flecha"/>
+          <p:cNvCxnSpPr>
+            <a:stCxn id="11" idx="2"/>
+            <a:endCxn id="10" idx="6"/>
+          </p:cNvCxnSpPr>
+          <p:nvPr/>
+        </p:nvCxnSpPr>
+        <p:spPr>
+          <a:xfrm flipH="1">
+            <a:off x="3664858" y="5054599"/>
+            <a:ext cx="1215570" cy="0"/>
+          </a:xfrm>
+          <a:prstGeom prst="straightConnector1">
+            <a:avLst/>
+          </a:prstGeom>
+          <a:ln w="25400">
+            <a:solidFill>
+              <a:schemeClr val="bg1"/>
+            </a:solidFill>
+            <a:tailEnd type="arrow"/>
+          </a:ln>
+        </p:spPr>
+        <p:style>
+          <a:lnRef idx="1">
+            <a:schemeClr val="accent1"/>
+          </a:lnRef>
+          <a:fillRef idx="0">
+            <a:schemeClr val="accent1"/>
+          </a:fillRef>
+          <a:effectRef idx="0">
+            <a:schemeClr val="accent1"/>
+          </a:effectRef>
+          <a:fontRef idx="minor">
+            <a:schemeClr val="tx1"/>
+          </a:fontRef>
+        </p:style>
+      </p:cxnSp>
     </p:spTree>
     <p:extLst>
       <p:ext uri="{BB962C8B-B14F-4D97-AF65-F5344CB8AC3E}">
@@ -15628,6 +16195,11 @@
               </a:rPr>
               <a:t>1.1</a:t>
             </a:r>
+            <a:endParaRPr lang="es-AR" dirty="0" smtClean="0">
+              <a:solidFill>
+                <a:schemeClr val="bg1"/>
+              </a:solidFill>
+            </a:endParaRPr>
           </a:p>
           <a:p>
             <a:pPr algn="ctr"/>
@@ -15699,6 +16271,11 @@
               </a:rPr>
               <a:t>1.1.1</a:t>
             </a:r>
+            <a:endParaRPr lang="es-AR" dirty="0" smtClean="0">
+              <a:solidFill>
+                <a:schemeClr val="bg1"/>
+              </a:solidFill>
+            </a:endParaRPr>
           </a:p>
           <a:p>
             <a:pPr algn="ctr"/>
@@ -15770,6 +16347,11 @@
               </a:rPr>
               <a:t>1.1.2</a:t>
             </a:r>
+            <a:endParaRPr lang="es-AR" dirty="0" smtClean="0">
+              <a:solidFill>
+                <a:schemeClr val="bg1"/>
+              </a:solidFill>
+            </a:endParaRPr>
           </a:p>
           <a:p>
             <a:pPr algn="ctr"/>
@@ -15841,6 +16423,11 @@
               </a:rPr>
               <a:t>1.1.3</a:t>
             </a:r>
+            <a:endParaRPr lang="es-AR" dirty="0" smtClean="0">
+              <a:solidFill>
+                <a:schemeClr val="bg1"/>
+              </a:solidFill>
+            </a:endParaRPr>
           </a:p>
           <a:p>
             <a:pPr algn="ctr"/>
@@ -17440,7 +18027,7 @@
   <a:extraClrSchemeLst/>
   <a:extLst>
     <a:ext uri="{05A4C25C-085E-4340-85A3-A5531E510DB2}">
-      <thm15:themeFamily xmlns:thm15="http://schemas.microsoft.com/office/thememl/2012/main" name="Circuit" id="{0AC2F7E7-15F5-431C-B2A2-456FE929F56C}" vid="{0911B802-464C-4241-8DD9-B60FF88E379F}"/>
+      <thm15:themeFamily xmlns:thm15="http://schemas.microsoft.com/office/thememl/2012/main" xmlns="" name="Circuit" id="{0AC2F7E7-15F5-431C-B2A2-456FE929F56C}" vid="{0911B802-464C-4241-8DD9-B60FF88E379F}"/>
     </a:ext>
   </a:extLst>
 </a:theme>

--- a/PPT.pptx
+++ b/PPT.pptx
@@ -6,32 +6,34 @@
   </p:sldMasterIdLst>
   <p:sldIdLst>
     <p:sldId id="256" r:id="rId2"/>
-    <p:sldId id="257" r:id="rId3"/>
-    <p:sldId id="258" r:id="rId4"/>
-    <p:sldId id="259" r:id="rId5"/>
-    <p:sldId id="260" r:id="rId6"/>
-    <p:sldId id="261" r:id="rId7"/>
-    <p:sldId id="262" r:id="rId8"/>
-    <p:sldId id="263" r:id="rId9"/>
-    <p:sldId id="264" r:id="rId10"/>
-    <p:sldId id="265" r:id="rId11"/>
-    <p:sldId id="266" r:id="rId12"/>
-    <p:sldId id="267" r:id="rId13"/>
-    <p:sldId id="268" r:id="rId14"/>
-    <p:sldId id="271" r:id="rId15"/>
-    <p:sldId id="272" r:id="rId16"/>
-    <p:sldId id="273" r:id="rId17"/>
-    <p:sldId id="274" r:id="rId18"/>
-    <p:sldId id="275" r:id="rId19"/>
-    <p:sldId id="276" r:id="rId20"/>
-    <p:sldId id="277" r:id="rId21"/>
-    <p:sldId id="278" r:id="rId22"/>
-    <p:sldId id="279" r:id="rId23"/>
-    <p:sldId id="280" r:id="rId24"/>
-    <p:sldId id="281" r:id="rId25"/>
-    <p:sldId id="282" r:id="rId26"/>
-    <p:sldId id="283" r:id="rId27"/>
-    <p:sldId id="285" r:id="rId28"/>
+    <p:sldId id="286" r:id="rId3"/>
+    <p:sldId id="257" r:id="rId4"/>
+    <p:sldId id="258" r:id="rId5"/>
+    <p:sldId id="287" r:id="rId6"/>
+    <p:sldId id="259" r:id="rId7"/>
+    <p:sldId id="260" r:id="rId8"/>
+    <p:sldId id="261" r:id="rId9"/>
+    <p:sldId id="262" r:id="rId10"/>
+    <p:sldId id="263" r:id="rId11"/>
+    <p:sldId id="264" r:id="rId12"/>
+    <p:sldId id="265" r:id="rId13"/>
+    <p:sldId id="266" r:id="rId14"/>
+    <p:sldId id="267" r:id="rId15"/>
+    <p:sldId id="268" r:id="rId16"/>
+    <p:sldId id="271" r:id="rId17"/>
+    <p:sldId id="272" r:id="rId18"/>
+    <p:sldId id="273" r:id="rId19"/>
+    <p:sldId id="274" r:id="rId20"/>
+    <p:sldId id="275" r:id="rId21"/>
+    <p:sldId id="276" r:id="rId22"/>
+    <p:sldId id="277" r:id="rId23"/>
+    <p:sldId id="278" r:id="rId24"/>
+    <p:sldId id="279" r:id="rId25"/>
+    <p:sldId id="280" r:id="rId26"/>
+    <p:sldId id="281" r:id="rId27"/>
+    <p:sldId id="282" r:id="rId28"/>
+    <p:sldId id="283" r:id="rId29"/>
+    <p:sldId id="285" r:id="rId30"/>
   </p:sldIdLst>
   <p:sldSz cx="12192000" cy="6858000"/>
   <p:notesSz cx="6858000" cy="9144000"/>
@@ -132,7 +134,7 @@
   </p:defaultTextStyle>
   <p:extLst>
     <p:ext uri="{EFAFB233-063F-42B5-8137-9DF3F51BA10A}">
-      <p15:sldGuideLst xmlns:p15="http://schemas.microsoft.com/office/powerpoint/2012/main" xmlns="">
+      <p15:sldGuideLst xmlns:p15="http://schemas.microsoft.com/office/powerpoint/2012/main">
         <p15:guide id="1" orient="horz" pos="2160">
           <p15:clr>
             <a:srgbClr val="A4A3A4"/>
@@ -4425,7 +4427,7 @@
           <a:p>
             <a:fld id="{48A87A34-81AB-432B-8DAE-1953F412C126}" type="datetimeFigureOut">
               <a:rPr lang="en-US" dirty="0"/>
-              <a:t>11/23/2017</a:t>
+              <a:t>11/24/2017</a:t>
             </a:fld>
             <a:endParaRPr lang="en-US" dirty="0"/>
           </a:p>
@@ -4687,7 +4689,7 @@
           <a:p>
             <a:fld id="{48A87A34-81AB-432B-8DAE-1953F412C126}" type="datetimeFigureOut">
               <a:rPr lang="en-US" dirty="0"/>
-              <a:t>11/23/2017</a:t>
+              <a:t>11/24/2017</a:t>
             </a:fld>
             <a:endParaRPr lang="en-US" dirty="0"/>
           </a:p>
@@ -4878,7 +4880,7 @@
           <a:p>
             <a:fld id="{48A87A34-81AB-432B-8DAE-1953F412C126}" type="datetimeFigureOut">
               <a:rPr lang="en-US" dirty="0"/>
-              <a:t>11/23/2017</a:t>
+              <a:t>11/24/2017</a:t>
             </a:fld>
             <a:endParaRPr lang="en-US" dirty="0"/>
           </a:p>
@@ -5136,7 +5138,7 @@
           <a:p>
             <a:fld id="{48A87A34-81AB-432B-8DAE-1953F412C126}" type="datetimeFigureOut">
               <a:rPr lang="en-US" dirty="0"/>
-              <a:t>11/23/2017</a:t>
+              <a:t>11/24/2017</a:t>
             </a:fld>
             <a:endParaRPr lang="en-US" dirty="0"/>
           </a:p>
@@ -5565,7 +5567,7 @@
           <a:p>
             <a:fld id="{48A87A34-81AB-432B-8DAE-1953F412C126}" type="datetimeFigureOut">
               <a:rPr lang="en-US" dirty="0"/>
-              <a:t>11/23/2017</a:t>
+              <a:t>11/24/2017</a:t>
             </a:fld>
             <a:endParaRPr lang="en-US" dirty="0"/>
           </a:p>
@@ -6106,7 +6108,7 @@
           <a:p>
             <a:fld id="{48A87A34-81AB-432B-8DAE-1953F412C126}" type="datetimeFigureOut">
               <a:rPr lang="en-US" dirty="0"/>
-              <a:t>11/23/2017</a:t>
+              <a:t>11/24/2017</a:t>
             </a:fld>
             <a:endParaRPr lang="en-US" dirty="0"/>
           </a:p>
@@ -6821,7 +6823,7 @@
           <a:p>
             <a:fld id="{48A87A34-81AB-432B-8DAE-1953F412C126}" type="datetimeFigureOut">
               <a:rPr lang="en-US" dirty="0"/>
-              <a:t>11/23/2017</a:t>
+              <a:t>11/24/2017</a:t>
             </a:fld>
             <a:endParaRPr lang="en-US" dirty="0"/>
           </a:p>
@@ -6986,7 +6988,7 @@
           <a:p>
             <a:fld id="{48A87A34-81AB-432B-8DAE-1953F412C126}" type="datetimeFigureOut">
               <a:rPr lang="en-US" dirty="0"/>
-              <a:t>11/23/2017</a:t>
+              <a:t>11/24/2017</a:t>
             </a:fld>
             <a:endParaRPr lang="en-US" dirty="0"/>
           </a:p>
@@ -7161,7 +7163,7 @@
           <a:p>
             <a:fld id="{48A87A34-81AB-432B-8DAE-1953F412C126}" type="datetimeFigureOut">
               <a:rPr lang="en-US" dirty="0"/>
-              <a:t>11/23/2017</a:t>
+              <a:t>11/24/2017</a:t>
             </a:fld>
             <a:endParaRPr lang="en-US" dirty="0"/>
           </a:p>
@@ -7326,7 +7328,7 @@
           <a:p>
             <a:fld id="{48A87A34-81AB-432B-8DAE-1953F412C126}" type="datetimeFigureOut">
               <a:rPr lang="en-US" dirty="0"/>
-              <a:t>11/23/2017</a:t>
+              <a:t>11/24/2017</a:t>
             </a:fld>
             <a:endParaRPr lang="en-US" dirty="0"/>
           </a:p>
@@ -7571,7 +7573,7 @@
           <a:p>
             <a:fld id="{48A87A34-81AB-432B-8DAE-1953F412C126}" type="datetimeFigureOut">
               <a:rPr lang="en-US" dirty="0"/>
-              <a:t>11/23/2017</a:t>
+              <a:t>11/24/2017</a:t>
             </a:fld>
             <a:endParaRPr lang="en-US" dirty="0"/>
           </a:p>
@@ -7798,7 +7800,7 @@
           <a:p>
             <a:fld id="{48A87A34-81AB-432B-8DAE-1953F412C126}" type="datetimeFigureOut">
               <a:rPr lang="en-US" dirty="0"/>
-              <a:t>11/23/2017</a:t>
+              <a:t>11/24/2017</a:t>
             </a:fld>
             <a:endParaRPr lang="en-US" dirty="0"/>
           </a:p>
@@ -8174,7 +8176,7 @@
           <a:p>
             <a:fld id="{48A87A34-81AB-432B-8DAE-1953F412C126}" type="datetimeFigureOut">
               <a:rPr lang="en-US" dirty="0"/>
-              <a:t>11/23/2017</a:t>
+              <a:t>11/24/2017</a:t>
             </a:fld>
             <a:endParaRPr lang="en-US" dirty="0"/>
           </a:p>
@@ -8287,7 +8289,7 @@
           <a:p>
             <a:fld id="{48A87A34-81AB-432B-8DAE-1953F412C126}" type="datetimeFigureOut">
               <a:rPr lang="en-US" dirty="0"/>
-              <a:t>11/23/2017</a:t>
+              <a:t>11/24/2017</a:t>
             </a:fld>
             <a:endParaRPr lang="en-US" dirty="0"/>
           </a:p>
@@ -8377,7 +8379,7 @@
           <a:p>
             <a:fld id="{48A87A34-81AB-432B-8DAE-1953F412C126}" type="datetimeFigureOut">
               <a:rPr lang="en-US" dirty="0"/>
-              <a:t>11/23/2017</a:t>
+              <a:t>11/24/2017</a:t>
             </a:fld>
             <a:endParaRPr lang="en-US" dirty="0"/>
           </a:p>
@@ -8621,7 +8623,7 @@
           <a:p>
             <a:fld id="{48A87A34-81AB-432B-8DAE-1953F412C126}" type="datetimeFigureOut">
               <a:rPr lang="en-US" dirty="0"/>
-              <a:t>11/23/2017</a:t>
+              <a:t>11/24/2017</a:t>
             </a:fld>
             <a:endParaRPr lang="en-US" dirty="0"/>
           </a:p>
@@ -8896,7 +8898,7 @@
           <a:p>
             <a:fld id="{48A87A34-81AB-432B-8DAE-1953F412C126}" type="datetimeFigureOut">
               <a:rPr lang="en-US" dirty="0"/>
-              <a:t>11/23/2017</a:t>
+              <a:t>11/24/2017</a:t>
             </a:fld>
             <a:endParaRPr lang="en-US" dirty="0"/>
           </a:p>
@@ -11969,7 +11971,7 @@
             <a:fld id="{48A87A34-81AB-432B-8DAE-1953F412C126}" type="datetimeFigureOut">
               <a:rPr lang="en-US" dirty="0"/>
               <a:pPr/>
-              <a:t>11/23/2017</a:t>
+              <a:t>11/24/2017</a:t>
             </a:fld>
             <a:endParaRPr lang="en-US" dirty="0"/>
           </a:p>
@@ -12821,7 +12823,7 @@
       </p:sp>
       <p:pic>
         <p:nvPicPr>
-          <p:cNvPr id="5" name="Imagen 4"/>
+          <p:cNvPr id="3" name="Imagen 2"/>
           <p:cNvPicPr>
             <a:picLocks noChangeAspect="1"/>
           </p:cNvPicPr>
@@ -12841,8 +12843,8 @@
         </p:blipFill>
         <p:spPr>
           <a:xfrm>
-            <a:off x="2061959" y="594903"/>
-            <a:ext cx="7646245" cy="6263098"/>
+            <a:off x="2213650" y="622570"/>
+            <a:ext cx="7261090" cy="6164248"/>
           </a:xfrm>
           <a:prstGeom prst="rect">
             <a:avLst/>
@@ -12852,7 +12854,7 @@
     </p:spTree>
     <p:extLst>
       <p:ext uri="{BB962C8B-B14F-4D97-AF65-F5344CB8AC3E}">
-        <p14:creationId xmlns:p14="http://schemas.microsoft.com/office/powerpoint/2010/main" val="1848308843"/>
+        <p14:creationId xmlns:p14="http://schemas.microsoft.com/office/powerpoint/2010/main" val="2043521765"/>
       </p:ext>
     </p:extLst>
   </p:cSld>
@@ -12901,6 +12903,182 @@
           <a:p>
             <a:r>
               <a:rPr lang="es-ES" dirty="0" smtClean="0"/>
+              <a:t>DFD – Particionados asincrónicos</a:t>
+            </a:r>
+            <a:endParaRPr lang="es-ES" dirty="0"/>
+          </a:p>
+        </p:txBody>
+      </p:sp>
+      <p:pic>
+        <p:nvPicPr>
+          <p:cNvPr id="4" name="Imagen 3"/>
+          <p:cNvPicPr>
+            <a:picLocks noChangeAspect="1"/>
+          </p:cNvPicPr>
+          <p:nvPr/>
+        </p:nvPicPr>
+        <p:blipFill>
+          <a:blip r:embed="rId2">
+            <a:extLst>
+              <a:ext uri="{28A0092B-C50C-407E-A947-70E740481C1C}">
+                <a14:useLocalDpi xmlns:a14="http://schemas.microsoft.com/office/drawing/2010/main" val="0"/>
+              </a:ext>
+            </a:extLst>
+          </a:blip>
+          <a:stretch>
+            <a:fillRect/>
+          </a:stretch>
+        </p:blipFill>
+        <p:spPr>
+          <a:xfrm>
+            <a:off x="1386180" y="483152"/>
+            <a:ext cx="9460160" cy="6238661"/>
+          </a:xfrm>
+          <a:prstGeom prst="rect">
+            <a:avLst/>
+          </a:prstGeom>
+        </p:spPr>
+      </p:pic>
+    </p:spTree>
+    <p:extLst>
+      <p:ext uri="{BB962C8B-B14F-4D97-AF65-F5344CB8AC3E}">
+        <p14:creationId xmlns:p14="http://schemas.microsoft.com/office/powerpoint/2010/main" val="2437847035"/>
+      </p:ext>
+    </p:extLst>
+  </p:cSld>
+  <p:clrMapOvr>
+    <a:masterClrMapping/>
+  </p:clrMapOvr>
+</p:sld>
+</file>
+
+<file path=ppt/slides/slide12.xml><?xml version="1.0" encoding="utf-8"?>
+<p:sld xmlns:a="http://schemas.openxmlformats.org/drawingml/2006/main" xmlns:r="http://schemas.openxmlformats.org/officeDocument/2006/relationships" xmlns:p="http://schemas.openxmlformats.org/presentationml/2006/main">
+  <p:cSld>
+    <p:spTree>
+      <p:nvGrpSpPr>
+        <p:cNvPr id="1" name=""/>
+        <p:cNvGrpSpPr/>
+        <p:nvPr/>
+      </p:nvGrpSpPr>
+      <p:grpSpPr>
+        <a:xfrm>
+          <a:off x="0" y="0"/>
+          <a:ext cx="0" cy="0"/>
+          <a:chOff x="0" y="0"/>
+          <a:chExt cx="0" cy="0"/>
+        </a:xfrm>
+      </p:grpSpPr>
+      <p:sp>
+        <p:nvSpPr>
+          <p:cNvPr id="2" name="Título 1"/>
+          <p:cNvSpPr>
+            <a:spLocks noGrp="1"/>
+          </p:cNvSpPr>
+          <p:nvPr>
+            <p:ph type="title"/>
+          </p:nvPr>
+        </p:nvSpPr>
+        <p:spPr>
+          <a:xfrm>
+            <a:off x="1256743" y="0"/>
+            <a:ext cx="10094998" cy="622570"/>
+          </a:xfrm>
+        </p:spPr>
+        <p:txBody>
+          <a:bodyPr/>
+          <a:lstStyle/>
+          <a:p>
+            <a:r>
+              <a:rPr lang="es-ES" dirty="0" smtClean="0"/>
+              <a:t>DFD – Particionados asincrónicos</a:t>
+            </a:r>
+            <a:endParaRPr lang="es-ES" dirty="0"/>
+          </a:p>
+        </p:txBody>
+      </p:sp>
+      <p:pic>
+        <p:nvPicPr>
+          <p:cNvPr id="5" name="Imagen 4"/>
+          <p:cNvPicPr>
+            <a:picLocks noChangeAspect="1"/>
+          </p:cNvPicPr>
+          <p:nvPr/>
+        </p:nvPicPr>
+        <p:blipFill>
+          <a:blip r:embed="rId2">
+            <a:extLst>
+              <a:ext uri="{28A0092B-C50C-407E-A947-70E740481C1C}">
+                <a14:useLocalDpi xmlns:a14="http://schemas.microsoft.com/office/drawing/2010/main" val="0"/>
+              </a:ext>
+            </a:extLst>
+          </a:blip>
+          <a:stretch>
+            <a:fillRect/>
+          </a:stretch>
+        </p:blipFill>
+        <p:spPr>
+          <a:xfrm>
+            <a:off x="2061959" y="594903"/>
+            <a:ext cx="7646245" cy="6263098"/>
+          </a:xfrm>
+          <a:prstGeom prst="rect">
+            <a:avLst/>
+          </a:prstGeom>
+        </p:spPr>
+      </p:pic>
+    </p:spTree>
+    <p:extLst>
+      <p:ext uri="{BB962C8B-B14F-4D97-AF65-F5344CB8AC3E}">
+        <p14:creationId xmlns:p14="http://schemas.microsoft.com/office/powerpoint/2010/main" val="1848308843"/>
+      </p:ext>
+    </p:extLst>
+  </p:cSld>
+  <p:clrMapOvr>
+    <a:masterClrMapping/>
+  </p:clrMapOvr>
+</p:sld>
+</file>
+
+<file path=ppt/slides/slide13.xml><?xml version="1.0" encoding="utf-8"?>
+<p:sld xmlns:a="http://schemas.openxmlformats.org/drawingml/2006/main" xmlns:r="http://schemas.openxmlformats.org/officeDocument/2006/relationships" xmlns:p="http://schemas.openxmlformats.org/presentationml/2006/main">
+  <p:cSld>
+    <p:spTree>
+      <p:nvGrpSpPr>
+        <p:cNvPr id="1" name=""/>
+        <p:cNvGrpSpPr/>
+        <p:nvPr/>
+      </p:nvGrpSpPr>
+      <p:grpSpPr>
+        <a:xfrm>
+          <a:off x="0" y="0"/>
+          <a:ext cx="0" cy="0"/>
+          <a:chOff x="0" y="0"/>
+          <a:chExt cx="0" cy="0"/>
+        </a:xfrm>
+      </p:grpSpPr>
+      <p:sp>
+        <p:nvSpPr>
+          <p:cNvPr id="2" name="Título 1"/>
+          <p:cNvSpPr>
+            <a:spLocks noGrp="1"/>
+          </p:cNvSpPr>
+          <p:nvPr>
+            <p:ph type="title"/>
+          </p:nvPr>
+        </p:nvSpPr>
+        <p:spPr>
+          <a:xfrm>
+            <a:off x="1256743" y="0"/>
+            <a:ext cx="10094998" cy="622570"/>
+          </a:xfrm>
+        </p:spPr>
+        <p:txBody>
+          <a:bodyPr/>
+          <a:lstStyle/>
+          <a:p>
+            <a:r>
+              <a:rPr lang="es-ES" dirty="0" smtClean="0"/>
               <a:t>Diccionario de datos</a:t>
             </a:r>
             <a:endParaRPr lang="es-ES" dirty="0"/>
@@ -12935,14 +13113,14 @@
                 <a:gridCol w="2299119">
                   <a:extLst>
                     <a:ext uri="{9D8B030D-6E8A-4147-A177-3AD203B41FA5}">
-                      <a16:colId xmlns:a16="http://schemas.microsoft.com/office/drawing/2014/main" xmlns="" val="884427282"/>
+                      <a16:colId xmlns:a16="http://schemas.microsoft.com/office/drawing/2014/main" val="884427282"/>
                     </a:ext>
                   </a:extLst>
                 </a:gridCol>
                 <a:gridCol w="6669784">
                   <a:extLst>
                     <a:ext uri="{9D8B030D-6E8A-4147-A177-3AD203B41FA5}">
-                      <a16:colId xmlns:a16="http://schemas.microsoft.com/office/drawing/2014/main" xmlns="" val="1965136843"/>
+                      <a16:colId xmlns:a16="http://schemas.microsoft.com/office/drawing/2014/main" val="1965136843"/>
                     </a:ext>
                   </a:extLst>
                 </a:gridCol>
@@ -13039,7 +13217,7 @@
                 </a:tc>
                 <a:extLst>
                   <a:ext uri="{0D108BD9-81ED-4DB2-BD59-A6C34878D82A}">
-                    <a16:rowId xmlns:a16="http://schemas.microsoft.com/office/drawing/2014/main" xmlns="" val="3337214981"/>
+                    <a16:rowId xmlns:a16="http://schemas.microsoft.com/office/drawing/2014/main" val="3337214981"/>
                   </a:ext>
                 </a:extLst>
               </a:tr>
@@ -13104,7 +13282,7 @@
                 </a:tc>
                 <a:extLst>
                   <a:ext uri="{0D108BD9-81ED-4DB2-BD59-A6C34878D82A}">
-                    <a16:rowId xmlns:a16="http://schemas.microsoft.com/office/drawing/2014/main" xmlns="" val="1042998721"/>
+                    <a16:rowId xmlns:a16="http://schemas.microsoft.com/office/drawing/2014/main" val="1042998721"/>
                   </a:ext>
                 </a:extLst>
               </a:tr>
@@ -13188,7 +13366,7 @@
                 </a:tc>
                 <a:extLst>
                   <a:ext uri="{0D108BD9-81ED-4DB2-BD59-A6C34878D82A}">
-                    <a16:rowId xmlns:a16="http://schemas.microsoft.com/office/drawing/2014/main" xmlns="" val="3300350946"/>
+                    <a16:rowId xmlns:a16="http://schemas.microsoft.com/office/drawing/2014/main" val="3300350946"/>
                   </a:ext>
                 </a:extLst>
               </a:tr>
@@ -13253,7 +13431,7 @@
                 </a:tc>
                 <a:extLst>
                   <a:ext uri="{0D108BD9-81ED-4DB2-BD59-A6C34878D82A}">
-                    <a16:rowId xmlns:a16="http://schemas.microsoft.com/office/drawing/2014/main" xmlns="" val="1102406645"/>
+                    <a16:rowId xmlns:a16="http://schemas.microsoft.com/office/drawing/2014/main" val="1102406645"/>
                   </a:ext>
                 </a:extLst>
               </a:tr>
@@ -13318,7 +13496,7 @@
                 </a:tc>
                 <a:extLst>
                   <a:ext uri="{0D108BD9-81ED-4DB2-BD59-A6C34878D82A}">
-                    <a16:rowId xmlns:a16="http://schemas.microsoft.com/office/drawing/2014/main" xmlns="" val="2580220237"/>
+                    <a16:rowId xmlns:a16="http://schemas.microsoft.com/office/drawing/2014/main" val="2580220237"/>
                   </a:ext>
                 </a:extLst>
               </a:tr>
@@ -13402,7 +13580,7 @@
                 </a:tc>
                 <a:extLst>
                   <a:ext uri="{0D108BD9-81ED-4DB2-BD59-A6C34878D82A}">
-                    <a16:rowId xmlns:a16="http://schemas.microsoft.com/office/drawing/2014/main" xmlns="" val="1814964967"/>
+                    <a16:rowId xmlns:a16="http://schemas.microsoft.com/office/drawing/2014/main" val="1814964967"/>
                   </a:ext>
                 </a:extLst>
               </a:tr>
@@ -13467,7 +13645,7 @@
                 </a:tc>
                 <a:extLst>
                   <a:ext uri="{0D108BD9-81ED-4DB2-BD59-A6C34878D82A}">
-                    <a16:rowId xmlns:a16="http://schemas.microsoft.com/office/drawing/2014/main" xmlns="" val="1296452611"/>
+                    <a16:rowId xmlns:a16="http://schemas.microsoft.com/office/drawing/2014/main" val="1296452611"/>
                   </a:ext>
                 </a:extLst>
               </a:tr>
@@ -13544,7 +13722,7 @@
                 </a:tc>
                 <a:extLst>
                   <a:ext uri="{0D108BD9-81ED-4DB2-BD59-A6C34878D82A}">
-                    <a16:rowId xmlns:a16="http://schemas.microsoft.com/office/drawing/2014/main" xmlns="" val="4085416620"/>
+                    <a16:rowId xmlns:a16="http://schemas.microsoft.com/office/drawing/2014/main" val="4085416620"/>
                   </a:ext>
                 </a:extLst>
               </a:tr>
@@ -13565,7 +13743,7 @@
 </p:sld>
 </file>
 
-<file path=ppt/slides/slide12.xml><?xml version="1.0" encoding="utf-8"?>
+<file path=ppt/slides/slide14.xml><?xml version="1.0" encoding="utf-8"?>
 <p:sld xmlns:a="http://schemas.openxmlformats.org/drawingml/2006/main" xmlns:r="http://schemas.openxmlformats.org/officeDocument/2006/relationships" xmlns:p="http://schemas.openxmlformats.org/presentationml/2006/main">
   <p:cSld>
     <p:spTree>
@@ -13638,14 +13816,14 @@
                 <a:gridCol w="2339017">
                   <a:extLst>
                     <a:ext uri="{9D8B030D-6E8A-4147-A177-3AD203B41FA5}">
-                      <a16:colId xmlns:a16="http://schemas.microsoft.com/office/drawing/2014/main" xmlns="" val="3482930360"/>
+                      <a16:colId xmlns:a16="http://schemas.microsoft.com/office/drawing/2014/main" val="3482930360"/>
                     </a:ext>
                   </a:extLst>
                 </a:gridCol>
                 <a:gridCol w="6785527">
                   <a:extLst>
                     <a:ext uri="{9D8B030D-6E8A-4147-A177-3AD203B41FA5}">
-                      <a16:colId xmlns:a16="http://schemas.microsoft.com/office/drawing/2014/main" xmlns="" val="301441068"/>
+                      <a16:colId xmlns:a16="http://schemas.microsoft.com/office/drawing/2014/main" val="301441068"/>
                     </a:ext>
                   </a:extLst>
                 </a:gridCol>
@@ -13711,7 +13889,7 @@
                 </a:tc>
                 <a:extLst>
                   <a:ext uri="{0D108BD9-81ED-4DB2-BD59-A6C34878D82A}">
-                    <a16:rowId xmlns:a16="http://schemas.microsoft.com/office/drawing/2014/main" xmlns="" val="1677847784"/>
+                    <a16:rowId xmlns:a16="http://schemas.microsoft.com/office/drawing/2014/main" val="1677847784"/>
                   </a:ext>
                 </a:extLst>
               </a:tr>
@@ -13776,7 +13954,7 @@
                 </a:tc>
                 <a:extLst>
                   <a:ext uri="{0D108BD9-81ED-4DB2-BD59-A6C34878D82A}">
-                    <a16:rowId xmlns:a16="http://schemas.microsoft.com/office/drawing/2014/main" xmlns="" val="1475776976"/>
+                    <a16:rowId xmlns:a16="http://schemas.microsoft.com/office/drawing/2014/main" val="1475776976"/>
                   </a:ext>
                 </a:extLst>
               </a:tr>
@@ -13841,7 +14019,7 @@
                 </a:tc>
                 <a:extLst>
                   <a:ext uri="{0D108BD9-81ED-4DB2-BD59-A6C34878D82A}">
-                    <a16:rowId xmlns:a16="http://schemas.microsoft.com/office/drawing/2014/main" xmlns="" val="2539771682"/>
+                    <a16:rowId xmlns:a16="http://schemas.microsoft.com/office/drawing/2014/main" val="2539771682"/>
                   </a:ext>
                 </a:extLst>
               </a:tr>
@@ -13906,7 +14084,7 @@
                 </a:tc>
                 <a:extLst>
                   <a:ext uri="{0D108BD9-81ED-4DB2-BD59-A6C34878D82A}">
-                    <a16:rowId xmlns:a16="http://schemas.microsoft.com/office/drawing/2014/main" xmlns="" val="533620317"/>
+                    <a16:rowId xmlns:a16="http://schemas.microsoft.com/office/drawing/2014/main" val="533620317"/>
                   </a:ext>
                 </a:extLst>
               </a:tr>
@@ -13971,7 +14149,7 @@
                 </a:tc>
                 <a:extLst>
                   <a:ext uri="{0D108BD9-81ED-4DB2-BD59-A6C34878D82A}">
-                    <a16:rowId xmlns:a16="http://schemas.microsoft.com/office/drawing/2014/main" xmlns="" val="3605234754"/>
+                    <a16:rowId xmlns:a16="http://schemas.microsoft.com/office/drawing/2014/main" val="3605234754"/>
                   </a:ext>
                 </a:extLst>
               </a:tr>
@@ -14036,7 +14214,7 @@
                 </a:tc>
                 <a:extLst>
                   <a:ext uri="{0D108BD9-81ED-4DB2-BD59-A6C34878D82A}">
-                    <a16:rowId xmlns:a16="http://schemas.microsoft.com/office/drawing/2014/main" xmlns="" val="2215012867"/>
+                    <a16:rowId xmlns:a16="http://schemas.microsoft.com/office/drawing/2014/main" val="2215012867"/>
                   </a:ext>
                 </a:extLst>
               </a:tr>
@@ -14101,7 +14279,7 @@
                 </a:tc>
                 <a:extLst>
                   <a:ext uri="{0D108BD9-81ED-4DB2-BD59-A6C34878D82A}">
-                    <a16:rowId xmlns:a16="http://schemas.microsoft.com/office/drawing/2014/main" xmlns="" val="4269351208"/>
+                    <a16:rowId xmlns:a16="http://schemas.microsoft.com/office/drawing/2014/main" val="4269351208"/>
                   </a:ext>
                 </a:extLst>
               </a:tr>
@@ -14178,7 +14356,7 @@
                 </a:tc>
                 <a:extLst>
                   <a:ext uri="{0D108BD9-81ED-4DB2-BD59-A6C34878D82A}">
-                    <a16:rowId xmlns:a16="http://schemas.microsoft.com/office/drawing/2014/main" xmlns="" val="4042263983"/>
+                    <a16:rowId xmlns:a16="http://schemas.microsoft.com/office/drawing/2014/main" val="4042263983"/>
                   </a:ext>
                 </a:extLst>
               </a:tr>
@@ -14199,7 +14377,7 @@
 </p:sld>
 </file>
 
-<file path=ppt/slides/slide13.xml><?xml version="1.0" encoding="utf-8"?>
+<file path=ppt/slides/slide15.xml><?xml version="1.0" encoding="utf-8"?>
 <p:sld xmlns:a="http://schemas.openxmlformats.org/drawingml/2006/main" xmlns:r="http://schemas.openxmlformats.org/officeDocument/2006/relationships" xmlns:p="http://schemas.openxmlformats.org/presentationml/2006/main">
   <p:cSld>
     <p:spTree>
@@ -14272,14 +14450,14 @@
                 <a:gridCol w="2271689">
                   <a:extLst>
                     <a:ext uri="{9D8B030D-6E8A-4147-A177-3AD203B41FA5}">
-                      <a16:colId xmlns:a16="http://schemas.microsoft.com/office/drawing/2014/main" xmlns="" val="1783178198"/>
+                      <a16:colId xmlns:a16="http://schemas.microsoft.com/office/drawing/2014/main" val="1783178198"/>
                     </a:ext>
                   </a:extLst>
                 </a:gridCol>
                 <a:gridCol w="6590209">
                   <a:extLst>
                     <a:ext uri="{9D8B030D-6E8A-4147-A177-3AD203B41FA5}">
-                      <a16:colId xmlns:a16="http://schemas.microsoft.com/office/drawing/2014/main" xmlns="" val="4069196069"/>
+                      <a16:colId xmlns:a16="http://schemas.microsoft.com/office/drawing/2014/main" val="4069196069"/>
                     </a:ext>
                   </a:extLst>
                 </a:gridCol>
@@ -14364,7 +14542,7 @@
                 </a:tc>
                 <a:extLst>
                   <a:ext uri="{0D108BD9-81ED-4DB2-BD59-A6C34878D82A}">
-                    <a16:rowId xmlns:a16="http://schemas.microsoft.com/office/drawing/2014/main" xmlns="" val="440690954"/>
+                    <a16:rowId xmlns:a16="http://schemas.microsoft.com/office/drawing/2014/main" val="440690954"/>
                   </a:ext>
                 </a:extLst>
               </a:tr>
@@ -14429,7 +14607,7 @@
                 </a:tc>
                 <a:extLst>
                   <a:ext uri="{0D108BD9-81ED-4DB2-BD59-A6C34878D82A}">
-                    <a16:rowId xmlns:a16="http://schemas.microsoft.com/office/drawing/2014/main" xmlns="" val="2244733657"/>
+                    <a16:rowId xmlns:a16="http://schemas.microsoft.com/office/drawing/2014/main" val="2244733657"/>
                   </a:ext>
                 </a:extLst>
               </a:tr>
@@ -14494,7 +14672,7 @@
                 </a:tc>
                 <a:extLst>
                   <a:ext uri="{0D108BD9-81ED-4DB2-BD59-A6C34878D82A}">
-                    <a16:rowId xmlns:a16="http://schemas.microsoft.com/office/drawing/2014/main" xmlns="" val="850045073"/>
+                    <a16:rowId xmlns:a16="http://schemas.microsoft.com/office/drawing/2014/main" val="850045073"/>
                   </a:ext>
                 </a:extLst>
               </a:tr>
@@ -14559,7 +14737,7 @@
                 </a:tc>
                 <a:extLst>
                   <a:ext uri="{0D108BD9-81ED-4DB2-BD59-A6C34878D82A}">
-                    <a16:rowId xmlns:a16="http://schemas.microsoft.com/office/drawing/2014/main" xmlns="" val="690867876"/>
+                    <a16:rowId xmlns:a16="http://schemas.microsoft.com/office/drawing/2014/main" val="690867876"/>
                   </a:ext>
                 </a:extLst>
               </a:tr>
@@ -14624,7 +14802,7 @@
                 </a:tc>
                 <a:extLst>
                   <a:ext uri="{0D108BD9-81ED-4DB2-BD59-A6C34878D82A}">
-                    <a16:rowId xmlns:a16="http://schemas.microsoft.com/office/drawing/2014/main" xmlns="" val="3081896387"/>
+                    <a16:rowId xmlns:a16="http://schemas.microsoft.com/office/drawing/2014/main" val="3081896387"/>
                   </a:ext>
                 </a:extLst>
               </a:tr>
@@ -14689,7 +14867,7 @@
                 </a:tc>
                 <a:extLst>
                   <a:ext uri="{0D108BD9-81ED-4DB2-BD59-A6C34878D82A}">
-                    <a16:rowId xmlns:a16="http://schemas.microsoft.com/office/drawing/2014/main" xmlns="" val="1407143264"/>
+                    <a16:rowId xmlns:a16="http://schemas.microsoft.com/office/drawing/2014/main" val="1407143264"/>
                   </a:ext>
                 </a:extLst>
               </a:tr>
@@ -14754,7 +14932,7 @@
                 </a:tc>
                 <a:extLst>
                   <a:ext uri="{0D108BD9-81ED-4DB2-BD59-A6C34878D82A}">
-                    <a16:rowId xmlns:a16="http://schemas.microsoft.com/office/drawing/2014/main" xmlns="" val="3076644184"/>
+                    <a16:rowId xmlns:a16="http://schemas.microsoft.com/office/drawing/2014/main" val="3076644184"/>
                   </a:ext>
                 </a:extLst>
               </a:tr>
@@ -14819,7 +14997,7 @@
                 </a:tc>
                 <a:extLst>
                   <a:ext uri="{0D108BD9-81ED-4DB2-BD59-A6C34878D82A}">
-                    <a16:rowId xmlns:a16="http://schemas.microsoft.com/office/drawing/2014/main" xmlns="" val="1661970842"/>
+                    <a16:rowId xmlns:a16="http://schemas.microsoft.com/office/drawing/2014/main" val="1661970842"/>
                   </a:ext>
                 </a:extLst>
               </a:tr>
@@ -14884,7 +15062,7 @@
                 </a:tc>
                 <a:extLst>
                   <a:ext uri="{0D108BD9-81ED-4DB2-BD59-A6C34878D82A}">
-                    <a16:rowId xmlns:a16="http://schemas.microsoft.com/office/drawing/2014/main" xmlns="" val="314694514"/>
+                    <a16:rowId xmlns:a16="http://schemas.microsoft.com/office/drawing/2014/main" val="314694514"/>
                   </a:ext>
                 </a:extLst>
               </a:tr>
@@ -14905,7 +15083,7 @@
 </p:sld>
 </file>
 
-<file path=ppt/slides/slide14.xml><?xml version="1.0" encoding="utf-8"?>
+<file path=ppt/slides/slide16.xml><?xml version="1.0" encoding="utf-8"?>
 <p:sld xmlns:a="http://schemas.openxmlformats.org/drawingml/2006/main" xmlns:r="http://schemas.openxmlformats.org/officeDocument/2006/relationships" xmlns:p="http://schemas.openxmlformats.org/presentationml/2006/main">
   <p:cSld>
     <p:spTree>
@@ -14997,7 +15175,7 @@
 </p:sld>
 </file>
 
-<file path=ppt/slides/slide15.xml><?xml version="1.0" encoding="utf-8"?>
+<file path=ppt/slides/slide17.xml><?xml version="1.0" encoding="utf-8"?>
 <p:sld xmlns:a="http://schemas.openxmlformats.org/drawingml/2006/main" xmlns:r="http://schemas.openxmlformats.org/officeDocument/2006/relationships" xmlns:p="http://schemas.openxmlformats.org/presentationml/2006/main">
   <p:cSld>
     <p:spTree>
@@ -15055,7 +15233,7 @@
 </p:sld>
 </file>
 
-<file path=ppt/slides/slide16.xml><?xml version="1.0" encoding="utf-8"?>
+<file path=ppt/slides/slide18.xml><?xml version="1.0" encoding="utf-8"?>
 <p:sld xmlns:a="http://schemas.openxmlformats.org/drawingml/2006/main" xmlns:r="http://schemas.openxmlformats.org/officeDocument/2006/relationships" xmlns:p="http://schemas.openxmlformats.org/presentationml/2006/main">
   <p:cSld>
     <p:spTree>
@@ -15680,7 +15858,7 @@
 </p:sld>
 </file>
 
-<file path=ppt/slides/slide17.xml><?xml version="1.0" encoding="utf-8"?>
+<file path=ppt/slides/slide19.xml><?xml version="1.0" encoding="utf-8"?>
 <p:sld xmlns:a="http://schemas.openxmlformats.org/drawingml/2006/main" xmlns:r="http://schemas.openxmlformats.org/officeDocument/2006/relationships" xmlns:p="http://schemas.openxmlformats.org/presentationml/2006/main">
   <p:cSld>
     <p:spTree>
@@ -15768,7 +15946,83 @@
 </p:sld>
 </file>
 
-<file path=ppt/slides/slide18.xml><?xml version="1.0" encoding="utf-8"?>
+<file path=ppt/slides/slide2.xml><?xml version="1.0" encoding="utf-8"?>
+<p:sld xmlns:a="http://schemas.openxmlformats.org/drawingml/2006/main" xmlns:r="http://schemas.openxmlformats.org/officeDocument/2006/relationships" xmlns:p="http://schemas.openxmlformats.org/presentationml/2006/main">
+  <p:cSld>
+    <p:spTree>
+      <p:nvGrpSpPr>
+        <p:cNvPr id="1" name=""/>
+        <p:cNvGrpSpPr/>
+        <p:nvPr/>
+      </p:nvGrpSpPr>
+      <p:grpSpPr>
+        <a:xfrm>
+          <a:off x="0" y="0"/>
+          <a:ext cx="0" cy="0"/>
+          <a:chOff x="0" y="0"/>
+          <a:chExt cx="0" cy="0"/>
+        </a:xfrm>
+      </p:grpSpPr>
+      <p:sp>
+        <p:nvSpPr>
+          <p:cNvPr id="2" name="Título 1"/>
+          <p:cNvSpPr>
+            <a:spLocks noGrp="1"/>
+          </p:cNvSpPr>
+          <p:nvPr>
+            <p:ph type="title"/>
+          </p:nvPr>
+        </p:nvSpPr>
+        <p:spPr/>
+        <p:txBody>
+          <a:bodyPr/>
+          <a:lstStyle/>
+          <a:p>
+            <a:r>
+              <a:rPr lang="es-AR" dirty="0" smtClean="0"/>
+              <a:t>DESCRIPCION GENERAL</a:t>
+            </a:r>
+            <a:endParaRPr lang="es-AR" dirty="0"/>
+          </a:p>
+        </p:txBody>
+      </p:sp>
+      <p:sp>
+        <p:nvSpPr>
+          <p:cNvPr id="3" name="Marcador de contenido 2"/>
+          <p:cNvSpPr>
+            <a:spLocks noGrp="1"/>
+          </p:cNvSpPr>
+          <p:nvPr>
+            <p:ph idx="1"/>
+          </p:nvPr>
+        </p:nvSpPr>
+        <p:spPr/>
+        <p:txBody>
+          <a:bodyPr/>
+          <a:lstStyle/>
+          <a:p>
+            <a:r>
+              <a:rPr lang="es-AR" dirty="0" smtClean="0"/>
+              <a:t>Se trata del sistema para una empresa que se dedica al alquiler de volquetes a pedido y en diferentes opciones para cubrir las necesidades de sus clientes en tiempo y forma apropiada, además en caso de contingencia poder solventarlas con alquileres externos.</a:t>
+            </a:r>
+            <a:endParaRPr lang="es-AR" dirty="0"/>
+          </a:p>
+        </p:txBody>
+      </p:sp>
+    </p:spTree>
+    <p:extLst>
+      <p:ext uri="{BB962C8B-B14F-4D97-AF65-F5344CB8AC3E}">
+        <p14:creationId xmlns:p14="http://schemas.microsoft.com/office/powerpoint/2010/main" val="3273178514"/>
+      </p:ext>
+    </p:extLst>
+  </p:cSld>
+  <p:clrMapOvr>
+    <a:masterClrMapping/>
+  </p:clrMapOvr>
+</p:sld>
+</file>
+
+<file path=ppt/slides/slide20.xml><?xml version="1.0" encoding="utf-8"?>
 <p:sld xmlns:a="http://schemas.openxmlformats.org/drawingml/2006/main" xmlns:r="http://schemas.openxmlformats.org/officeDocument/2006/relationships" xmlns:p="http://schemas.openxmlformats.org/presentationml/2006/main">
   <p:cSld>
     <p:spTree>
@@ -15856,7 +16110,7 @@
 </p:sld>
 </file>
 
-<file path=ppt/slides/slide19.xml><?xml version="1.0" encoding="utf-8"?>
+<file path=ppt/slides/slide21.xml><?xml version="1.0" encoding="utf-8"?>
 <p:sld xmlns:a="http://schemas.openxmlformats.org/drawingml/2006/main" xmlns:r="http://schemas.openxmlformats.org/officeDocument/2006/relationships" xmlns:p="http://schemas.openxmlformats.org/presentationml/2006/main">
   <p:cSld>
     <p:spTree>
@@ -15944,147 +16198,7 @@
 </p:sld>
 </file>
 
-<file path=ppt/slides/slide2.xml><?xml version="1.0" encoding="utf-8"?>
-<p:sld xmlns:a="http://schemas.openxmlformats.org/drawingml/2006/main" xmlns:r="http://schemas.openxmlformats.org/officeDocument/2006/relationships" xmlns:p="http://schemas.openxmlformats.org/presentationml/2006/main">
-  <p:cSld>
-    <p:spTree>
-      <p:nvGrpSpPr>
-        <p:cNvPr id="1" name=""/>
-        <p:cNvGrpSpPr/>
-        <p:nvPr/>
-      </p:nvGrpSpPr>
-      <p:grpSpPr>
-        <a:xfrm>
-          <a:off x="0" y="0"/>
-          <a:ext cx="0" cy="0"/>
-          <a:chOff x="0" y="0"/>
-          <a:chExt cx="0" cy="0"/>
-        </a:xfrm>
-      </p:grpSpPr>
-      <p:sp>
-        <p:nvSpPr>
-          <p:cNvPr id="2" name="Título 1"/>
-          <p:cNvSpPr>
-            <a:spLocks noGrp="1"/>
-          </p:cNvSpPr>
-          <p:nvPr>
-            <p:ph type="title"/>
-          </p:nvPr>
-        </p:nvSpPr>
-        <p:spPr>
-          <a:xfrm>
-            <a:off x="1207316" y="99535"/>
-            <a:ext cx="9905998" cy="1478570"/>
-          </a:xfrm>
-        </p:spPr>
-        <p:txBody>
-          <a:bodyPr/>
-          <a:lstStyle/>
-          <a:p>
-            <a:r>
-              <a:rPr lang="es-ES" dirty="0" smtClean="0"/>
-              <a:t>Proyecto: sistema de alquiler de volquetes</a:t>
-            </a:r>
-            <a:endParaRPr lang="es-ES" dirty="0"/>
-          </a:p>
-        </p:txBody>
-      </p:sp>
-      <p:sp>
-        <p:nvSpPr>
-          <p:cNvPr id="3" name="Marcador de contenido 2"/>
-          <p:cNvSpPr>
-            <a:spLocks noGrp="1"/>
-          </p:cNvSpPr>
-          <p:nvPr>
-            <p:ph idx="1"/>
-          </p:nvPr>
-        </p:nvSpPr>
-        <p:spPr>
-          <a:xfrm>
-            <a:off x="1141412" y="1268627"/>
-            <a:ext cx="9905999" cy="5478162"/>
-          </a:xfrm>
-        </p:spPr>
-        <p:txBody>
-          <a:bodyPr/>
-          <a:lstStyle/>
-          <a:p>
-            <a:r>
-              <a:rPr lang="es-ES" dirty="0" smtClean="0"/>
-              <a:t>El sistema consta con la capacidad de poder resolver:</a:t>
-            </a:r>
-          </a:p>
-          <a:p>
-            <a:endParaRPr lang="es-ES" dirty="0" smtClean="0"/>
-          </a:p>
-          <a:p>
-            <a:pPr lvl="1"/>
-            <a:r>
-              <a:rPr lang="es-ES" dirty="0" smtClean="0"/>
-              <a:t>Alquiler de volquetes</a:t>
-            </a:r>
-          </a:p>
-          <a:p>
-            <a:pPr lvl="1"/>
-            <a:r>
-              <a:rPr lang="es-ES" dirty="0" smtClean="0"/>
-              <a:t>Reserva de volquetes</a:t>
-            </a:r>
-          </a:p>
-          <a:p>
-            <a:pPr lvl="1"/>
-            <a:r>
-              <a:rPr lang="es-ES" dirty="0" smtClean="0"/>
-              <a:t>Cancelación de reserva y alquiler</a:t>
-            </a:r>
-          </a:p>
-          <a:p>
-            <a:pPr lvl="1"/>
-            <a:r>
-              <a:rPr lang="es-ES" dirty="0" smtClean="0"/>
-              <a:t>Alta de clientes tanto para empresas como particulares</a:t>
-            </a:r>
-          </a:p>
-          <a:p>
-            <a:pPr lvl="1"/>
-            <a:r>
-              <a:rPr lang="es-ES" dirty="0" smtClean="0"/>
-              <a:t>Modificación y actualización de clientes</a:t>
-            </a:r>
-          </a:p>
-          <a:p>
-            <a:pPr lvl="1"/>
-            <a:r>
-              <a:rPr lang="es-ES" dirty="0" smtClean="0"/>
-              <a:t>Posibilidad de declarar otro domicilio de entrega y registrarlo para futuras entregas</a:t>
-            </a:r>
-          </a:p>
-          <a:p>
-            <a:pPr lvl="1"/>
-            <a:r>
-              <a:rPr lang="es-ES" dirty="0" smtClean="0"/>
-              <a:t>Manejo de los distintos estados del volquete desde el retiro del depósito, entrega en el domicilio declarado, vaciado en CEAMSE, limpieza del mismo y retorno al depósito</a:t>
-            </a:r>
-          </a:p>
-          <a:p>
-            <a:endParaRPr lang="es-ES" dirty="0"/>
-          </a:p>
-        </p:txBody>
-      </p:sp>
-    </p:spTree>
-    <p:extLst>
-      <p:ext uri="{BB962C8B-B14F-4D97-AF65-F5344CB8AC3E}">
-        <p14:creationId xmlns:p14="http://schemas.microsoft.com/office/powerpoint/2010/main" val="2228136664"/>
-      </p:ext>
-    </p:extLst>
-  </p:cSld>
-  <p:clrMapOvr>
-    <a:masterClrMapping/>
-  </p:clrMapOvr>
-</p:sld>
-</file>
-
-<file path=ppt/slides/slide20.xml><?xml version="1.0" encoding="utf-8"?>
+<file path=ppt/slides/slide22.xml><?xml version="1.0" encoding="utf-8"?>
 <p:sld xmlns:a="http://schemas.openxmlformats.org/drawingml/2006/main" xmlns:r="http://schemas.openxmlformats.org/officeDocument/2006/relationships" xmlns:p="http://schemas.openxmlformats.org/presentationml/2006/main">
   <p:cSld>
     <p:spTree>
@@ -16195,11 +16309,6 @@
               </a:rPr>
               <a:t>1.1</a:t>
             </a:r>
-            <a:endParaRPr lang="es-AR" dirty="0" smtClean="0">
-              <a:solidFill>
-                <a:schemeClr val="bg1"/>
-              </a:solidFill>
-            </a:endParaRPr>
           </a:p>
           <a:p>
             <a:pPr algn="ctr"/>
@@ -16271,11 +16380,6 @@
               </a:rPr>
               <a:t>1.1.1</a:t>
             </a:r>
-            <a:endParaRPr lang="es-AR" dirty="0" smtClean="0">
-              <a:solidFill>
-                <a:schemeClr val="bg1"/>
-              </a:solidFill>
-            </a:endParaRPr>
           </a:p>
           <a:p>
             <a:pPr algn="ctr"/>
@@ -16347,11 +16451,6 @@
               </a:rPr>
               <a:t>1.1.2</a:t>
             </a:r>
-            <a:endParaRPr lang="es-AR" dirty="0" smtClean="0">
-              <a:solidFill>
-                <a:schemeClr val="bg1"/>
-              </a:solidFill>
-            </a:endParaRPr>
           </a:p>
           <a:p>
             <a:pPr algn="ctr"/>
@@ -16423,11 +16522,6 @@
               </a:rPr>
               <a:t>1.1.3</a:t>
             </a:r>
-            <a:endParaRPr lang="es-AR" dirty="0" smtClean="0">
-              <a:solidFill>
-                <a:schemeClr val="bg1"/>
-              </a:solidFill>
-            </a:endParaRPr>
           </a:p>
           <a:p>
             <a:pPr algn="ctr"/>
@@ -16576,7 +16670,7 @@
 </p:sld>
 </file>
 
-<file path=ppt/slides/slide21.xml><?xml version="1.0" encoding="utf-8"?>
+<file path=ppt/slides/slide23.xml><?xml version="1.0" encoding="utf-8"?>
 <p:sld xmlns:a="http://schemas.openxmlformats.org/drawingml/2006/main" xmlns:r="http://schemas.openxmlformats.org/officeDocument/2006/relationships" xmlns:p="http://schemas.openxmlformats.org/presentationml/2006/main">
   <p:cSld>
     <p:spTree>
@@ -16647,7 +16741,7 @@
 </p:sld>
 </file>
 
-<file path=ppt/slides/slide22.xml><?xml version="1.0" encoding="utf-8"?>
+<file path=ppt/slides/slide24.xml><?xml version="1.0" encoding="utf-8"?>
 <p:sld xmlns:a="http://schemas.openxmlformats.org/drawingml/2006/main" xmlns:r="http://schemas.openxmlformats.org/officeDocument/2006/relationships" xmlns:p="http://schemas.openxmlformats.org/presentationml/2006/main">
   <p:cSld>
     <p:spTree>
@@ -16754,7 +16848,7 @@
 </p:sld>
 </file>
 
-<file path=ppt/slides/slide23.xml><?xml version="1.0" encoding="utf-8"?>
+<file path=ppt/slides/slide25.xml><?xml version="1.0" encoding="utf-8"?>
 <p:sld xmlns:a="http://schemas.openxmlformats.org/drawingml/2006/main" xmlns:r="http://schemas.openxmlformats.org/officeDocument/2006/relationships" xmlns:p="http://schemas.openxmlformats.org/presentationml/2006/main">
   <p:cSld>
     <p:spTree>
@@ -16814,7 +16908,7 @@
 </p:sld>
 </file>
 
-<file path=ppt/slides/slide24.xml><?xml version="1.0" encoding="utf-8"?>
+<file path=ppt/slides/slide26.xml><?xml version="1.0" encoding="utf-8"?>
 <p:sld xmlns:a="http://schemas.openxmlformats.org/drawingml/2006/main" xmlns:r="http://schemas.openxmlformats.org/officeDocument/2006/relationships" xmlns:p="http://schemas.openxmlformats.org/presentationml/2006/main">
   <p:cSld>
     <p:spTree>
@@ -16874,7 +16968,7 @@
 </p:sld>
 </file>
 
-<file path=ppt/slides/slide25.xml><?xml version="1.0" encoding="utf-8"?>
+<file path=ppt/slides/slide27.xml><?xml version="1.0" encoding="utf-8"?>
 <p:sld xmlns:a="http://schemas.openxmlformats.org/drawingml/2006/main" xmlns:r="http://schemas.openxmlformats.org/officeDocument/2006/relationships" xmlns:p="http://schemas.openxmlformats.org/presentationml/2006/main">
   <p:cSld>
     <p:spTree>
@@ -16934,7 +17028,7 @@
 </p:sld>
 </file>
 
-<file path=ppt/slides/slide26.xml><?xml version="1.0" encoding="utf-8"?>
+<file path=ppt/slides/slide28.xml><?xml version="1.0" encoding="utf-8"?>
 <p:sld xmlns:a="http://schemas.openxmlformats.org/drawingml/2006/main" xmlns:r="http://schemas.openxmlformats.org/officeDocument/2006/relationships" xmlns:p="http://schemas.openxmlformats.org/presentationml/2006/main">
   <p:cSld>
     <p:spTree>
@@ -16994,7 +17088,7 @@
 </p:sld>
 </file>
 
-<file path=ppt/slides/slide27.xml><?xml version="1.0" encoding="utf-8"?>
+<file path=ppt/slides/slide29.xml><?xml version="1.0" encoding="utf-8"?>
 <p:sld xmlns:a="http://schemas.openxmlformats.org/drawingml/2006/main" xmlns:r="http://schemas.openxmlformats.org/officeDocument/2006/relationships" xmlns:p="http://schemas.openxmlformats.org/presentationml/2006/main">
   <p:cSld>
     <p:spTree>
@@ -17083,8 +17177,8 @@
         </p:nvSpPr>
         <p:spPr>
           <a:xfrm>
-            <a:off x="1248505" y="58345"/>
-            <a:ext cx="9905998" cy="954909"/>
+            <a:off x="1207316" y="99535"/>
+            <a:ext cx="9905998" cy="1478570"/>
           </a:xfrm>
         </p:spPr>
         <p:txBody>
@@ -17093,7 +17187,7 @@
           <a:p>
             <a:r>
               <a:rPr lang="es-ES" dirty="0" smtClean="0"/>
-              <a:t>Muestreo de acontecimientos</a:t>
+              <a:t>Proyecto: sistema de alquiler de volquetes</a:t>
             </a:r>
             <a:endParaRPr lang="es-ES" dirty="0"/>
           </a:p>
@@ -17111,8 +17205,8 @@
         </p:nvSpPr>
         <p:spPr>
           <a:xfrm>
-            <a:off x="1248504" y="1013253"/>
-            <a:ext cx="9905999" cy="5659395"/>
+            <a:off x="1141412" y="1268627"/>
+            <a:ext cx="9905999" cy="5478162"/>
           </a:xfrm>
         </p:spPr>
         <p:txBody>
@@ -17121,148 +17215,70 @@
           <a:p>
             <a:r>
               <a:rPr lang="es-ES" dirty="0" smtClean="0"/>
-              <a:t>Acontecimientos referidos a la atención al cliente</a:t>
+              <a:t>El sistema consta con la capacidad de poder resolver:</a:t>
             </a:r>
           </a:p>
           <a:p>
-            <a:pPr lvl="1">
-              <a:spcBef>
-                <a:spcPts val="300"/>
-              </a:spcBef>
-            </a:pPr>
+            <a:endParaRPr lang="es-ES" dirty="0" smtClean="0"/>
+          </a:p>
+          <a:p>
+            <a:pPr lvl="1"/>
             <a:r>
               <a:rPr lang="es-ES" dirty="0" smtClean="0"/>
-              <a:t>El cliente cancela Alquiler</a:t>
+              <a:t>Alquiler de volquetes</a:t>
             </a:r>
           </a:p>
           <a:p>
-            <a:pPr lvl="1">
-              <a:spcBef>
-                <a:spcPts val="300"/>
-              </a:spcBef>
-            </a:pPr>
+            <a:pPr lvl="1"/>
             <a:r>
               <a:rPr lang="es-ES" dirty="0" smtClean="0"/>
-              <a:t>El cliente cancela reserva</a:t>
+              <a:t>Reserva de volquetes</a:t>
             </a:r>
           </a:p>
           <a:p>
-            <a:pPr lvl="1">
-              <a:spcBef>
-                <a:spcPts val="300"/>
-              </a:spcBef>
-            </a:pPr>
+            <a:pPr lvl="1"/>
             <a:r>
               <a:rPr lang="es-ES" dirty="0" smtClean="0"/>
-              <a:t>El cliente paga el restante de la reserva</a:t>
+              <a:t>Cancelación de reserva y alquiler</a:t>
             </a:r>
           </a:p>
           <a:p>
-            <a:pPr lvl="1">
-              <a:spcBef>
-                <a:spcPts val="300"/>
-              </a:spcBef>
-            </a:pPr>
+            <a:pPr lvl="1"/>
             <a:r>
               <a:rPr lang="es-ES" dirty="0" smtClean="0"/>
-              <a:t>El cliente pide prorroga</a:t>
+              <a:t>Alta de clientes tanto para empresas como particulares</a:t>
             </a:r>
           </a:p>
           <a:p>
-            <a:pPr lvl="1">
-              <a:spcBef>
-                <a:spcPts val="300"/>
-              </a:spcBef>
-            </a:pPr>
+            <a:pPr lvl="1"/>
             <a:r>
               <a:rPr lang="es-ES" dirty="0" smtClean="0"/>
-              <a:t>El cliente solicita pedido de volquetes</a:t>
+              <a:t>Modificación y actualización de clientes</a:t>
             </a:r>
-            <a:endParaRPr lang="es-ES" dirty="0"/>
-          </a:p>
-          <a:p>
-            <a:pPr>
-              <a:spcBef>
-                <a:spcPts val="300"/>
-              </a:spcBef>
-            </a:pPr>
+          </a:p>
+          <a:p>
+            <a:pPr lvl="1"/>
             <a:r>
               <a:rPr lang="es-ES" dirty="0" smtClean="0"/>
-              <a:t>Acontecimientos referidos a la entrega y retiros</a:t>
+              <a:t>Posibilidad de declarar otro domicilio de entrega y registrarlo para futuras entregas</a:t>
             </a:r>
           </a:p>
           <a:p>
-            <a:pPr lvl="1">
-              <a:spcBef>
-                <a:spcPts val="300"/>
-              </a:spcBef>
-            </a:pPr>
+            <a:pPr lvl="1"/>
             <a:r>
               <a:rPr lang="es-ES" dirty="0" smtClean="0"/>
-              <a:t>El camionero entrega el pedido</a:t>
+              <a:t>Manejo de los distintos estados del volquete desde el retiro del depósito, entrega en el domicilio declarado, vaciado en CEAMSE, limpieza del mismo y retorno al depósito</a:t>
             </a:r>
           </a:p>
           <a:p>
-            <a:pPr lvl="1">
-              <a:spcBef>
-                <a:spcPts val="300"/>
-              </a:spcBef>
-            </a:pPr>
-            <a:r>
-              <a:rPr lang="es-ES" dirty="0" smtClean="0"/>
-              <a:t>El camionero retira el pedido (cliente)</a:t>
-            </a:r>
-          </a:p>
-          <a:p>
-            <a:pPr lvl="1">
-              <a:spcBef>
-                <a:spcPts val="300"/>
-              </a:spcBef>
-            </a:pPr>
-            <a:r>
-              <a:rPr lang="es-ES" dirty="0" smtClean="0"/>
-              <a:t>El camionero retira el pedido (depósito)</a:t>
-            </a:r>
-          </a:p>
-          <a:p>
-            <a:pPr lvl="1">
-              <a:spcBef>
-                <a:spcPts val="300"/>
-              </a:spcBef>
-            </a:pPr>
-            <a:r>
-              <a:rPr lang="es-ES" dirty="0" smtClean="0"/>
-              <a:t>El camionero entrega volquete a CEAMSE</a:t>
-            </a:r>
-          </a:p>
-          <a:p>
-            <a:pPr lvl="1">
-              <a:spcBef>
-                <a:spcPts val="300"/>
-              </a:spcBef>
-            </a:pPr>
-            <a:r>
-              <a:rPr lang="es-ES" dirty="0" smtClean="0"/>
-              <a:t>El camionero retira volquete de CEAMSE</a:t>
-            </a:r>
-          </a:p>
-          <a:p>
-            <a:pPr lvl="1">
-              <a:spcBef>
-                <a:spcPts val="300"/>
-              </a:spcBef>
-            </a:pPr>
-            <a:r>
-              <a:rPr lang="es-ES" dirty="0" smtClean="0"/>
-              <a:t>El camionero entrega volquete a sector de limpieza</a:t>
-            </a:r>
+            <a:endParaRPr lang="es-ES" dirty="0"/>
           </a:p>
         </p:txBody>
       </p:sp>
     </p:spTree>
     <p:extLst>
       <p:ext uri="{BB962C8B-B14F-4D97-AF65-F5344CB8AC3E}">
-        <p14:creationId xmlns:p14="http://schemas.microsoft.com/office/powerpoint/2010/main" val="2488066209"/>
+        <p14:creationId xmlns:p14="http://schemas.microsoft.com/office/powerpoint/2010/main" val="2228136664"/>
       </p:ext>
     </p:extLst>
   </p:cSld>
@@ -17299,14 +17315,19 @@
             <p:ph type="title"/>
           </p:nvPr>
         </p:nvSpPr>
-        <p:spPr/>
+        <p:spPr>
+          <a:xfrm>
+            <a:off x="1248505" y="58345"/>
+            <a:ext cx="9905998" cy="954909"/>
+          </a:xfrm>
+        </p:spPr>
         <p:txBody>
           <a:bodyPr/>
           <a:lstStyle/>
           <a:p>
             <a:r>
               <a:rPr lang="es-ES" dirty="0" smtClean="0"/>
-              <a:t>DIAGRAMA DE CONTEXTO</a:t>
+              <a:t>Muestreo de acontecimientos</a:t>
             </a:r>
             <a:endParaRPr lang="es-ES" dirty="0"/>
           </a:p>
@@ -17322,19 +17343,160 @@
             <p:ph idx="1"/>
           </p:nvPr>
         </p:nvSpPr>
-        <p:spPr/>
+        <p:spPr>
+          <a:xfrm>
+            <a:off x="1248504" y="1013253"/>
+            <a:ext cx="9905999" cy="5659395"/>
+          </a:xfrm>
+        </p:spPr>
         <p:txBody>
           <a:bodyPr/>
           <a:lstStyle/>
           <a:p>
+            <a:r>
+              <a:rPr lang="es-ES" dirty="0" smtClean="0"/>
+              <a:t>Acontecimientos referidos a la atención al cliente</a:t>
+            </a:r>
+          </a:p>
+          <a:p>
+            <a:pPr lvl="1">
+              <a:spcBef>
+                <a:spcPts val="300"/>
+              </a:spcBef>
+            </a:pPr>
+            <a:r>
+              <a:rPr lang="es-ES" dirty="0" smtClean="0"/>
+              <a:t>El cliente cancela Alquiler</a:t>
+            </a:r>
+          </a:p>
+          <a:p>
+            <a:pPr lvl="1">
+              <a:spcBef>
+                <a:spcPts val="300"/>
+              </a:spcBef>
+            </a:pPr>
+            <a:r>
+              <a:rPr lang="es-ES" dirty="0" smtClean="0"/>
+              <a:t>El cliente cancela reserva</a:t>
+            </a:r>
+          </a:p>
+          <a:p>
+            <a:pPr lvl="1">
+              <a:spcBef>
+                <a:spcPts val="300"/>
+              </a:spcBef>
+            </a:pPr>
+            <a:r>
+              <a:rPr lang="es-ES" dirty="0" smtClean="0"/>
+              <a:t>El cliente paga el restante de la reserva</a:t>
+            </a:r>
+          </a:p>
+          <a:p>
+            <a:pPr lvl="1">
+              <a:spcBef>
+                <a:spcPts val="300"/>
+              </a:spcBef>
+            </a:pPr>
+            <a:r>
+              <a:rPr lang="es-ES" dirty="0" smtClean="0"/>
+              <a:t>El cliente pide prorroga</a:t>
+            </a:r>
+          </a:p>
+          <a:p>
+            <a:pPr lvl="1">
+              <a:spcBef>
+                <a:spcPts val="300"/>
+              </a:spcBef>
+            </a:pPr>
+            <a:r>
+              <a:rPr lang="es-ES" dirty="0" smtClean="0"/>
+              <a:t>El cliente solicita pedido de volquetes</a:t>
+            </a:r>
             <a:endParaRPr lang="es-ES" dirty="0"/>
+          </a:p>
+          <a:p>
+            <a:pPr>
+              <a:spcBef>
+                <a:spcPts val="300"/>
+              </a:spcBef>
+            </a:pPr>
+            <a:r>
+              <a:rPr lang="es-ES" dirty="0" smtClean="0"/>
+              <a:t>Acontecimientos referidos a la entrega y retiros</a:t>
+            </a:r>
+          </a:p>
+          <a:p>
+            <a:pPr lvl="1">
+              <a:spcBef>
+                <a:spcPts val="300"/>
+              </a:spcBef>
+            </a:pPr>
+            <a:r>
+              <a:rPr lang="es-ES" dirty="0" smtClean="0"/>
+              <a:t>El camionero entrega el pedido</a:t>
+            </a:r>
+          </a:p>
+          <a:p>
+            <a:pPr lvl="1">
+              <a:spcBef>
+                <a:spcPts val="300"/>
+              </a:spcBef>
+            </a:pPr>
+            <a:r>
+              <a:rPr lang="es-ES" dirty="0" smtClean="0"/>
+              <a:t>El camionero retira el pedido (cliente)</a:t>
+            </a:r>
+          </a:p>
+          <a:p>
+            <a:pPr lvl="1">
+              <a:spcBef>
+                <a:spcPts val="300"/>
+              </a:spcBef>
+            </a:pPr>
+            <a:r>
+              <a:rPr lang="es-ES" dirty="0" smtClean="0"/>
+              <a:t>El camionero retira el pedido (depósito)</a:t>
+            </a:r>
+          </a:p>
+          <a:p>
+            <a:pPr lvl="1">
+              <a:spcBef>
+                <a:spcPts val="300"/>
+              </a:spcBef>
+            </a:pPr>
+            <a:r>
+              <a:rPr lang="es-ES" dirty="0" smtClean="0"/>
+              <a:t>El camionero entrega volquete a CEAMSE</a:t>
+            </a:r>
+          </a:p>
+          <a:p>
+            <a:pPr lvl="1">
+              <a:spcBef>
+                <a:spcPts val="300"/>
+              </a:spcBef>
+            </a:pPr>
+            <a:r>
+              <a:rPr lang="es-ES" dirty="0" smtClean="0"/>
+              <a:t>El camionero retira volquete de CEAMSE</a:t>
+            </a:r>
+          </a:p>
+          <a:p>
+            <a:pPr lvl="1">
+              <a:spcBef>
+                <a:spcPts val="300"/>
+              </a:spcBef>
+            </a:pPr>
+            <a:r>
+              <a:rPr lang="es-ES" dirty="0" smtClean="0"/>
+              <a:t>El camionero entrega volquete a sector de limpieza</a:t>
+            </a:r>
           </a:p>
         </p:txBody>
       </p:sp>
     </p:spTree>
     <p:extLst>
       <p:ext uri="{BB962C8B-B14F-4D97-AF65-F5344CB8AC3E}">
-        <p14:creationId xmlns:p14="http://schemas.microsoft.com/office/powerpoint/2010/main" val="2471256536"/>
+        <p14:creationId xmlns:p14="http://schemas.microsoft.com/office/powerpoint/2010/main" val="2488066209"/>
       </p:ext>
     </p:extLst>
   </p:cSld>
@@ -17371,57 +17533,46 @@
             <p:ph type="title"/>
           </p:nvPr>
         </p:nvSpPr>
-        <p:spPr>
-          <a:xfrm>
-            <a:off x="1256743" y="0"/>
-            <a:ext cx="10094998" cy="622570"/>
-          </a:xfrm>
-        </p:spPr>
+        <p:spPr/>
         <p:txBody>
           <a:bodyPr/>
           <a:lstStyle/>
           <a:p>
             <a:r>
-              <a:rPr lang="es-ES" dirty="0" smtClean="0"/>
-              <a:t>DFD – Particionados asincrónicos</a:t>
+              <a:rPr lang="es-AR" dirty="0" smtClean="0"/>
+              <a:t>DECLARACION DE PROPOSITO</a:t>
             </a:r>
-            <a:endParaRPr lang="es-ES" dirty="0"/>
+            <a:endParaRPr lang="es-AR" dirty="0"/>
           </a:p>
         </p:txBody>
       </p:sp>
-      <p:pic>
-        <p:nvPicPr>
-          <p:cNvPr id="7" name="Marcador de contenido 6"/>
-          <p:cNvPicPr>
-            <a:picLocks noGrp="1" noChangeAspect="1"/>
-          </p:cNvPicPr>
+      <p:sp>
+        <p:nvSpPr>
+          <p:cNvPr id="3" name="Marcador de contenido 2"/>
+          <p:cNvSpPr>
+            <a:spLocks noGrp="1"/>
+          </p:cNvSpPr>
           <p:nvPr>
             <p:ph idx="1"/>
           </p:nvPr>
-        </p:nvPicPr>
-        <p:blipFill>
-          <a:blip r:embed="rId2">
-            <a:extLst>
-              <a:ext uri="{28A0092B-C50C-407E-A947-70E740481C1C}">
-                <a14:useLocalDpi xmlns:a14="http://schemas.microsoft.com/office/drawing/2010/main" val="0"/>
-              </a:ext>
-            </a:extLst>
-          </a:blip>
-          <a:stretch>
-            <a:fillRect/>
-          </a:stretch>
-        </p:blipFill>
-        <p:spPr>
-          <a:xfrm>
-            <a:off x="2036997" y="622570"/>
-            <a:ext cx="7739302" cy="6068669"/>
-          </a:xfrm>
-        </p:spPr>
-      </p:pic>
+        </p:nvSpPr>
+        <p:spPr/>
+        <p:txBody>
+          <a:bodyPr/>
+          <a:lstStyle/>
+          <a:p>
+            <a:r>
+              <a:rPr lang="es-AR" dirty="0" smtClean="0"/>
+              <a:t>El propósito del sistema es poder cubrir las necesidades de la empresa con mejoras en sus operaciones, pudiendo obtener informes en tiempo real del estado del sistema, además mejorar el tiempo de entrega y retiro añadiendo funcionalidades de área de influencia, teniendo un impacto también en el análisis del mercado propio de la empresa. </a:t>
+            </a:r>
+            <a:endParaRPr lang="es-AR" dirty="0"/>
+          </a:p>
+        </p:txBody>
+      </p:sp>
     </p:spTree>
     <p:extLst>
       <p:ext uri="{BB962C8B-B14F-4D97-AF65-F5344CB8AC3E}">
-        <p14:creationId xmlns:p14="http://schemas.microsoft.com/office/powerpoint/2010/main" val="840033559"/>
+        <p14:creationId xmlns:p14="http://schemas.microsoft.com/office/powerpoint/2010/main" val="44634250"/>
       </p:ext>
     </p:extLst>
   </p:cSld>
@@ -17458,57 +17609,42 @@
             <p:ph type="title"/>
           </p:nvPr>
         </p:nvSpPr>
-        <p:spPr>
-          <a:xfrm>
-            <a:off x="1256743" y="0"/>
-            <a:ext cx="10094998" cy="622570"/>
-          </a:xfrm>
-        </p:spPr>
+        <p:spPr/>
         <p:txBody>
           <a:bodyPr/>
           <a:lstStyle/>
           <a:p>
             <a:r>
               <a:rPr lang="es-ES" dirty="0" smtClean="0"/>
-              <a:t>DFD – Particionados asincrónicos</a:t>
+              <a:t>DIAGRAMA DE CONTEXTO</a:t>
             </a:r>
             <a:endParaRPr lang="es-ES" dirty="0"/>
           </a:p>
         </p:txBody>
       </p:sp>
-      <p:pic>
-        <p:nvPicPr>
-          <p:cNvPr id="8" name="Marcador de contenido 7"/>
-          <p:cNvPicPr>
-            <a:picLocks noGrp="1" noChangeAspect="1"/>
-          </p:cNvPicPr>
+      <p:sp>
+        <p:nvSpPr>
+          <p:cNvPr id="3" name="Marcador de contenido 2"/>
+          <p:cNvSpPr>
+            <a:spLocks noGrp="1"/>
+          </p:cNvSpPr>
           <p:nvPr>
             <p:ph idx="1"/>
           </p:nvPr>
-        </p:nvPicPr>
-        <p:blipFill>
-          <a:blip r:embed="rId2">
-            <a:extLst>
-              <a:ext uri="{28A0092B-C50C-407E-A947-70E740481C1C}">
-                <a14:useLocalDpi xmlns:a14="http://schemas.microsoft.com/office/drawing/2010/main" val="0"/>
-              </a:ext>
-            </a:extLst>
-          </a:blip>
-          <a:stretch>
-            <a:fillRect/>
-          </a:stretch>
-        </p:blipFill>
-        <p:spPr>
-          <a:xfrm>
-            <a:off x="1624208" y="622569"/>
-            <a:ext cx="8998395" cy="6079787"/>
-          </a:xfrm>
-        </p:spPr>
-      </p:pic>
+        </p:nvSpPr>
+        <p:spPr/>
+        <p:txBody>
+          <a:bodyPr/>
+          <a:lstStyle/>
+          <a:p>
+            <a:endParaRPr lang="es-ES" dirty="0"/>
+          </a:p>
+        </p:txBody>
+      </p:sp>
     </p:spTree>
     <p:extLst>
       <p:ext uri="{BB962C8B-B14F-4D97-AF65-F5344CB8AC3E}">
-        <p14:creationId xmlns:p14="http://schemas.microsoft.com/office/powerpoint/2010/main" val="3341080989"/>
+        <p14:creationId xmlns:p14="http://schemas.microsoft.com/office/powerpoint/2010/main" val="2471256536"/>
       </p:ext>
     </p:extLst>
   </p:cSld>
@@ -17565,11 +17701,13 @@
       </p:sp>
       <p:pic>
         <p:nvPicPr>
-          <p:cNvPr id="7" name="Imagen 6"/>
+          <p:cNvPr id="7" name="Marcador de contenido 6"/>
           <p:cNvPicPr>
-            <a:picLocks noChangeAspect="1"/>
+            <a:picLocks noGrp="1" noChangeAspect="1"/>
           </p:cNvPicPr>
-          <p:nvPr/>
+          <p:nvPr>
+            <p:ph idx="1"/>
+          </p:nvPr>
         </p:nvPicPr>
         <p:blipFill>
           <a:blip r:embed="rId2">
@@ -17585,18 +17723,15 @@
         </p:blipFill>
         <p:spPr>
           <a:xfrm>
-            <a:off x="1420345" y="622570"/>
-            <a:ext cx="8842335" cy="6121286"/>
+            <a:off x="2036997" y="622570"/>
+            <a:ext cx="7739302" cy="6068669"/>
           </a:xfrm>
-          <a:prstGeom prst="rect">
-            <a:avLst/>
-          </a:prstGeom>
         </p:spPr>
       </p:pic>
     </p:spTree>
     <p:extLst>
       <p:ext uri="{BB962C8B-B14F-4D97-AF65-F5344CB8AC3E}">
-        <p14:creationId xmlns:p14="http://schemas.microsoft.com/office/powerpoint/2010/main" val="985274720"/>
+        <p14:creationId xmlns:p14="http://schemas.microsoft.com/office/powerpoint/2010/main" val="840033559"/>
       </p:ext>
     </p:extLst>
   </p:cSld>
@@ -17653,11 +17788,13 @@
       </p:sp>
       <p:pic>
         <p:nvPicPr>
-          <p:cNvPr id="3" name="Imagen 2"/>
+          <p:cNvPr id="8" name="Marcador de contenido 7"/>
           <p:cNvPicPr>
-            <a:picLocks noChangeAspect="1"/>
+            <a:picLocks noGrp="1" noChangeAspect="1"/>
           </p:cNvPicPr>
-          <p:nvPr/>
+          <p:nvPr>
+            <p:ph idx="1"/>
+          </p:nvPr>
         </p:nvPicPr>
         <p:blipFill>
           <a:blip r:embed="rId2">
@@ -17673,18 +17810,15 @@
         </p:blipFill>
         <p:spPr>
           <a:xfrm>
-            <a:off x="2213650" y="622570"/>
-            <a:ext cx="7261090" cy="6164248"/>
+            <a:off x="1624208" y="622569"/>
+            <a:ext cx="8998395" cy="6079787"/>
           </a:xfrm>
-          <a:prstGeom prst="rect">
-            <a:avLst/>
-          </a:prstGeom>
         </p:spPr>
       </p:pic>
     </p:spTree>
     <p:extLst>
       <p:ext uri="{BB962C8B-B14F-4D97-AF65-F5344CB8AC3E}">
-        <p14:creationId xmlns:p14="http://schemas.microsoft.com/office/powerpoint/2010/main" val="2043521765"/>
+        <p14:creationId xmlns:p14="http://schemas.microsoft.com/office/powerpoint/2010/main" val="3341080989"/>
       </p:ext>
     </p:extLst>
   </p:cSld>
@@ -17741,7 +17875,7 @@
       </p:sp>
       <p:pic>
         <p:nvPicPr>
-          <p:cNvPr id="4" name="Imagen 3"/>
+          <p:cNvPr id="7" name="Imagen 6"/>
           <p:cNvPicPr>
             <a:picLocks noChangeAspect="1"/>
           </p:cNvPicPr>
@@ -17761,8 +17895,8 @@
         </p:blipFill>
         <p:spPr>
           <a:xfrm>
-            <a:off x="1386180" y="483152"/>
-            <a:ext cx="9460160" cy="6238661"/>
+            <a:off x="1420345" y="622570"/>
+            <a:ext cx="8842335" cy="6121286"/>
           </a:xfrm>
           <a:prstGeom prst="rect">
             <a:avLst/>
@@ -17772,7 +17906,7 @@
     </p:spTree>
     <p:extLst>
       <p:ext uri="{BB962C8B-B14F-4D97-AF65-F5344CB8AC3E}">
-        <p14:creationId xmlns:p14="http://schemas.microsoft.com/office/powerpoint/2010/main" val="2437847035"/>
+        <p14:creationId xmlns:p14="http://schemas.microsoft.com/office/powerpoint/2010/main" val="985274720"/>
       </p:ext>
     </p:extLst>
   </p:cSld>
@@ -18027,7 +18161,7 @@
   <a:extraClrSchemeLst/>
   <a:extLst>
     <a:ext uri="{05A4C25C-085E-4340-85A3-A5531E510DB2}">
-      <thm15:themeFamily xmlns:thm15="http://schemas.microsoft.com/office/thememl/2012/main" xmlns="" name="Circuit" id="{0AC2F7E7-15F5-431C-B2A2-456FE929F56C}" vid="{0911B802-464C-4241-8DD9-B60FF88E379F}"/>
+      <thm15:themeFamily xmlns:thm15="http://schemas.microsoft.com/office/thememl/2012/main" name="Circuit" id="{0AC2F7E7-15F5-431C-B2A2-456FE929F56C}" vid="{0911B802-464C-4241-8DD9-B60FF88E379F}"/>
     </a:ext>
   </a:extLst>
 </a:theme>

--- a/PPT.pptx
+++ b/PPT.pptx
@@ -15382,13 +15382,13 @@
       </p:sp>
       <p:sp>
         <p:nvSpPr>
-          <p:cNvPr id="9" name="8 Elipse"/>
+          <p:cNvPr id="10" name="9 Elipse"/>
           <p:cNvSpPr/>
           <p:nvPr/>
         </p:nvSpPr>
         <p:spPr>
           <a:xfrm>
-            <a:off x="8287660" y="3973285"/>
+            <a:off x="2195286" y="3973285"/>
             <a:ext cx="2206172" cy="2162628"/>
           </a:xfrm>
           <a:prstGeom prst="ellipse">
@@ -15418,14 +15418,14 @@
             <a:pPr algn="ctr"/>
             <a:r>
               <a:rPr lang="es-AR" dirty="0" smtClean="0"/>
-              <a:t>3</a:t>
+              <a:t>5</a:t>
             </a:r>
           </a:p>
           <a:p>
             <a:pPr algn="ctr"/>
             <a:r>
               <a:rPr lang="es-AR" dirty="0" smtClean="0"/>
-              <a:t>Subsistema de Transporte</a:t>
+              <a:t>Subsistema de RRHH y Liquidación</a:t>
             </a:r>
             <a:endParaRPr lang="es-AR" dirty="0"/>
           </a:p>
@@ -15433,13 +15433,13 @@
       </p:sp>
       <p:sp>
         <p:nvSpPr>
-          <p:cNvPr id="10" name="9 Elipse"/>
+          <p:cNvPr id="11" name="10 Elipse"/>
           <p:cNvSpPr/>
           <p:nvPr/>
         </p:nvSpPr>
         <p:spPr>
           <a:xfrm>
-            <a:off x="1458686" y="3973285"/>
+            <a:off x="7433128" y="3998685"/>
             <a:ext cx="2206172" cy="2162628"/>
           </a:xfrm>
           <a:prstGeom prst="ellipse">
@@ -15469,57 +15469,6 @@
             <a:pPr algn="ctr"/>
             <a:r>
               <a:rPr lang="es-AR" dirty="0" smtClean="0"/>
-              <a:t>5</a:t>
-            </a:r>
-          </a:p>
-          <a:p>
-            <a:pPr algn="ctr"/>
-            <a:r>
-              <a:rPr lang="es-AR" dirty="0" smtClean="0"/>
-              <a:t>Subsistema de RRHH y Liquidación</a:t>
-            </a:r>
-            <a:endParaRPr lang="es-AR" dirty="0"/>
-          </a:p>
-        </p:txBody>
-      </p:sp>
-      <p:sp>
-        <p:nvSpPr>
-          <p:cNvPr id="11" name="10 Elipse"/>
-          <p:cNvSpPr/>
-          <p:nvPr/>
-        </p:nvSpPr>
-        <p:spPr>
-          <a:xfrm>
-            <a:off x="4880428" y="3973285"/>
-            <a:ext cx="2206172" cy="2162628"/>
-          </a:xfrm>
-          <a:prstGeom prst="ellipse">
-            <a:avLst/>
-          </a:prstGeom>
-        </p:spPr>
-        <p:style>
-          <a:lnRef idx="2">
-            <a:schemeClr val="accent1">
-              <a:shade val="50000"/>
-            </a:schemeClr>
-          </a:lnRef>
-          <a:fillRef idx="1">
-            <a:schemeClr val="accent1"/>
-          </a:fillRef>
-          <a:effectRef idx="0">
-            <a:schemeClr val="accent1"/>
-          </a:effectRef>
-          <a:fontRef idx="minor">
-            <a:schemeClr val="lt1"/>
-          </a:fontRef>
-        </p:style>
-        <p:txBody>
-          <a:bodyPr rtlCol="0" anchor="ctr"/>
-          <a:lstStyle/>
-          <a:p>
-            <a:pPr algn="ctr"/>
-            <a:r>
-              <a:rPr lang="es-AR" dirty="0" smtClean="0"/>
               <a:t>4</a:t>
             </a:r>
           </a:p>
@@ -15533,46 +15482,6 @@
           </a:p>
         </p:txBody>
       </p:sp>
-      <p:cxnSp>
-        <p:nvCxnSpPr>
-          <p:cNvPr id="16" name="15 Conector recto de flecha"/>
-          <p:cNvCxnSpPr>
-            <a:stCxn id="8" idx="4"/>
-            <a:endCxn id="9" idx="0"/>
-          </p:cNvCxnSpPr>
-          <p:nvPr/>
-        </p:nvCxnSpPr>
-        <p:spPr>
-          <a:xfrm>
-            <a:off x="8498114" y="3048000"/>
-            <a:ext cx="892632" cy="925285"/>
-          </a:xfrm>
-          <a:prstGeom prst="straightConnector1">
-            <a:avLst/>
-          </a:prstGeom>
-          <a:ln w="25400">
-            <a:solidFill>
-              <a:schemeClr val="bg1"/>
-            </a:solidFill>
-            <a:headEnd type="arrow"/>
-            <a:tailEnd type="arrow"/>
-          </a:ln>
-        </p:spPr>
-        <p:style>
-          <a:lnRef idx="1">
-            <a:schemeClr val="accent1"/>
-          </a:lnRef>
-          <a:fillRef idx="0">
-            <a:schemeClr val="accent1"/>
-          </a:fillRef>
-          <a:effectRef idx="0">
-            <a:schemeClr val="accent1"/>
-          </a:effectRef>
-          <a:fontRef idx="minor">
-            <a:schemeClr val="tx1"/>
-          </a:fontRef>
-        </p:style>
-      </p:cxnSp>
       <p:cxnSp>
         <p:nvCxnSpPr>
           <p:cNvPr id="20" name="19 Conector recto de flecha"/>
@@ -15585,7 +15494,7 @@
         <p:spPr>
           <a:xfrm>
             <a:off x="4248915" y="2731290"/>
-            <a:ext cx="954599" cy="1558705"/>
+            <a:ext cx="3507299" cy="1584105"/>
           </a:xfrm>
           <a:prstGeom prst="straightConnector1">
             <a:avLst/>
@@ -15617,14 +15526,14 @@
         <p:nvCxnSpPr>
           <p:cNvPr id="59" name="58 Conector recto de flecha"/>
           <p:cNvCxnSpPr>
-            <a:endCxn id="3" idx="1"/>
+            <a:endCxn id="3" idx="2"/>
           </p:cNvCxnSpPr>
           <p:nvPr/>
         </p:nvCxnSpPr>
         <p:spPr>
           <a:xfrm>
             <a:off x="1182914" y="609600"/>
-            <a:ext cx="1506001" cy="592482"/>
+            <a:ext cx="1182915" cy="1357086"/>
           </a:xfrm>
           <a:prstGeom prst="straightConnector1">
             <a:avLst/>
@@ -15692,56 +15601,17 @@
       </p:cxnSp>
       <p:cxnSp>
         <p:nvCxnSpPr>
-          <p:cNvPr id="70" name="69 Conector recto de flecha"/>
+          <p:cNvPr id="73" name="72 Conector recto de flecha"/>
           <p:cNvCxnSpPr>
-            <a:stCxn id="11" idx="6"/>
-            <a:endCxn id="9" idx="2"/>
+            <a:stCxn id="11" idx="0"/>
+            <a:endCxn id="8" idx="4"/>
           </p:cNvCxnSpPr>
           <p:nvPr/>
         </p:nvCxnSpPr>
         <p:spPr>
-          <a:xfrm>
-            <a:off x="7086600" y="5054599"/>
-            <a:ext cx="1201060" cy="0"/>
-          </a:xfrm>
-          <a:prstGeom prst="straightConnector1">
-            <a:avLst/>
-          </a:prstGeom>
-          <a:ln w="25400">
-            <a:solidFill>
-              <a:schemeClr val="bg1"/>
-            </a:solidFill>
-            <a:tailEnd type="arrow"/>
-          </a:ln>
-        </p:spPr>
-        <p:style>
-          <a:lnRef idx="1">
-            <a:schemeClr val="accent1"/>
-          </a:lnRef>
-          <a:fillRef idx="0">
-            <a:schemeClr val="accent1"/>
-          </a:fillRef>
-          <a:effectRef idx="0">
-            <a:schemeClr val="accent1"/>
-          </a:effectRef>
-          <a:fontRef idx="minor">
-            <a:schemeClr val="tx1"/>
-          </a:fontRef>
-        </p:style>
-      </p:cxnSp>
-      <p:cxnSp>
-        <p:nvCxnSpPr>
-          <p:cNvPr id="73" name="72 Conector recto de flecha"/>
-          <p:cNvCxnSpPr>
-            <a:stCxn id="11" idx="7"/>
-            <a:endCxn id="8" idx="3"/>
-          </p:cNvCxnSpPr>
-          <p:nvPr/>
-        </p:nvCxnSpPr>
-        <p:spPr>
-          <a:xfrm flipV="1">
-            <a:off x="6763514" y="2731290"/>
-            <a:ext cx="954600" cy="1558705"/>
+          <a:xfrm flipH="1" flipV="1">
+            <a:off x="8498114" y="3048000"/>
+            <a:ext cx="38100" cy="950685"/>
           </a:xfrm>
           <a:prstGeom prst="straightConnector1">
             <a:avLst/>
@@ -15778,7 +15648,7 @@
         </p:nvCxnSpPr>
         <p:spPr>
           <a:xfrm flipH="1">
-            <a:off x="798286" y="5054599"/>
+            <a:off x="1534886" y="5054599"/>
             <a:ext cx="660400" cy="1081314"/>
           </a:xfrm>
           <a:prstGeom prst="straightConnector1">
@@ -15816,9 +15686,9 @@
           <p:nvPr/>
         </p:nvCxnSpPr>
         <p:spPr>
-          <a:xfrm flipH="1">
-            <a:off x="3664858" y="5054599"/>
-            <a:ext cx="1215570" cy="0"/>
+          <a:xfrm flipH="1" flipV="1">
+            <a:off x="4401458" y="5054599"/>
+            <a:ext cx="3031670" cy="25400"/>
           </a:xfrm>
           <a:prstGeom prst="straightConnector1">
             <a:avLst/>
